--- a/3_화면설계서_v1.0.pptx
+++ b/3_화면설계서_v1.0.pptx
@@ -14,9 +14,9 @@
     <p:sldId id="258" r:id="rId5"/>
     <p:sldId id="287" r:id="rId6"/>
     <p:sldId id="288" r:id="rId7"/>
-    <p:sldId id="295" r:id="rId8"/>
-    <p:sldId id="293" r:id="rId9"/>
-    <p:sldId id="294" r:id="rId10"/>
+    <p:sldId id="293" r:id="rId8"/>
+    <p:sldId id="294" r:id="rId9"/>
+    <p:sldId id="296" r:id="rId10"/>
   </p:sldIdLst>
   <p:sldSz cx="9906000" cy="6858000" type="A4"/>
   <p:notesSz cx="6858000" cy="9144000"/>
@@ -29,20 +29,25 @@
       <p:boldItalic r:id="rId15"/>
     </p:embeddedFont>
     <p:embeddedFont>
-      <p:font typeface="Quattrocento Sans" panose="020B0604020202020204" charset="0"/>
+      <p:font typeface="Noto Sans Symbols" panose="020B0502040504020204" pitchFamily="50" charset="-127"/>
       <p:regular r:id="rId16"/>
-      <p:bold r:id="rId17"/>
-      <p:italic r:id="rId18"/>
-      <p:boldItalic r:id="rId19"/>
+    </p:embeddedFont>
+    <p:embeddedFont>
+      <p:font typeface="Quattrocento Sans" panose="020B0600000101010101" charset="0"/>
+      <p:regular r:id="rId17"/>
+      <p:bold r:id="rId18"/>
+      <p:italic r:id="rId19"/>
+      <p:boldItalic r:id="rId20"/>
     </p:embeddedFont>
     <p:embeddedFont>
       <p:font typeface="맑은 고딕" panose="020B0503020000020004" pitchFamily="50" charset="-127"/>
-      <p:regular r:id="rId20"/>
-      <p:bold r:id="rId21"/>
+      <p:regular r:id="rId21"/>
+      <p:bold r:id="rId22"/>
     </p:embeddedFont>
     <p:embeddedFont>
-      <p:font typeface="Noto Sans Symbols" panose="020B0600000101010101" charset="-127"/>
-      <p:regular r:id="rId22"/>
+      <p:font typeface="맑은 고딕" panose="020B0503020000020004" pitchFamily="50" charset="-127"/>
+      <p:regular r:id="rId21"/>
+      <p:bold r:id="rId22"/>
     </p:embeddedFont>
   </p:embeddedFontLst>
   <p:defaultTextStyle>
@@ -276,7 +281,18 @@
   </p:defaultTextStyle>
   <p:extLst>
     <p:ext uri="{EFAFB233-063F-42B5-8137-9DF3F51BA10A}">
-      <p15:sldGuideLst xmlns:p15="http://schemas.microsoft.com/office/powerpoint/2012/main" xmlns=""/>
+      <p15:sldGuideLst xmlns:p15="http://schemas.microsoft.com/office/powerpoint/2012/main">
+        <p15:guide id="1" orient="horz" pos="2160">
+          <p15:clr>
+            <a:srgbClr val="A4A3A4"/>
+          </p15:clr>
+        </p15:guide>
+        <p15:guide id="2" pos="3120">
+          <p15:clr>
+            <a:srgbClr val="A4A3A4"/>
+          </p15:clr>
+        </p15:guide>
+      </p15:sldGuideLst>
     </p:ext>
   </p:extLst>
 </p:presentation>
@@ -4029,7 +4045,7 @@
     </p:spTree>
     <p:extLst>
       <p:ext uri="{BB962C8B-B14F-4D97-AF65-F5344CB8AC3E}">
-        <p14:creationId xmlns:p14="http://schemas.microsoft.com/office/powerpoint/2010/main" val="3462226447"/>
+        <p14:creationId xmlns:p14="http://schemas.microsoft.com/office/powerpoint/2010/main" val="114159616"/>
       </p:ext>
     </p:extLst>
   </p:cSld>
@@ -4138,7 +4154,7 @@
     </p:spTree>
     <p:extLst>
       <p:ext uri="{BB962C8B-B14F-4D97-AF65-F5344CB8AC3E}">
-        <p14:creationId xmlns:p14="http://schemas.microsoft.com/office/powerpoint/2010/main" val="114159616"/>
+        <p14:creationId xmlns:p14="http://schemas.microsoft.com/office/powerpoint/2010/main" val="1950227712"/>
       </p:ext>
     </p:extLst>
   </p:cSld>
@@ -4247,7 +4263,7 @@
     </p:spTree>
     <p:extLst>
       <p:ext uri="{BB962C8B-B14F-4D97-AF65-F5344CB8AC3E}">
-        <p14:creationId xmlns:p14="http://schemas.microsoft.com/office/powerpoint/2010/main" val="1950227712"/>
+        <p14:creationId xmlns:p14="http://schemas.microsoft.com/office/powerpoint/2010/main" val="1381781518"/>
       </p:ext>
     </p:extLst>
   </p:cSld>
@@ -7263,42 +7279,42 @@
                 <a:gridCol w="1315075">
                   <a:extLst>
                     <a:ext uri="{9D8B030D-6E8A-4147-A177-3AD203B41FA5}">
-                      <a16:colId xmlns:a16="http://schemas.microsoft.com/office/drawing/2014/main" xmlns="" val="20000"/>
+                      <a16:colId xmlns:a16="http://schemas.microsoft.com/office/drawing/2014/main" val="20000"/>
                     </a:ext>
                   </a:extLst>
                 </a:gridCol>
                 <a:gridCol w="1728400">
                   <a:extLst>
                     <a:ext uri="{9D8B030D-6E8A-4147-A177-3AD203B41FA5}">
-                      <a16:colId xmlns:a16="http://schemas.microsoft.com/office/drawing/2014/main" xmlns="" val="20001"/>
+                      <a16:colId xmlns:a16="http://schemas.microsoft.com/office/drawing/2014/main" val="20001"/>
                     </a:ext>
                   </a:extLst>
                 </a:gridCol>
                 <a:gridCol w="1224275">
                   <a:extLst>
                     <a:ext uri="{9D8B030D-6E8A-4147-A177-3AD203B41FA5}">
-                      <a16:colId xmlns:a16="http://schemas.microsoft.com/office/drawing/2014/main" xmlns="" val="20002"/>
+                      <a16:colId xmlns:a16="http://schemas.microsoft.com/office/drawing/2014/main" val="20002"/>
                     </a:ext>
                   </a:extLst>
                 </a:gridCol>
                 <a:gridCol w="1512350">
                   <a:extLst>
                     <a:ext uri="{9D8B030D-6E8A-4147-A177-3AD203B41FA5}">
-                      <a16:colId xmlns:a16="http://schemas.microsoft.com/office/drawing/2014/main" xmlns="" val="20003"/>
+                      <a16:colId xmlns:a16="http://schemas.microsoft.com/office/drawing/2014/main" val="20003"/>
                     </a:ext>
                   </a:extLst>
                 </a:gridCol>
                 <a:gridCol w="1368325">
                   <a:extLst>
                     <a:ext uri="{9D8B030D-6E8A-4147-A177-3AD203B41FA5}">
-                      <a16:colId xmlns:a16="http://schemas.microsoft.com/office/drawing/2014/main" xmlns="" val="20004"/>
+                      <a16:colId xmlns:a16="http://schemas.microsoft.com/office/drawing/2014/main" val="20004"/>
                     </a:ext>
                   </a:extLst>
                 </a:gridCol>
                 <a:gridCol w="1589175">
                   <a:extLst>
                     <a:ext uri="{9D8B030D-6E8A-4147-A177-3AD203B41FA5}">
-                      <a16:colId xmlns:a16="http://schemas.microsoft.com/office/drawing/2014/main" xmlns="" val="20005"/>
+                      <a16:colId xmlns:a16="http://schemas.microsoft.com/office/drawing/2014/main" val="20005"/>
                     </a:ext>
                   </a:extLst>
                 </a:gridCol>
@@ -7501,7 +7517,7 @@
                 </a:tc>
                 <a:extLst>
                   <a:ext uri="{0D108BD9-81ED-4DB2-BD59-A6C34878D82A}">
-                    <a16:rowId xmlns:a16="http://schemas.microsoft.com/office/drawing/2014/main" xmlns="" val="10000"/>
+                    <a16:rowId xmlns:a16="http://schemas.microsoft.com/office/drawing/2014/main" val="10000"/>
                   </a:ext>
                 </a:extLst>
               </a:tr>
@@ -7907,7 +7923,7 @@
                 </a:tc>
                 <a:extLst>
                   <a:ext uri="{0D108BD9-81ED-4DB2-BD59-A6C34878D82A}">
-                    <a16:rowId xmlns:a16="http://schemas.microsoft.com/office/drawing/2014/main" xmlns="" val="10001"/>
+                    <a16:rowId xmlns:a16="http://schemas.microsoft.com/office/drawing/2014/main" val="10001"/>
                   </a:ext>
                 </a:extLst>
               </a:tr>
@@ -8455,7 +8471,7 @@
                 </a:tc>
                 <a:extLst>
                   <a:ext uri="{0D108BD9-81ED-4DB2-BD59-A6C34878D82A}">
-                    <a16:rowId xmlns:a16="http://schemas.microsoft.com/office/drawing/2014/main" xmlns="" val="10002"/>
+                    <a16:rowId xmlns:a16="http://schemas.microsoft.com/office/drawing/2014/main" val="10002"/>
                   </a:ext>
                 </a:extLst>
               </a:tr>
@@ -8927,7 +8943,7 @@
                 </a:tc>
                 <a:extLst>
                   <a:ext uri="{0D108BD9-81ED-4DB2-BD59-A6C34878D82A}">
-                    <a16:rowId xmlns:a16="http://schemas.microsoft.com/office/drawing/2014/main" xmlns="" val="10003"/>
+                    <a16:rowId xmlns:a16="http://schemas.microsoft.com/office/drawing/2014/main" val="10003"/>
                   </a:ext>
                 </a:extLst>
               </a:tr>
@@ -9143,21 +9159,21 @@
                 <a:gridCol w="744765">
                   <a:extLst>
                     <a:ext uri="{9D8B030D-6E8A-4147-A177-3AD203B41FA5}">
-                      <a16:colId xmlns:a16="http://schemas.microsoft.com/office/drawing/2014/main" xmlns="" val="20000"/>
+                      <a16:colId xmlns:a16="http://schemas.microsoft.com/office/drawing/2014/main" val="20000"/>
                     </a:ext>
                   </a:extLst>
                 </a:gridCol>
                 <a:gridCol w="7629856">
                   <a:extLst>
                     <a:ext uri="{9D8B030D-6E8A-4147-A177-3AD203B41FA5}">
-                      <a16:colId xmlns:a16="http://schemas.microsoft.com/office/drawing/2014/main" xmlns="" val="20001"/>
+                      <a16:colId xmlns:a16="http://schemas.microsoft.com/office/drawing/2014/main" val="20001"/>
                     </a:ext>
                   </a:extLst>
                 </a:gridCol>
                 <a:gridCol w="744765">
                   <a:extLst>
                     <a:ext uri="{9D8B030D-6E8A-4147-A177-3AD203B41FA5}">
-                      <a16:colId xmlns:a16="http://schemas.microsoft.com/office/drawing/2014/main" xmlns="" val="20002"/>
+                      <a16:colId xmlns:a16="http://schemas.microsoft.com/office/drawing/2014/main" val="20002"/>
                     </a:ext>
                   </a:extLst>
                 </a:gridCol>
@@ -9411,7 +9427,7 @@
                 </a:tc>
                 <a:extLst>
                   <a:ext uri="{0D108BD9-81ED-4DB2-BD59-A6C34878D82A}">
-                    <a16:rowId xmlns:a16="http://schemas.microsoft.com/office/drawing/2014/main" xmlns="" val="10000"/>
+                    <a16:rowId xmlns:a16="http://schemas.microsoft.com/office/drawing/2014/main" val="10000"/>
                   </a:ext>
                 </a:extLst>
               </a:tr>
@@ -9643,7 +9659,7 @@
                 </a:tc>
                 <a:extLst>
                   <a:ext uri="{0D108BD9-81ED-4DB2-BD59-A6C34878D82A}">
-                    <a16:rowId xmlns:a16="http://schemas.microsoft.com/office/drawing/2014/main" xmlns="" val="10001"/>
+                    <a16:rowId xmlns:a16="http://schemas.microsoft.com/office/drawing/2014/main" val="10001"/>
                   </a:ext>
                 </a:extLst>
               </a:tr>
@@ -9875,7 +9891,7 @@
                 </a:tc>
                 <a:extLst>
                   <a:ext uri="{0D108BD9-81ED-4DB2-BD59-A6C34878D82A}">
-                    <a16:rowId xmlns:a16="http://schemas.microsoft.com/office/drawing/2014/main" xmlns="" val="10002"/>
+                    <a16:rowId xmlns:a16="http://schemas.microsoft.com/office/drawing/2014/main" val="10002"/>
                   </a:ext>
                 </a:extLst>
               </a:tr>
@@ -10107,7 +10123,7 @@
                 </a:tc>
                 <a:extLst>
                   <a:ext uri="{0D108BD9-81ED-4DB2-BD59-A6C34878D82A}">
-                    <a16:rowId xmlns:a16="http://schemas.microsoft.com/office/drawing/2014/main" xmlns="" val="10003"/>
+                    <a16:rowId xmlns:a16="http://schemas.microsoft.com/office/drawing/2014/main" val="10003"/>
                   </a:ext>
                 </a:extLst>
               </a:tr>
@@ -10345,7 +10361,7 @@
                 </a:tc>
                 <a:extLst>
                   <a:ext uri="{0D108BD9-81ED-4DB2-BD59-A6C34878D82A}">
-                    <a16:rowId xmlns:a16="http://schemas.microsoft.com/office/drawing/2014/main" xmlns="" val="10004"/>
+                    <a16:rowId xmlns:a16="http://schemas.microsoft.com/office/drawing/2014/main" val="10004"/>
                   </a:ext>
                 </a:extLst>
               </a:tr>
@@ -10553,7 +10569,7 @@
                 </a:tc>
                 <a:extLst>
                   <a:ext uri="{0D108BD9-81ED-4DB2-BD59-A6C34878D82A}">
-                    <a16:rowId xmlns:a16="http://schemas.microsoft.com/office/drawing/2014/main" xmlns="" val="10005"/>
+                    <a16:rowId xmlns:a16="http://schemas.microsoft.com/office/drawing/2014/main" val="10005"/>
                   </a:ext>
                 </a:extLst>
               </a:tr>
@@ -10761,7 +10777,7 @@
                 </a:tc>
                 <a:extLst>
                   <a:ext uri="{0D108BD9-81ED-4DB2-BD59-A6C34878D82A}">
-                    <a16:rowId xmlns:a16="http://schemas.microsoft.com/office/drawing/2014/main" xmlns="" val="10006"/>
+                    <a16:rowId xmlns:a16="http://schemas.microsoft.com/office/drawing/2014/main" val="10006"/>
                   </a:ext>
                 </a:extLst>
               </a:tr>
@@ -10969,7 +10985,7 @@
                 </a:tc>
                 <a:extLst>
                   <a:ext uri="{0D108BD9-81ED-4DB2-BD59-A6C34878D82A}">
-                    <a16:rowId xmlns:a16="http://schemas.microsoft.com/office/drawing/2014/main" xmlns="" val="10007"/>
+                    <a16:rowId xmlns:a16="http://schemas.microsoft.com/office/drawing/2014/main" val="10007"/>
                   </a:ext>
                 </a:extLst>
               </a:tr>
@@ -11177,7 +11193,7 @@
                 </a:tc>
                 <a:extLst>
                   <a:ext uri="{0D108BD9-81ED-4DB2-BD59-A6C34878D82A}">
-                    <a16:rowId xmlns:a16="http://schemas.microsoft.com/office/drawing/2014/main" xmlns="" val="10008"/>
+                    <a16:rowId xmlns:a16="http://schemas.microsoft.com/office/drawing/2014/main" val="10008"/>
                   </a:ext>
                 </a:extLst>
               </a:tr>
@@ -11385,7 +11401,7 @@
                 </a:tc>
                 <a:extLst>
                   <a:ext uri="{0D108BD9-81ED-4DB2-BD59-A6C34878D82A}">
-                    <a16:rowId xmlns:a16="http://schemas.microsoft.com/office/drawing/2014/main" xmlns="" val="10009"/>
+                    <a16:rowId xmlns:a16="http://schemas.microsoft.com/office/drawing/2014/main" val="10009"/>
                   </a:ext>
                 </a:extLst>
               </a:tr>
@@ -11593,7 +11609,7 @@
                 </a:tc>
                 <a:extLst>
                   <a:ext uri="{0D108BD9-81ED-4DB2-BD59-A6C34878D82A}">
-                    <a16:rowId xmlns:a16="http://schemas.microsoft.com/office/drawing/2014/main" xmlns="" val="10010"/>
+                    <a16:rowId xmlns:a16="http://schemas.microsoft.com/office/drawing/2014/main" val="10010"/>
                   </a:ext>
                 </a:extLst>
               </a:tr>
@@ -11801,7 +11817,7 @@
                 </a:tc>
                 <a:extLst>
                   <a:ext uri="{0D108BD9-81ED-4DB2-BD59-A6C34878D82A}">
-                    <a16:rowId xmlns:a16="http://schemas.microsoft.com/office/drawing/2014/main" xmlns="" val="10011"/>
+                    <a16:rowId xmlns:a16="http://schemas.microsoft.com/office/drawing/2014/main" val="10011"/>
                   </a:ext>
                 </a:extLst>
               </a:tr>
@@ -12009,7 +12025,7 @@
                 </a:tc>
                 <a:extLst>
                   <a:ext uri="{0D108BD9-81ED-4DB2-BD59-A6C34878D82A}">
-                    <a16:rowId xmlns:a16="http://schemas.microsoft.com/office/drawing/2014/main" xmlns="" val="10012"/>
+                    <a16:rowId xmlns:a16="http://schemas.microsoft.com/office/drawing/2014/main" val="10012"/>
                   </a:ext>
                 </a:extLst>
               </a:tr>
@@ -12217,7 +12233,7 @@
                 </a:tc>
                 <a:extLst>
                   <a:ext uri="{0D108BD9-81ED-4DB2-BD59-A6C34878D82A}">
-                    <a16:rowId xmlns:a16="http://schemas.microsoft.com/office/drawing/2014/main" xmlns="" val="10013"/>
+                    <a16:rowId xmlns:a16="http://schemas.microsoft.com/office/drawing/2014/main" val="10013"/>
                   </a:ext>
                 </a:extLst>
               </a:tr>
@@ -12425,7 +12441,7 @@
                 </a:tc>
                 <a:extLst>
                   <a:ext uri="{0D108BD9-81ED-4DB2-BD59-A6C34878D82A}">
-                    <a16:rowId xmlns:a16="http://schemas.microsoft.com/office/drawing/2014/main" xmlns="" val="10014"/>
+                    <a16:rowId xmlns:a16="http://schemas.microsoft.com/office/drawing/2014/main" val="10014"/>
                   </a:ext>
                 </a:extLst>
               </a:tr>
@@ -12847,7 +12863,7 @@
           <p:cNvPr id="2" name="Google Shape;111;p13">
             <a:extLst>
               <a:ext uri="{FF2B5EF4-FFF2-40B4-BE49-F238E27FC236}">
-                <a16:creationId xmlns:a16="http://schemas.microsoft.com/office/drawing/2014/main" xmlns="" id="{8DB8B214-B2C0-4F60-8ABB-05BD425FF6FD}"/>
+                <a16:creationId xmlns:a16="http://schemas.microsoft.com/office/drawing/2014/main" id="{8DB8B214-B2C0-4F60-8ABB-05BD425FF6FD}"/>
               </a:ext>
             </a:extLst>
           </p:cNvPr>
@@ -12856,7 +12872,7 @@
         </p:nvSpPr>
         <p:spPr>
           <a:xfrm>
-            <a:off x="4549215" y="2851964"/>
+            <a:off x="4403132" y="3079179"/>
             <a:ext cx="652582" cy="241995"/>
           </a:xfrm>
           <a:prstGeom prst="roundRect">
@@ -12919,7 +12935,7 @@
           <p:cNvPr id="3" name="Google Shape;111;p13">
             <a:extLst>
               <a:ext uri="{FF2B5EF4-FFF2-40B4-BE49-F238E27FC236}">
-                <a16:creationId xmlns:a16="http://schemas.microsoft.com/office/drawing/2014/main" xmlns="" id="{527B2B31-5479-4CAE-AB89-C5ECF52AABE4}"/>
+                <a16:creationId xmlns:a16="http://schemas.microsoft.com/office/drawing/2014/main" id="{527B2B31-5479-4CAE-AB89-C5ECF52AABE4}"/>
               </a:ext>
             </a:extLst>
           </p:cNvPr>
@@ -12928,7 +12944,7 @@
         </p:nvSpPr>
         <p:spPr>
           <a:xfrm>
-            <a:off x="3569540" y="2856312"/>
+            <a:off x="3423457" y="3083527"/>
             <a:ext cx="545006" cy="241995"/>
           </a:xfrm>
           <a:prstGeom prst="roundRect">
@@ -12974,7 +12990,7 @@
           <p:cNvPr id="4" name="그림 4">
             <a:extLst>
               <a:ext uri="{FF2B5EF4-FFF2-40B4-BE49-F238E27FC236}">
-                <a16:creationId xmlns:a16="http://schemas.microsoft.com/office/drawing/2014/main" xmlns="" id="{36B1BCA9-0C6E-4832-A501-C7F53864F532}"/>
+                <a16:creationId xmlns:a16="http://schemas.microsoft.com/office/drawing/2014/main" id="{36B1BCA9-0C6E-4832-A501-C7F53864F532}"/>
               </a:ext>
             </a:extLst>
           </p:cNvPr>
@@ -13004,7 +13020,7 @@
           <p:cNvPr id="11" name="Google Shape;199;p16">
             <a:extLst>
               <a:ext uri="{FF2B5EF4-FFF2-40B4-BE49-F238E27FC236}">
-                <a16:creationId xmlns:a16="http://schemas.microsoft.com/office/drawing/2014/main" xmlns="" id="{D17BCE7D-BCB5-4303-A7EB-B82699ED36B5}"/>
+                <a16:creationId xmlns:a16="http://schemas.microsoft.com/office/drawing/2014/main" id="{D17BCE7D-BCB5-4303-A7EB-B82699ED36B5}"/>
               </a:ext>
             </a:extLst>
           </p:cNvPr>
@@ -13057,7 +13073,7 @@
           <p:cNvPr id="12" name="Google Shape;200;p16">
             <a:extLst>
               <a:ext uri="{FF2B5EF4-FFF2-40B4-BE49-F238E27FC236}">
-                <a16:creationId xmlns:a16="http://schemas.microsoft.com/office/drawing/2014/main" xmlns="" id="{22CB6A53-4FDE-40F5-A9FB-B62B2D2ECE3E}"/>
+                <a16:creationId xmlns:a16="http://schemas.microsoft.com/office/drawing/2014/main" id="{22CB6A53-4FDE-40F5-A9FB-B62B2D2ECE3E}"/>
               </a:ext>
             </a:extLst>
           </p:cNvPr>
@@ -13117,7 +13133,7 @@
           <p:cNvPr id="13" name="Google Shape;199;p16">
             <a:extLst>
               <a:ext uri="{FF2B5EF4-FFF2-40B4-BE49-F238E27FC236}">
-                <a16:creationId xmlns:a16="http://schemas.microsoft.com/office/drawing/2014/main" xmlns="" id="{2849AAD5-3226-49D6-9227-100CDF9C4330}"/>
+                <a16:creationId xmlns:a16="http://schemas.microsoft.com/office/drawing/2014/main" id="{2849AAD5-3226-49D6-9227-100CDF9C4330}"/>
               </a:ext>
             </a:extLst>
           </p:cNvPr>
@@ -13172,7 +13188,7 @@
           <p:cNvPr id="14" name="Google Shape;200;p16">
             <a:extLst>
               <a:ext uri="{FF2B5EF4-FFF2-40B4-BE49-F238E27FC236}">
-                <a16:creationId xmlns:a16="http://schemas.microsoft.com/office/drawing/2014/main" xmlns="" id="{BDDE5A0A-ADA9-4EA9-8E68-E1CC10DBA880}"/>
+                <a16:creationId xmlns:a16="http://schemas.microsoft.com/office/drawing/2014/main" id="{BDDE5A0A-ADA9-4EA9-8E68-E1CC10DBA880}"/>
               </a:ext>
             </a:extLst>
           </p:cNvPr>
@@ -13250,16 +13266,303 @@
           <a:lstStyle/>
           <a:p>
             <a:r>
-              <a:rPr lang="ko-KR" altLang="en-US" sz="2400" b="1" dirty="0" smtClean="0"/>
-              <a:t>로그</a:t>
-            </a:r>
-            <a:r>
               <a:rPr lang="ko-KR" altLang="en-US" sz="2400" b="1" dirty="0"/>
-              <a:t>인</a:t>
+              <a:t>로그인</a:t>
             </a:r>
           </a:p>
         </p:txBody>
       </p:sp>
+      <p:sp>
+        <p:nvSpPr>
+          <p:cNvPr id="7" name="TextBox 6">
+            <a:extLst>
+              <a:ext uri="{FF2B5EF4-FFF2-40B4-BE49-F238E27FC236}">
+                <a16:creationId xmlns:a16="http://schemas.microsoft.com/office/drawing/2014/main" id="{3D089082-A322-44DD-8C32-97ABD9532263}"/>
+              </a:ext>
+            </a:extLst>
+          </p:cNvPr>
+          <p:cNvSpPr txBox="1"/>
+          <p:nvPr/>
+        </p:nvSpPr>
+        <p:spPr>
+          <a:xfrm>
+            <a:off x="3986074" y="2785069"/>
+            <a:ext cx="184731" cy="307777"/>
+          </a:xfrm>
+          <a:prstGeom prst="rect">
+            <a:avLst/>
+          </a:prstGeom>
+          <a:noFill/>
+        </p:spPr>
+        <p:txBody>
+          <a:bodyPr wrap="none" rtlCol="0">
+            <a:spAutoFit/>
+          </a:bodyPr>
+          <a:lstStyle/>
+          <a:p>
+            <a:endParaRPr lang="ko-KR" altLang="en-US" dirty="0"/>
+          </a:p>
+        </p:txBody>
+      </p:sp>
+      <p:grpSp>
+        <p:nvGrpSpPr>
+          <p:cNvPr id="8" name="그룹 7">
+            <a:extLst>
+              <a:ext uri="{FF2B5EF4-FFF2-40B4-BE49-F238E27FC236}">
+                <a16:creationId xmlns:a16="http://schemas.microsoft.com/office/drawing/2014/main" id="{457809A8-9338-41F5-A335-C4FF6DA58919}"/>
+              </a:ext>
+            </a:extLst>
+          </p:cNvPr>
+          <p:cNvGrpSpPr/>
+          <p:nvPr/>
+        </p:nvGrpSpPr>
+        <p:grpSpPr>
+          <a:xfrm>
+            <a:off x="3695960" y="2673390"/>
+            <a:ext cx="691087" cy="230792"/>
+            <a:chOff x="3695960" y="2673390"/>
+            <a:chExt cx="691087" cy="230792"/>
+          </a:xfrm>
+        </p:grpSpPr>
+        <p:sp>
+          <p:nvSpPr>
+            <p:cNvPr id="6" name="타원 5">
+              <a:extLst>
+                <a:ext uri="{FF2B5EF4-FFF2-40B4-BE49-F238E27FC236}">
+                  <a16:creationId xmlns:a16="http://schemas.microsoft.com/office/drawing/2014/main" id="{C05024D5-08B5-4794-B6FF-9C18D7546E20}"/>
+                </a:ext>
+              </a:extLst>
+            </p:cNvPr>
+            <p:cNvSpPr/>
+            <p:nvPr/>
+          </p:nvSpPr>
+          <p:spPr>
+            <a:xfrm>
+              <a:off x="3695960" y="2699615"/>
+              <a:ext cx="181572" cy="170908"/>
+            </a:xfrm>
+            <a:prstGeom prst="ellipse">
+              <a:avLst/>
+            </a:prstGeom>
+            <a:noFill/>
+            <a:ln w="12700">
+              <a:solidFill>
+                <a:schemeClr val="tx1"/>
+              </a:solidFill>
+            </a:ln>
+          </p:spPr>
+          <p:style>
+            <a:lnRef idx="2">
+              <a:schemeClr val="accent1">
+                <a:shade val="50000"/>
+              </a:schemeClr>
+            </a:lnRef>
+            <a:fillRef idx="1">
+              <a:schemeClr val="accent1"/>
+            </a:fillRef>
+            <a:effectRef idx="0">
+              <a:schemeClr val="accent1"/>
+            </a:effectRef>
+            <a:fontRef idx="minor">
+              <a:schemeClr val="lt1"/>
+            </a:fontRef>
+          </p:style>
+          <p:txBody>
+            <a:bodyPr rtlCol="0" anchor="ctr"/>
+            <a:lstStyle/>
+            <a:p>
+              <a:pPr algn="ctr"/>
+              <a:endParaRPr lang="ko-KR" altLang="en-US"/>
+            </a:p>
+          </p:txBody>
+        </p:sp>
+        <p:sp>
+          <p:nvSpPr>
+            <p:cNvPr id="17" name="Google Shape;199;p16">
+              <a:extLst>
+                <a:ext uri="{FF2B5EF4-FFF2-40B4-BE49-F238E27FC236}">
+                  <a16:creationId xmlns:a16="http://schemas.microsoft.com/office/drawing/2014/main" id="{C09E388D-027E-43A0-81BC-AB3A82BA74B3}"/>
+                </a:ext>
+              </a:extLst>
+            </p:cNvPr>
+            <p:cNvSpPr txBox="1"/>
+            <p:nvPr/>
+          </p:nvSpPr>
+          <p:spPr>
+            <a:xfrm>
+              <a:off x="3842042" y="2673390"/>
+              <a:ext cx="545005" cy="230792"/>
+            </a:xfrm>
+            <a:prstGeom prst="rect">
+              <a:avLst/>
+            </a:prstGeom>
+            <a:noFill/>
+            <a:ln>
+              <a:noFill/>
+            </a:ln>
+          </p:spPr>
+          <p:txBody>
+            <a:bodyPr spcFirstLastPara="1" wrap="square" lIns="91425" tIns="45700" rIns="91425" bIns="45700" anchor="t" anchorCtr="0">
+              <a:spAutoFit/>
+            </a:bodyPr>
+            <a:lstStyle/>
+            <a:p>
+              <a:pPr marL="0" marR="0" lvl="0" indent="0" algn="l" rtl="0">
+                <a:spcBef>
+                  <a:spcPts val="0"/>
+                </a:spcBef>
+                <a:spcAft>
+                  <a:spcPts val="0"/>
+                </a:spcAft>
+                <a:buNone/>
+              </a:pPr>
+              <a:r>
+                <a:rPr lang="ko-KR" altLang="en-US" sz="900">
+                  <a:solidFill>
+                    <a:schemeClr val="dk1"/>
+                  </a:solidFill>
+                  <a:latin typeface="Malgun Gothic"/>
+                  <a:ea typeface="Malgun Gothic"/>
+                </a:rPr>
+                <a:t>관리자</a:t>
+              </a:r>
+              <a:endParaRPr lang="ko-KR" altLang="en-US" sz="900" dirty="0">
+                <a:solidFill>
+                  <a:schemeClr val="dk1"/>
+                </a:solidFill>
+                <a:latin typeface="Malgun Gothic"/>
+                <a:ea typeface="Malgun Gothic"/>
+              </a:endParaRPr>
+            </a:p>
+          </p:txBody>
+        </p:sp>
+      </p:grpSp>
+      <p:grpSp>
+        <p:nvGrpSpPr>
+          <p:cNvPr id="20" name="그룹 19">
+            <a:extLst>
+              <a:ext uri="{FF2B5EF4-FFF2-40B4-BE49-F238E27FC236}">
+                <a16:creationId xmlns:a16="http://schemas.microsoft.com/office/drawing/2014/main" id="{014E4079-A89C-4860-A056-16B69ED2EEF7}"/>
+              </a:ext>
+            </a:extLst>
+          </p:cNvPr>
+          <p:cNvGrpSpPr/>
+          <p:nvPr/>
+        </p:nvGrpSpPr>
+        <p:grpSpPr>
+          <a:xfrm>
+            <a:off x="4358427" y="2673390"/>
+            <a:ext cx="691087" cy="230792"/>
+            <a:chOff x="3695960" y="2673390"/>
+            <a:chExt cx="691087" cy="230792"/>
+          </a:xfrm>
+        </p:grpSpPr>
+        <p:sp>
+          <p:nvSpPr>
+            <p:cNvPr id="21" name="타원 20">
+              <a:extLst>
+                <a:ext uri="{FF2B5EF4-FFF2-40B4-BE49-F238E27FC236}">
+                  <a16:creationId xmlns:a16="http://schemas.microsoft.com/office/drawing/2014/main" id="{2BEA3B07-4D18-4131-9398-C26DF3181535}"/>
+                </a:ext>
+              </a:extLst>
+            </p:cNvPr>
+            <p:cNvSpPr/>
+            <p:nvPr/>
+          </p:nvSpPr>
+          <p:spPr>
+            <a:xfrm>
+              <a:off x="3695960" y="2699615"/>
+              <a:ext cx="181572" cy="170908"/>
+            </a:xfrm>
+            <a:prstGeom prst="ellipse">
+              <a:avLst/>
+            </a:prstGeom>
+            <a:noFill/>
+            <a:ln w="12700">
+              <a:solidFill>
+                <a:schemeClr val="tx1"/>
+              </a:solidFill>
+            </a:ln>
+          </p:spPr>
+          <p:style>
+            <a:lnRef idx="2">
+              <a:schemeClr val="accent1">
+                <a:shade val="50000"/>
+              </a:schemeClr>
+            </a:lnRef>
+            <a:fillRef idx="1">
+              <a:schemeClr val="accent1"/>
+            </a:fillRef>
+            <a:effectRef idx="0">
+              <a:schemeClr val="accent1"/>
+            </a:effectRef>
+            <a:fontRef idx="minor">
+              <a:schemeClr val="lt1"/>
+            </a:fontRef>
+          </p:style>
+          <p:txBody>
+            <a:bodyPr rtlCol="0" anchor="ctr"/>
+            <a:lstStyle/>
+            <a:p>
+              <a:pPr algn="ctr"/>
+              <a:endParaRPr lang="ko-KR" altLang="en-US"/>
+            </a:p>
+          </p:txBody>
+        </p:sp>
+        <p:sp>
+          <p:nvSpPr>
+            <p:cNvPr id="22" name="Google Shape;199;p16">
+              <a:extLst>
+                <a:ext uri="{FF2B5EF4-FFF2-40B4-BE49-F238E27FC236}">
+                  <a16:creationId xmlns:a16="http://schemas.microsoft.com/office/drawing/2014/main" id="{084E3C58-3E98-496F-AFB3-A509D1E13EBD}"/>
+                </a:ext>
+              </a:extLst>
+            </p:cNvPr>
+            <p:cNvSpPr txBox="1"/>
+            <p:nvPr/>
+          </p:nvSpPr>
+          <p:spPr>
+            <a:xfrm>
+              <a:off x="3842042" y="2673390"/>
+              <a:ext cx="545005" cy="230792"/>
+            </a:xfrm>
+            <a:prstGeom prst="rect">
+              <a:avLst/>
+            </a:prstGeom>
+            <a:noFill/>
+            <a:ln>
+              <a:noFill/>
+            </a:ln>
+          </p:spPr>
+          <p:txBody>
+            <a:bodyPr spcFirstLastPara="1" wrap="square" lIns="91425" tIns="45700" rIns="91425" bIns="45700" anchor="t" anchorCtr="0">
+              <a:spAutoFit/>
+            </a:bodyPr>
+            <a:lstStyle/>
+            <a:p>
+              <a:pPr marL="0" marR="0" lvl="0" indent="0" algn="l" rtl="0">
+                <a:spcBef>
+                  <a:spcPts val="0"/>
+                </a:spcBef>
+                <a:spcAft>
+                  <a:spcPts val="0"/>
+                </a:spcAft>
+                <a:buNone/>
+              </a:pPr>
+              <a:r>
+                <a:rPr lang="ko-KR" altLang="en-US" sz="900" dirty="0">
+                  <a:solidFill>
+                    <a:schemeClr val="dk1"/>
+                  </a:solidFill>
+                  <a:latin typeface="Malgun Gothic"/>
+                  <a:ea typeface="Malgun Gothic"/>
+                </a:rPr>
+                <a:t>학생</a:t>
+              </a:r>
+            </a:p>
+          </p:txBody>
+        </p:sp>
+      </p:grpSp>
     </p:spTree>
     <p:extLst>
       <p:ext uri="{BB962C8B-B14F-4D97-AF65-F5344CB8AC3E}">
@@ -13655,7 +13958,7 @@
           <p:cNvPr id="2" name="Google Shape;111;p13">
             <a:extLst>
               <a:ext uri="{FF2B5EF4-FFF2-40B4-BE49-F238E27FC236}">
-                <a16:creationId xmlns:a16="http://schemas.microsoft.com/office/drawing/2014/main" xmlns="" id="{8DB8B214-B2C0-4F60-8ABB-05BD425FF6FD}"/>
+                <a16:creationId xmlns:a16="http://schemas.microsoft.com/office/drawing/2014/main" id="{8DB8B214-B2C0-4F60-8ABB-05BD425FF6FD}"/>
               </a:ext>
             </a:extLst>
           </p:cNvPr>
@@ -13664,7 +13967,7 @@
         </p:nvSpPr>
         <p:spPr>
           <a:xfrm>
-            <a:off x="3367048" y="4205227"/>
+            <a:off x="3367048" y="4644252"/>
             <a:ext cx="491217" cy="241995"/>
           </a:xfrm>
           <a:prstGeom prst="roundRect">
@@ -13718,7 +14021,7 @@
           <p:cNvPr id="4" name="그림 4">
             <a:extLst>
               <a:ext uri="{FF2B5EF4-FFF2-40B4-BE49-F238E27FC236}">
-                <a16:creationId xmlns:a16="http://schemas.microsoft.com/office/drawing/2014/main" xmlns="" id="{36B1BCA9-0C6E-4832-A501-C7F53864F532}"/>
+                <a16:creationId xmlns:a16="http://schemas.microsoft.com/office/drawing/2014/main" id="{36B1BCA9-0C6E-4832-A501-C7F53864F532}"/>
               </a:ext>
             </a:extLst>
           </p:cNvPr>
@@ -13748,7 +14051,7 @@
           <p:cNvPr id="5" name="Google Shape;199;p16">
             <a:extLst>
               <a:ext uri="{FF2B5EF4-FFF2-40B4-BE49-F238E27FC236}">
-                <a16:creationId xmlns:a16="http://schemas.microsoft.com/office/drawing/2014/main" xmlns="" id="{9A075475-D4CA-4339-954A-82015C03B710}"/>
+                <a16:creationId xmlns:a16="http://schemas.microsoft.com/office/drawing/2014/main" id="{9A075475-D4CA-4339-954A-82015C03B710}"/>
               </a:ext>
             </a:extLst>
           </p:cNvPr>
@@ -13801,7 +14104,7 @@
           <p:cNvPr id="6" name="Google Shape;200;p16">
             <a:extLst>
               <a:ext uri="{FF2B5EF4-FFF2-40B4-BE49-F238E27FC236}">
-                <a16:creationId xmlns:a16="http://schemas.microsoft.com/office/drawing/2014/main" xmlns="" id="{2EE5FF0B-E0A3-4A4C-82A5-3A5E82341C3F}"/>
+                <a16:creationId xmlns:a16="http://schemas.microsoft.com/office/drawing/2014/main" id="{2EE5FF0B-E0A3-4A4C-82A5-3A5E82341C3F}"/>
               </a:ext>
             </a:extLst>
           </p:cNvPr>
@@ -13861,7 +14164,7 @@
           <p:cNvPr id="15" name="Google Shape;199;p16">
             <a:extLst>
               <a:ext uri="{FF2B5EF4-FFF2-40B4-BE49-F238E27FC236}">
-                <a16:creationId xmlns:a16="http://schemas.microsoft.com/office/drawing/2014/main" xmlns="" id="{C91B3B3C-F097-4426-A9A7-77BD218C412E}"/>
+                <a16:creationId xmlns:a16="http://schemas.microsoft.com/office/drawing/2014/main" id="{C91B3B3C-F097-4426-A9A7-77BD218C412E}"/>
               </a:ext>
             </a:extLst>
           </p:cNvPr>
@@ -13916,7 +14219,7 @@
           <p:cNvPr id="16" name="Google Shape;200;p16">
             <a:extLst>
               <a:ext uri="{FF2B5EF4-FFF2-40B4-BE49-F238E27FC236}">
-                <a16:creationId xmlns:a16="http://schemas.microsoft.com/office/drawing/2014/main" xmlns="" id="{65D5855F-E71F-4065-8066-6E56B57E1ACA}"/>
+                <a16:creationId xmlns:a16="http://schemas.microsoft.com/office/drawing/2014/main" id="{65D5855F-E71F-4065-8066-6E56B57E1ACA}"/>
               </a:ext>
             </a:extLst>
           </p:cNvPr>
@@ -13976,7 +14279,7 @@
           <p:cNvPr id="17" name="Google Shape;199;p16">
             <a:extLst>
               <a:ext uri="{FF2B5EF4-FFF2-40B4-BE49-F238E27FC236}">
-                <a16:creationId xmlns:a16="http://schemas.microsoft.com/office/drawing/2014/main" xmlns="" id="{41360B6E-EE97-4C97-995B-6B6C26C232DE}"/>
+                <a16:creationId xmlns:a16="http://schemas.microsoft.com/office/drawing/2014/main" id="{41360B6E-EE97-4C97-995B-6B6C26C232DE}"/>
               </a:ext>
             </a:extLst>
           </p:cNvPr>
@@ -14029,7 +14332,7 @@
           <p:cNvPr id="18" name="Google Shape;200;p16">
             <a:extLst>
               <a:ext uri="{FF2B5EF4-FFF2-40B4-BE49-F238E27FC236}">
-                <a16:creationId xmlns:a16="http://schemas.microsoft.com/office/drawing/2014/main" xmlns="" id="{A05E228A-6D41-4AC7-91DB-0B47C6C45BFC}"/>
+                <a16:creationId xmlns:a16="http://schemas.microsoft.com/office/drawing/2014/main" id="{A05E228A-6D41-4AC7-91DB-0B47C6C45BFC}"/>
               </a:ext>
             </a:extLst>
           </p:cNvPr>
@@ -14089,7 +14392,7 @@
           <p:cNvPr id="19" name="Google Shape;199;p16">
             <a:extLst>
               <a:ext uri="{FF2B5EF4-FFF2-40B4-BE49-F238E27FC236}">
-                <a16:creationId xmlns:a16="http://schemas.microsoft.com/office/drawing/2014/main" xmlns="" id="{A8FBA655-0B1D-4AFB-8AAC-359705081269}"/>
+                <a16:creationId xmlns:a16="http://schemas.microsoft.com/office/drawing/2014/main" id="{A8FBA655-0B1D-4AFB-8AAC-359705081269}"/>
               </a:ext>
             </a:extLst>
           </p:cNvPr>
@@ -14142,7 +14445,7 @@
           <p:cNvPr id="20" name="Google Shape;200;p16">
             <a:extLst>
               <a:ext uri="{FF2B5EF4-FFF2-40B4-BE49-F238E27FC236}">
-                <a16:creationId xmlns:a16="http://schemas.microsoft.com/office/drawing/2014/main" xmlns="" id="{6E372918-6249-44A0-8954-B48BF3DFF04B}"/>
+                <a16:creationId xmlns:a16="http://schemas.microsoft.com/office/drawing/2014/main" id="{6E372918-6249-44A0-8954-B48BF3DFF04B}"/>
               </a:ext>
             </a:extLst>
           </p:cNvPr>
@@ -14202,7 +14505,7 @@
           <p:cNvPr id="31" name="Google Shape;111;p13">
             <a:extLst>
               <a:ext uri="{FF2B5EF4-FFF2-40B4-BE49-F238E27FC236}">
-                <a16:creationId xmlns:a16="http://schemas.microsoft.com/office/drawing/2014/main" xmlns="" id="{A64CC343-D4B4-410A-88A3-E1F901C43CBB}"/>
+                <a16:creationId xmlns:a16="http://schemas.microsoft.com/office/drawing/2014/main" id="{A64CC343-D4B4-410A-88A3-E1F901C43CBB}"/>
               </a:ext>
             </a:extLst>
           </p:cNvPr>
@@ -14211,7 +14514,7 @@
         </p:nvSpPr>
         <p:spPr>
           <a:xfrm>
-            <a:off x="4461783" y="4196349"/>
+            <a:off x="4461783" y="4635374"/>
             <a:ext cx="491217" cy="241995"/>
           </a:xfrm>
           <a:prstGeom prst="roundRect">
@@ -14265,7 +14568,7 @@
           <p:cNvPr id="32" name="Google Shape;199;p16">
             <a:extLst>
               <a:ext uri="{FF2B5EF4-FFF2-40B4-BE49-F238E27FC236}">
-                <a16:creationId xmlns:a16="http://schemas.microsoft.com/office/drawing/2014/main" xmlns="" id="{4895A410-3223-4AFE-94A6-1B8E944BE36E}"/>
+                <a16:creationId xmlns:a16="http://schemas.microsoft.com/office/drawing/2014/main" id="{4895A410-3223-4AFE-94A6-1B8E944BE36E}"/>
               </a:ext>
             </a:extLst>
           </p:cNvPr>
@@ -14318,7 +14621,7 @@
           <p:cNvPr id="33" name="Google Shape;200;p16">
             <a:extLst>
               <a:ext uri="{FF2B5EF4-FFF2-40B4-BE49-F238E27FC236}">
-                <a16:creationId xmlns:a16="http://schemas.microsoft.com/office/drawing/2014/main" xmlns="" id="{C520B065-93E1-4E5A-AF4D-720DE19C050C}"/>
+                <a16:creationId xmlns:a16="http://schemas.microsoft.com/office/drawing/2014/main" id="{C520B065-93E1-4E5A-AF4D-720DE19C050C}"/>
               </a:ext>
             </a:extLst>
           </p:cNvPr>
@@ -14378,7 +14681,7 @@
           <p:cNvPr id="34" name="Google Shape;199;p16">
             <a:extLst>
               <a:ext uri="{FF2B5EF4-FFF2-40B4-BE49-F238E27FC236}">
-                <a16:creationId xmlns:a16="http://schemas.microsoft.com/office/drawing/2014/main" xmlns="" id="{12143EAA-253D-4BBE-97EC-4CF450145060}"/>
+                <a16:creationId xmlns:a16="http://schemas.microsoft.com/office/drawing/2014/main" id="{12143EAA-253D-4BBE-97EC-4CF450145060}"/>
               </a:ext>
             </a:extLst>
           </p:cNvPr>
@@ -14422,7 +14725,7 @@
           <p:cNvPr id="35" name="Google Shape;200;p16">
             <a:extLst>
               <a:ext uri="{FF2B5EF4-FFF2-40B4-BE49-F238E27FC236}">
-                <a16:creationId xmlns:a16="http://schemas.microsoft.com/office/drawing/2014/main" xmlns="" id="{947AFBA7-3BF1-40A3-AEFC-5E609099B544}"/>
+                <a16:creationId xmlns:a16="http://schemas.microsoft.com/office/drawing/2014/main" id="{947AFBA7-3BF1-40A3-AEFC-5E609099B544}"/>
               </a:ext>
             </a:extLst>
           </p:cNvPr>
@@ -14482,7 +14785,7 @@
           <p:cNvPr id="26" name="Google Shape;535;p24">
             <a:extLst>
               <a:ext uri="{FF2B5EF4-FFF2-40B4-BE49-F238E27FC236}">
-                <a16:creationId xmlns:a16="http://schemas.microsoft.com/office/drawing/2014/main" xmlns="" id="{99CA0DCD-96B2-4680-87F4-BCE7E1CC6C3A}"/>
+                <a16:creationId xmlns:a16="http://schemas.microsoft.com/office/drawing/2014/main" id="{99CA0DCD-96B2-4680-87F4-BCE7E1CC6C3A}"/>
               </a:ext>
             </a:extLst>
           </p:cNvPr>
@@ -14766,6 +15069,258 @@
           </a:p>
         </p:txBody>
       </p:sp>
+      <p:grpSp>
+        <p:nvGrpSpPr>
+          <p:cNvPr id="23" name="그룹 22">
+            <a:extLst>
+              <a:ext uri="{FF2B5EF4-FFF2-40B4-BE49-F238E27FC236}">
+                <a16:creationId xmlns:a16="http://schemas.microsoft.com/office/drawing/2014/main" id="{AB97D770-B669-4076-8236-E08312C641B6}"/>
+              </a:ext>
+            </a:extLst>
+          </p:cNvPr>
+          <p:cNvGrpSpPr/>
+          <p:nvPr/>
+        </p:nvGrpSpPr>
+        <p:grpSpPr>
+          <a:xfrm>
+            <a:off x="3599446" y="4109556"/>
+            <a:ext cx="691087" cy="230792"/>
+            <a:chOff x="3695960" y="2673390"/>
+            <a:chExt cx="691087" cy="230792"/>
+          </a:xfrm>
+        </p:grpSpPr>
+        <p:sp>
+          <p:nvSpPr>
+            <p:cNvPr id="24" name="타원 23">
+              <a:extLst>
+                <a:ext uri="{FF2B5EF4-FFF2-40B4-BE49-F238E27FC236}">
+                  <a16:creationId xmlns:a16="http://schemas.microsoft.com/office/drawing/2014/main" id="{AAE96576-D842-4AAC-91FF-E85D96587E30}"/>
+                </a:ext>
+              </a:extLst>
+            </p:cNvPr>
+            <p:cNvSpPr/>
+            <p:nvPr/>
+          </p:nvSpPr>
+          <p:spPr>
+            <a:xfrm>
+              <a:off x="3695960" y="2699615"/>
+              <a:ext cx="181572" cy="170908"/>
+            </a:xfrm>
+            <a:prstGeom prst="ellipse">
+              <a:avLst/>
+            </a:prstGeom>
+            <a:noFill/>
+            <a:ln w="12700">
+              <a:solidFill>
+                <a:schemeClr val="tx1"/>
+              </a:solidFill>
+            </a:ln>
+          </p:spPr>
+          <p:style>
+            <a:lnRef idx="2">
+              <a:schemeClr val="accent1">
+                <a:shade val="50000"/>
+              </a:schemeClr>
+            </a:lnRef>
+            <a:fillRef idx="1">
+              <a:schemeClr val="accent1"/>
+            </a:fillRef>
+            <a:effectRef idx="0">
+              <a:schemeClr val="accent1"/>
+            </a:effectRef>
+            <a:fontRef idx="minor">
+              <a:schemeClr val="lt1"/>
+            </a:fontRef>
+          </p:style>
+          <p:txBody>
+            <a:bodyPr rtlCol="0" anchor="ctr"/>
+            <a:lstStyle/>
+            <a:p>
+              <a:pPr algn="ctr"/>
+              <a:endParaRPr lang="ko-KR" altLang="en-US"/>
+            </a:p>
+          </p:txBody>
+        </p:sp>
+        <p:sp>
+          <p:nvSpPr>
+            <p:cNvPr id="25" name="Google Shape;199;p16">
+              <a:extLst>
+                <a:ext uri="{FF2B5EF4-FFF2-40B4-BE49-F238E27FC236}">
+                  <a16:creationId xmlns:a16="http://schemas.microsoft.com/office/drawing/2014/main" id="{1AD23D51-984C-4B82-9833-DB8A60D25CAB}"/>
+                </a:ext>
+              </a:extLst>
+            </p:cNvPr>
+            <p:cNvSpPr txBox="1"/>
+            <p:nvPr/>
+          </p:nvSpPr>
+          <p:spPr>
+            <a:xfrm>
+              <a:off x="3842042" y="2673390"/>
+              <a:ext cx="545005" cy="230792"/>
+            </a:xfrm>
+            <a:prstGeom prst="rect">
+              <a:avLst/>
+            </a:prstGeom>
+            <a:noFill/>
+            <a:ln>
+              <a:noFill/>
+            </a:ln>
+          </p:spPr>
+          <p:txBody>
+            <a:bodyPr spcFirstLastPara="1" wrap="square" lIns="91425" tIns="45700" rIns="91425" bIns="45700" anchor="t" anchorCtr="0">
+              <a:spAutoFit/>
+            </a:bodyPr>
+            <a:lstStyle/>
+            <a:p>
+              <a:pPr marL="0" marR="0" lvl="0" indent="0" algn="l" rtl="0">
+                <a:spcBef>
+                  <a:spcPts val="0"/>
+                </a:spcBef>
+                <a:spcAft>
+                  <a:spcPts val="0"/>
+                </a:spcAft>
+                <a:buNone/>
+              </a:pPr>
+              <a:r>
+                <a:rPr lang="ko-KR" altLang="en-US" sz="900" dirty="0">
+                  <a:solidFill>
+                    <a:schemeClr val="dk1"/>
+                  </a:solidFill>
+                  <a:latin typeface="Malgun Gothic"/>
+                  <a:ea typeface="Malgun Gothic"/>
+                </a:rPr>
+                <a:t>관리자</a:t>
+              </a:r>
+            </a:p>
+          </p:txBody>
+        </p:sp>
+      </p:grpSp>
+      <p:grpSp>
+        <p:nvGrpSpPr>
+          <p:cNvPr id="27" name="그룹 26">
+            <a:extLst>
+              <a:ext uri="{FF2B5EF4-FFF2-40B4-BE49-F238E27FC236}">
+                <a16:creationId xmlns:a16="http://schemas.microsoft.com/office/drawing/2014/main" id="{1087160D-7BA6-4ADA-A958-9BC5432CBC5D}"/>
+              </a:ext>
+            </a:extLst>
+          </p:cNvPr>
+          <p:cNvGrpSpPr/>
+          <p:nvPr/>
+        </p:nvGrpSpPr>
+        <p:grpSpPr>
+          <a:xfrm>
+            <a:off x="4261913" y="4109556"/>
+            <a:ext cx="691087" cy="230792"/>
+            <a:chOff x="3695960" y="2673390"/>
+            <a:chExt cx="691087" cy="230792"/>
+          </a:xfrm>
+        </p:grpSpPr>
+        <p:sp>
+          <p:nvSpPr>
+            <p:cNvPr id="28" name="타원 27">
+              <a:extLst>
+                <a:ext uri="{FF2B5EF4-FFF2-40B4-BE49-F238E27FC236}">
+                  <a16:creationId xmlns:a16="http://schemas.microsoft.com/office/drawing/2014/main" id="{551718A9-55EC-434D-BDE5-E4517CFD9408}"/>
+                </a:ext>
+              </a:extLst>
+            </p:cNvPr>
+            <p:cNvSpPr/>
+            <p:nvPr/>
+          </p:nvSpPr>
+          <p:spPr>
+            <a:xfrm>
+              <a:off x="3695960" y="2699615"/>
+              <a:ext cx="181572" cy="170908"/>
+            </a:xfrm>
+            <a:prstGeom prst="ellipse">
+              <a:avLst/>
+            </a:prstGeom>
+            <a:noFill/>
+            <a:ln w="12700">
+              <a:solidFill>
+                <a:schemeClr val="tx1"/>
+              </a:solidFill>
+            </a:ln>
+          </p:spPr>
+          <p:style>
+            <a:lnRef idx="2">
+              <a:schemeClr val="accent1">
+                <a:shade val="50000"/>
+              </a:schemeClr>
+            </a:lnRef>
+            <a:fillRef idx="1">
+              <a:schemeClr val="accent1"/>
+            </a:fillRef>
+            <a:effectRef idx="0">
+              <a:schemeClr val="accent1"/>
+            </a:effectRef>
+            <a:fontRef idx="minor">
+              <a:schemeClr val="lt1"/>
+            </a:fontRef>
+          </p:style>
+          <p:txBody>
+            <a:bodyPr rtlCol="0" anchor="ctr"/>
+            <a:lstStyle/>
+            <a:p>
+              <a:pPr algn="ctr"/>
+              <a:endParaRPr lang="ko-KR" altLang="en-US"/>
+            </a:p>
+          </p:txBody>
+        </p:sp>
+        <p:sp>
+          <p:nvSpPr>
+            <p:cNvPr id="29" name="Google Shape;199;p16">
+              <a:extLst>
+                <a:ext uri="{FF2B5EF4-FFF2-40B4-BE49-F238E27FC236}">
+                  <a16:creationId xmlns:a16="http://schemas.microsoft.com/office/drawing/2014/main" id="{1AC85A62-968E-427E-8FD9-B3CA2A61A381}"/>
+                </a:ext>
+              </a:extLst>
+            </p:cNvPr>
+            <p:cNvSpPr txBox="1"/>
+            <p:nvPr/>
+          </p:nvSpPr>
+          <p:spPr>
+            <a:xfrm>
+              <a:off x="3842042" y="2673390"/>
+              <a:ext cx="545005" cy="230792"/>
+            </a:xfrm>
+            <a:prstGeom prst="rect">
+              <a:avLst/>
+            </a:prstGeom>
+            <a:noFill/>
+            <a:ln>
+              <a:noFill/>
+            </a:ln>
+          </p:spPr>
+          <p:txBody>
+            <a:bodyPr spcFirstLastPara="1" wrap="square" lIns="91425" tIns="45700" rIns="91425" bIns="45700" anchor="t" anchorCtr="0">
+              <a:spAutoFit/>
+            </a:bodyPr>
+            <a:lstStyle/>
+            <a:p>
+              <a:pPr marL="0" marR="0" lvl="0" indent="0" algn="l" rtl="0">
+                <a:spcBef>
+                  <a:spcPts val="0"/>
+                </a:spcBef>
+                <a:spcAft>
+                  <a:spcPts val="0"/>
+                </a:spcAft>
+                <a:buNone/>
+              </a:pPr>
+              <a:r>
+                <a:rPr lang="ko-KR" altLang="en-US" sz="900" dirty="0">
+                  <a:solidFill>
+                    <a:schemeClr val="dk1"/>
+                  </a:solidFill>
+                  <a:latin typeface="Malgun Gothic"/>
+                  <a:ea typeface="Malgun Gothic"/>
+                </a:rPr>
+                <a:t>학생</a:t>
+              </a:r>
+            </a:p>
+          </p:txBody>
+        </p:sp>
+      </p:grpSp>
     </p:spTree>
     <p:extLst>
       <p:ext uri="{BB962C8B-B14F-4D97-AF65-F5344CB8AC3E}">
@@ -14834,848 +15389,6 @@
               <a:buNone/>
             </a:pPr>
             <a:r>
-              <a:rPr lang="ko-KR" altLang="en-US" sz="900" dirty="0" smtClean="0">
-                <a:solidFill>
-                  <a:schemeClr val="dk1"/>
-                </a:solidFill>
-                <a:latin typeface="Malgun Gothic"/>
-                <a:ea typeface="Malgun Gothic"/>
-              </a:rPr>
-              <a:t>메뉴 선택</a:t>
-            </a:r>
-            <a:endParaRPr lang="ko-KR" altLang="en-US" sz="900" dirty="0">
-              <a:solidFill>
-                <a:schemeClr val="dk1"/>
-              </a:solidFill>
-              <a:latin typeface="Malgun Gothic"/>
-              <a:ea typeface="Malgun Gothic"/>
-            </a:endParaRPr>
-          </a:p>
-        </p:txBody>
-      </p:sp>
-      <p:sp>
-        <p:nvSpPr>
-          <p:cNvPr id="75" name="Google Shape;75;p12"/>
-          <p:cNvSpPr/>
-          <p:nvPr/>
-        </p:nvSpPr>
-        <p:spPr>
-          <a:xfrm>
-            <a:off x="1517651" y="427038"/>
-            <a:ext cx="3221037" cy="211137"/>
-          </a:xfrm>
-          <a:prstGeom prst="rect">
-            <a:avLst/>
-          </a:prstGeom>
-          <a:noFill/>
-          <a:ln>
-            <a:noFill/>
-          </a:ln>
-        </p:spPr>
-        <p:txBody>
-          <a:bodyPr spcFirstLastPara="1" wrap="square" lIns="36000" tIns="45700" rIns="36000" bIns="45700" anchor="ctr" anchorCtr="0">
-            <a:noAutofit/>
-          </a:bodyPr>
-          <a:lstStyle/>
-          <a:p>
-            <a:pPr>
-              <a:lnSpc>
-                <a:spcPct val="90000"/>
-              </a:lnSpc>
-              <a:buClr>
-                <a:schemeClr val="dk1"/>
-              </a:buClr>
-              <a:buSzPts val="900"/>
-            </a:pPr>
-            <a:r>
-              <a:rPr lang="ko-KR" altLang="en-US" sz="900" dirty="0">
-                <a:solidFill>
-                  <a:schemeClr val="dk1"/>
-                </a:solidFill>
-                <a:latin typeface="Malgun Gothic"/>
-                <a:ea typeface="Malgun Gothic"/>
-              </a:rPr>
-              <a:t>메뉴 </a:t>
-            </a:r>
-            <a:r>
-              <a:rPr lang="ko-KR" altLang="en-US" sz="900" dirty="0" smtClean="0">
-                <a:solidFill>
-                  <a:schemeClr val="dk1"/>
-                </a:solidFill>
-                <a:latin typeface="Malgun Gothic"/>
-                <a:ea typeface="Malgun Gothic"/>
-              </a:rPr>
-              <a:t>선택 </a:t>
-            </a:r>
-            <a:r>
-              <a:rPr lang="ko-KR" altLang="en-US" sz="900" dirty="0" smtClean="0">
-                <a:solidFill>
-                  <a:schemeClr val="dk1"/>
-                </a:solidFill>
-                <a:latin typeface="Malgun Gothic"/>
-                <a:ea typeface="Malgun Gothic"/>
-                <a:sym typeface="Malgun Gothic"/>
-              </a:rPr>
-              <a:t>화면</a:t>
-            </a:r>
-            <a:endParaRPr lang="ko-KR" altLang="en-US" sz="900" dirty="0">
-              <a:solidFill>
-                <a:schemeClr val="dk1"/>
-              </a:solidFill>
-            </a:endParaRPr>
-          </a:p>
-        </p:txBody>
-      </p:sp>
-      <p:sp>
-        <p:nvSpPr>
-          <p:cNvPr id="76" name="Google Shape;76;p12"/>
-          <p:cNvSpPr/>
-          <p:nvPr/>
-        </p:nvSpPr>
-        <p:spPr>
-          <a:xfrm>
-            <a:off x="5772151" y="427038"/>
-            <a:ext cx="3933825" cy="211137"/>
-          </a:xfrm>
-          <a:prstGeom prst="rect">
-            <a:avLst/>
-          </a:prstGeom>
-          <a:noFill/>
-          <a:ln>
-            <a:noFill/>
-          </a:ln>
-        </p:spPr>
-        <p:txBody>
-          <a:bodyPr spcFirstLastPara="1" wrap="square" lIns="36000" tIns="45700" rIns="36000" bIns="45700" anchor="ctr" anchorCtr="0">
-            <a:noAutofit/>
-          </a:bodyPr>
-          <a:lstStyle/>
-          <a:p>
-            <a:pPr marL="0" marR="0" lvl="0" indent="0" algn="l" rtl="0">
-              <a:lnSpc>
-                <a:spcPct val="90000"/>
-              </a:lnSpc>
-              <a:spcBef>
-                <a:spcPts val="0"/>
-              </a:spcBef>
-              <a:spcAft>
-                <a:spcPts val="0"/>
-              </a:spcAft>
-              <a:buClr>
-                <a:schemeClr val="dk1"/>
-              </a:buClr>
-              <a:buSzPts val="900"/>
-              <a:buFont typeface="Arial"/>
-              <a:buNone/>
-            </a:pPr>
-            <a:r>
-              <a:rPr lang="ko-KR" sz="900" b="0" i="0" u="none" strike="noStrike" cap="none">
-                <a:solidFill>
-                  <a:schemeClr val="dk1"/>
-                </a:solidFill>
-                <a:latin typeface="Malgun Gothic"/>
-                <a:ea typeface="Malgun Gothic"/>
-                <a:cs typeface="Malgun Gothic"/>
-                <a:sym typeface="Malgun Gothic"/>
-              </a:rPr>
-              <a:t>PCU-001-01</a:t>
-            </a:r>
-            <a:endParaRPr sz="900" b="0" i="0" u="none" strike="noStrike" cap="none">
-              <a:solidFill>
-                <a:schemeClr val="dk1"/>
-              </a:solidFill>
-              <a:latin typeface="Malgun Gothic"/>
-              <a:ea typeface="Malgun Gothic"/>
-              <a:cs typeface="Malgun Gothic"/>
-              <a:sym typeface="Malgun Gothic"/>
-            </a:endParaRPr>
-          </a:p>
-        </p:txBody>
-      </p:sp>
-      <p:sp>
-        <p:nvSpPr>
-          <p:cNvPr id="78" name="Google Shape;78;p12" descr="&lt;SmartSettings&gt;&lt;SmartResize anchorLeft=&quot;Absolute&quot; anchorTop=&quot;Absolute&quot; anchorRight=&quot;Absolute&quot; anchorBottom=&quot;Absolute&quot; /&gt;&lt;/SmartSettings&gt;"/>
-          <p:cNvSpPr/>
-          <p:nvPr/>
-        </p:nvSpPr>
-        <p:spPr>
-          <a:xfrm>
-            <a:off x="401638" y="722313"/>
-            <a:ext cx="7564438" cy="5340350"/>
-          </a:xfrm>
-          <a:prstGeom prst="rect">
-            <a:avLst/>
-          </a:prstGeom>
-          <a:noFill/>
-          <a:ln w="9525" cap="flat" cmpd="sng">
-            <a:solidFill>
-              <a:srgbClr val="BFBFBF"/>
-            </a:solidFill>
-            <a:prstDash val="solid"/>
-            <a:miter lim="800000"/>
-            <a:headEnd type="none" w="sm" len="sm"/>
-            <a:tailEnd type="none" w="sm" len="sm"/>
-          </a:ln>
-        </p:spPr>
-        <p:txBody>
-          <a:bodyPr spcFirstLastPara="1" wrap="square" lIns="91425" tIns="54850" rIns="91425" bIns="45700" anchor="t" anchorCtr="0">
-            <a:noAutofit/>
-          </a:bodyPr>
-          <a:lstStyle/>
-          <a:p>
-            <a:pPr marL="0" marR="0" lvl="0" indent="0" algn="l" rtl="0">
-              <a:spcBef>
-                <a:spcPts val="0"/>
-              </a:spcBef>
-              <a:spcAft>
-                <a:spcPts val="0"/>
-              </a:spcAft>
-              <a:buNone/>
-            </a:pPr>
-            <a:endParaRPr sz="680" b="0" i="0" u="none" strike="noStrike" cap="none">
-              <a:solidFill>
-                <a:srgbClr val="000000"/>
-              </a:solidFill>
-              <a:latin typeface="Quattrocento Sans"/>
-              <a:ea typeface="Quattrocento Sans"/>
-              <a:cs typeface="Quattrocento Sans"/>
-              <a:sym typeface="Quattrocento Sans"/>
-            </a:endParaRPr>
-          </a:p>
-        </p:txBody>
-      </p:sp>
-      <p:sp>
-        <p:nvSpPr>
-          <p:cNvPr id="2" name="Google Shape;111;p13">
-            <a:extLst>
-              <a:ext uri="{FF2B5EF4-FFF2-40B4-BE49-F238E27FC236}">
-                <a16:creationId xmlns:a16="http://schemas.microsoft.com/office/drawing/2014/main" xmlns="" id="{8DB8B214-B2C0-4F60-8ABB-05BD425FF6FD}"/>
-              </a:ext>
-            </a:extLst>
-          </p:cNvPr>
-          <p:cNvSpPr/>
-          <p:nvPr/>
-        </p:nvSpPr>
-        <p:spPr>
-          <a:xfrm>
-            <a:off x="4645815" y="2773034"/>
-            <a:ext cx="652582" cy="241995"/>
-          </a:xfrm>
-          <a:prstGeom prst="roundRect">
-            <a:avLst>
-              <a:gd name="adj" fmla="val 8776"/>
-            </a:avLst>
-          </a:prstGeom>
-          <a:solidFill>
-            <a:srgbClr val="F2F2F2"/>
-          </a:solidFill>
-          <a:ln w="9525" cap="flat" cmpd="sng">
-            <a:solidFill>
-              <a:srgbClr val="808080"/>
-            </a:solidFill>
-            <a:prstDash val="solid"/>
-            <a:round/>
-            <a:headEnd type="none" w="sm" len="sm"/>
-            <a:tailEnd type="none" w="sm" len="sm"/>
-          </a:ln>
-        </p:spPr>
-        <p:txBody>
-          <a:bodyPr spcFirstLastPara="1" wrap="square" lIns="91425" tIns="45700" rIns="91425" bIns="45700" anchor="ctr" anchorCtr="0">
-            <a:noAutofit/>
-          </a:bodyPr>
-          <a:lstStyle/>
-          <a:p>
-            <a:pPr marL="0" marR="0" lvl="0" indent="0" algn="l" rtl="0">
-              <a:spcBef>
-                <a:spcPts val="0"/>
-              </a:spcBef>
-              <a:spcAft>
-                <a:spcPts val="0"/>
-              </a:spcAft>
-              <a:buNone/>
-            </a:pPr>
-            <a:r>
-              <a:rPr lang="ko-KR" altLang="en-US" sz="900" dirty="0">
-                <a:solidFill>
-                  <a:srgbClr val="5F5F5F"/>
-                </a:solidFill>
-                <a:latin typeface="Quattrocento Sans"/>
-                <a:ea typeface="Quattrocento Sans"/>
-                <a:cs typeface="Quattrocento Sans"/>
-              </a:rPr>
-              <a:t>출석확인</a:t>
-            </a:r>
-            <a:endParaRPr lang="ko-KR" altLang="en-US" sz="900" b="0" i="0" u="none" strike="noStrike" cap="none" dirty="0">
-              <a:solidFill>
-                <a:srgbClr val="5F5F5F"/>
-              </a:solidFill>
-              <a:latin typeface="Quattrocento Sans"/>
-              <a:ea typeface="Quattrocento Sans"/>
-              <a:cs typeface="Quattrocento Sans"/>
-            </a:endParaRPr>
-          </a:p>
-        </p:txBody>
-      </p:sp>
-      <p:sp>
-        <p:nvSpPr>
-          <p:cNvPr id="3" name="Google Shape;111;p13">
-            <a:extLst>
-              <a:ext uri="{FF2B5EF4-FFF2-40B4-BE49-F238E27FC236}">
-                <a16:creationId xmlns:a16="http://schemas.microsoft.com/office/drawing/2014/main" xmlns="" id="{527B2B31-5479-4CAE-AB89-C5ECF52AABE4}"/>
-              </a:ext>
-            </a:extLst>
-          </p:cNvPr>
-          <p:cNvSpPr/>
-          <p:nvPr/>
-        </p:nvSpPr>
-        <p:spPr>
-          <a:xfrm>
-            <a:off x="4048932" y="2402513"/>
-            <a:ext cx="652581" cy="241995"/>
-          </a:xfrm>
-          <a:prstGeom prst="roundRect">
-            <a:avLst>
-              <a:gd name="adj" fmla="val 8776"/>
-            </a:avLst>
-          </a:prstGeom>
-          <a:solidFill>
-            <a:srgbClr val="F2F2F2"/>
-          </a:solidFill>
-          <a:ln w="9525" cap="flat" cmpd="sng">
-            <a:solidFill>
-              <a:srgbClr val="808080"/>
-            </a:solidFill>
-            <a:prstDash val="solid"/>
-            <a:round/>
-            <a:headEnd type="none" w="sm" len="sm"/>
-            <a:tailEnd type="none" w="sm" len="sm"/>
-          </a:ln>
-        </p:spPr>
-        <p:txBody>
-          <a:bodyPr spcFirstLastPara="1" wrap="square" lIns="91425" tIns="45700" rIns="91425" bIns="45700" anchor="ctr" anchorCtr="0">
-            <a:noAutofit/>
-          </a:bodyPr>
-          <a:lstStyle/>
-          <a:p>
-            <a:r>
-              <a:rPr lang="ko-KR" altLang="en-US" sz="900" dirty="0">
-                <a:solidFill>
-                  <a:srgbClr val="5F5F5F"/>
-                </a:solidFill>
-                <a:latin typeface="Quattrocento Sans"/>
-                <a:ea typeface="Quattrocento Sans"/>
-                <a:cs typeface="Quattrocento Sans"/>
-              </a:rPr>
-              <a:t>출석체크</a:t>
-            </a:r>
-            <a:endParaRPr lang="ko-KR" sz="900" dirty="0">
-              <a:solidFill>
-                <a:srgbClr val="5F5F5F"/>
-              </a:solidFill>
-              <a:latin typeface="Quattrocento Sans"/>
-              <a:ea typeface="Quattrocento Sans"/>
-              <a:cs typeface="Quattrocento Sans"/>
-            </a:endParaRPr>
-          </a:p>
-        </p:txBody>
-      </p:sp>
-      <p:pic>
-        <p:nvPicPr>
-          <p:cNvPr id="4" name="그림 4">
-            <a:extLst>
-              <a:ext uri="{FF2B5EF4-FFF2-40B4-BE49-F238E27FC236}">
-                <a16:creationId xmlns:a16="http://schemas.microsoft.com/office/drawing/2014/main" xmlns="" id="{36B1BCA9-0C6E-4832-A501-C7F53864F532}"/>
-              </a:ext>
-            </a:extLst>
-          </p:cNvPr>
-          <p:cNvPicPr>
-            <a:picLocks noChangeAspect="1"/>
-          </p:cNvPicPr>
-          <p:nvPr/>
-        </p:nvPicPr>
-        <p:blipFill>
-          <a:blip r:embed="rId3"/>
-          <a:stretch>
-            <a:fillRect/>
-          </a:stretch>
-        </p:blipFill>
-        <p:spPr>
-          <a:xfrm>
-            <a:off x="552169" y="857531"/>
-            <a:ext cx="1038225" cy="409575"/>
-          </a:xfrm>
-          <a:prstGeom prst="rect">
-            <a:avLst/>
-          </a:prstGeom>
-        </p:spPr>
-      </p:pic>
-      <p:sp>
-        <p:nvSpPr>
-          <p:cNvPr id="15" name="Google Shape;111;p13">
-            <a:extLst>
-              <a:ext uri="{FF2B5EF4-FFF2-40B4-BE49-F238E27FC236}">
-                <a16:creationId xmlns:a16="http://schemas.microsoft.com/office/drawing/2014/main" xmlns="" id="{BE00AD8F-7606-418B-BFFA-8F29D7DF354D}"/>
-              </a:ext>
-            </a:extLst>
-          </p:cNvPr>
-          <p:cNvSpPr/>
-          <p:nvPr/>
-        </p:nvSpPr>
-        <p:spPr>
-          <a:xfrm>
-            <a:off x="4093323" y="3128188"/>
-            <a:ext cx="545006" cy="205868"/>
-          </a:xfrm>
-          <a:prstGeom prst="roundRect">
-            <a:avLst>
-              <a:gd name="adj" fmla="val 8776"/>
-            </a:avLst>
-          </a:prstGeom>
-          <a:solidFill>
-            <a:srgbClr val="F2F2F2"/>
-          </a:solidFill>
-          <a:ln w="9525" cap="flat" cmpd="sng">
-            <a:solidFill>
-              <a:srgbClr val="808080"/>
-            </a:solidFill>
-            <a:prstDash val="solid"/>
-            <a:round/>
-            <a:headEnd type="none" w="sm" len="sm"/>
-            <a:tailEnd type="none" w="sm" len="sm"/>
-          </a:ln>
-        </p:spPr>
-        <p:txBody>
-          <a:bodyPr spcFirstLastPara="1" wrap="square" lIns="91425" tIns="45700" rIns="91425" bIns="45700" anchor="ctr" anchorCtr="0">
-            <a:noAutofit/>
-          </a:bodyPr>
-          <a:lstStyle/>
-          <a:p>
-            <a:pPr marL="0" marR="0" lvl="0" indent="0" algn="ctr" rtl="0">
-              <a:spcBef>
-                <a:spcPts val="0"/>
-              </a:spcBef>
-              <a:spcAft>
-                <a:spcPts val="0"/>
-              </a:spcAft>
-              <a:buNone/>
-            </a:pPr>
-            <a:r>
-              <a:rPr lang="ko-KR" altLang="en-US" sz="900" dirty="0">
-                <a:solidFill>
-                  <a:srgbClr val="5F5F5F"/>
-                </a:solidFill>
-                <a:latin typeface="Quattrocento Sans"/>
-                <a:ea typeface="Quattrocento Sans"/>
-                <a:cs typeface="Quattrocento Sans"/>
-              </a:rPr>
-              <a:t>취소</a:t>
-            </a:r>
-            <a:endParaRPr lang="ko-KR" altLang="en-US" sz="900" b="0" i="0" u="none" strike="noStrike" cap="none" dirty="0">
-              <a:solidFill>
-                <a:srgbClr val="5F5F5F"/>
-              </a:solidFill>
-              <a:latin typeface="Quattrocento Sans"/>
-              <a:ea typeface="Quattrocento Sans"/>
-              <a:cs typeface="Quattrocento Sans"/>
-            </a:endParaRPr>
-          </a:p>
-        </p:txBody>
-      </p:sp>
-      <p:sp>
-        <p:nvSpPr>
-          <p:cNvPr id="16" name="Google Shape;114;p13">
-            <a:extLst>
-              <a:ext uri="{FF2B5EF4-FFF2-40B4-BE49-F238E27FC236}">
-                <a16:creationId xmlns:a16="http://schemas.microsoft.com/office/drawing/2014/main" xmlns="" id="{2F8FE5C4-8B74-44E9-BCE8-E48E43B66B32}"/>
-              </a:ext>
-            </a:extLst>
-          </p:cNvPr>
-          <p:cNvSpPr/>
-          <p:nvPr/>
-        </p:nvSpPr>
-        <p:spPr>
-          <a:xfrm>
-            <a:off x="3981463" y="2333456"/>
-            <a:ext cx="134937" cy="138113"/>
-          </a:xfrm>
-          <a:prstGeom prst="ellipse">
-            <a:avLst/>
-          </a:prstGeom>
-          <a:solidFill>
-            <a:srgbClr val="D60C0C"/>
-          </a:solidFill>
-          <a:ln w="19050" cap="flat" cmpd="sng">
-            <a:solidFill>
-              <a:schemeClr val="lt1"/>
-            </a:solidFill>
-            <a:prstDash val="solid"/>
-            <a:miter lim="800000"/>
-            <a:headEnd type="none" w="sm" len="sm"/>
-            <a:tailEnd type="none" w="sm" len="sm"/>
-          </a:ln>
-          <a:effectLst>
-            <a:outerShdw blurRad="50800" dist="38100" dir="2700000" algn="tl" rotWithShape="0">
-              <a:srgbClr val="000000">
-                <a:alpha val="40000"/>
-              </a:srgbClr>
-            </a:outerShdw>
-          </a:effectLst>
-        </p:spPr>
-        <p:txBody>
-          <a:bodyPr spcFirstLastPara="1" wrap="square" lIns="91425" tIns="45700" rIns="91425" bIns="45700" anchor="ctr" anchorCtr="0">
-            <a:noAutofit/>
-          </a:bodyPr>
-          <a:lstStyle/>
-          <a:p>
-            <a:pPr marL="0" marR="0" lvl="0" indent="0" algn="ctr" rtl="0">
-              <a:spcBef>
-                <a:spcPts val="0"/>
-              </a:spcBef>
-              <a:spcAft>
-                <a:spcPts val="0"/>
-              </a:spcAft>
-              <a:buNone/>
-            </a:pPr>
-            <a:r>
-              <a:rPr lang="ko-KR" sz="1000" b="1" i="0" u="none" strike="noStrike" cap="none" dirty="0">
-                <a:solidFill>
-                  <a:schemeClr val="lt1"/>
-                </a:solidFill>
-                <a:latin typeface="Malgun Gothic"/>
-                <a:ea typeface="Malgun Gothic"/>
-                <a:cs typeface="Malgun Gothic"/>
-                <a:sym typeface="Malgun Gothic"/>
-              </a:rPr>
-              <a:t>1</a:t>
-            </a:r>
-            <a:endParaRPr sz="1000" b="1" i="0" u="none" strike="noStrike" cap="none" dirty="0">
-              <a:solidFill>
-                <a:schemeClr val="lt1"/>
-              </a:solidFill>
-              <a:latin typeface="Malgun Gothic"/>
-              <a:ea typeface="Malgun Gothic"/>
-              <a:cs typeface="Malgun Gothic"/>
-              <a:sym typeface="Malgun Gothic"/>
-            </a:endParaRPr>
-          </a:p>
-        </p:txBody>
-      </p:sp>
-      <p:sp>
-        <p:nvSpPr>
-          <p:cNvPr id="17" name="Google Shape;114;p13">
-            <a:extLst>
-              <a:ext uri="{FF2B5EF4-FFF2-40B4-BE49-F238E27FC236}">
-                <a16:creationId xmlns:a16="http://schemas.microsoft.com/office/drawing/2014/main" xmlns="" id="{F7D56FF0-423C-4C0B-A6E4-FBB0B3B6598B}"/>
-              </a:ext>
-            </a:extLst>
-          </p:cNvPr>
-          <p:cNvSpPr/>
-          <p:nvPr/>
-        </p:nvSpPr>
-        <p:spPr>
-          <a:xfrm>
-            <a:off x="4587743" y="2713563"/>
-            <a:ext cx="134937" cy="138113"/>
-          </a:xfrm>
-          <a:prstGeom prst="ellipse">
-            <a:avLst/>
-          </a:prstGeom>
-          <a:solidFill>
-            <a:srgbClr val="D60C0C"/>
-          </a:solidFill>
-          <a:ln w="19050" cap="flat" cmpd="sng">
-            <a:solidFill>
-              <a:schemeClr val="lt1"/>
-            </a:solidFill>
-            <a:prstDash val="solid"/>
-            <a:miter lim="800000"/>
-            <a:headEnd type="none" w="sm" len="sm"/>
-            <a:tailEnd type="none" w="sm" len="sm"/>
-          </a:ln>
-          <a:effectLst>
-            <a:outerShdw blurRad="50800" dist="38100" dir="2700000" algn="tl" rotWithShape="0">
-              <a:srgbClr val="000000">
-                <a:alpha val="40000"/>
-              </a:srgbClr>
-            </a:outerShdw>
-          </a:effectLst>
-        </p:spPr>
-        <p:txBody>
-          <a:bodyPr spcFirstLastPara="1" wrap="square" lIns="91425" tIns="45700" rIns="91425" bIns="45700" anchor="ctr" anchorCtr="0">
-            <a:noAutofit/>
-          </a:bodyPr>
-          <a:lstStyle/>
-          <a:p>
-            <a:pPr marL="0" marR="0" lvl="0" indent="0" algn="ctr" rtl="0">
-              <a:spcBef>
-                <a:spcPts val="0"/>
-              </a:spcBef>
-              <a:spcAft>
-                <a:spcPts val="0"/>
-              </a:spcAft>
-              <a:buNone/>
-            </a:pPr>
-            <a:r>
-              <a:rPr lang="en-US" altLang="ko-KR" sz="1000" b="1" i="0" u="none" strike="noStrike" cap="none" dirty="0" smtClean="0">
-                <a:solidFill>
-                  <a:schemeClr val="lt1"/>
-                </a:solidFill>
-                <a:latin typeface="Malgun Gothic"/>
-                <a:ea typeface="Malgun Gothic"/>
-                <a:cs typeface="Malgun Gothic"/>
-                <a:sym typeface="Malgun Gothic"/>
-              </a:rPr>
-              <a:t>3</a:t>
-            </a:r>
-          </a:p>
-        </p:txBody>
-      </p:sp>
-      <p:sp>
-        <p:nvSpPr>
-          <p:cNvPr id="18" name="Google Shape;114;p13">
-            <a:extLst>
-              <a:ext uri="{FF2B5EF4-FFF2-40B4-BE49-F238E27FC236}">
-                <a16:creationId xmlns:a16="http://schemas.microsoft.com/office/drawing/2014/main" xmlns="" id="{8CE0EA5F-0D6A-4042-974E-E7FF1EFD722E}"/>
-              </a:ext>
-            </a:extLst>
-          </p:cNvPr>
-          <p:cNvSpPr/>
-          <p:nvPr/>
-        </p:nvSpPr>
-        <p:spPr>
-          <a:xfrm>
-            <a:off x="3981463" y="3074502"/>
-            <a:ext cx="134937" cy="138113"/>
-          </a:xfrm>
-          <a:prstGeom prst="ellipse">
-            <a:avLst/>
-          </a:prstGeom>
-          <a:solidFill>
-            <a:srgbClr val="D60C0C"/>
-          </a:solidFill>
-          <a:ln w="19050" cap="flat" cmpd="sng">
-            <a:solidFill>
-              <a:schemeClr val="lt1"/>
-            </a:solidFill>
-            <a:prstDash val="solid"/>
-            <a:miter lim="800000"/>
-            <a:headEnd type="none" w="sm" len="sm"/>
-            <a:tailEnd type="none" w="sm" len="sm"/>
-          </a:ln>
-          <a:effectLst>
-            <a:outerShdw blurRad="50800" dist="38100" dir="2700000" algn="tl" rotWithShape="0">
-              <a:srgbClr val="000000">
-                <a:alpha val="40000"/>
-              </a:srgbClr>
-            </a:outerShdw>
-          </a:effectLst>
-        </p:spPr>
-        <p:txBody>
-          <a:bodyPr spcFirstLastPara="1" wrap="square" lIns="91425" tIns="45700" rIns="91425" bIns="45700" anchor="ctr" anchorCtr="0">
-            <a:noAutofit/>
-          </a:bodyPr>
-          <a:lstStyle/>
-          <a:p>
-            <a:pPr marL="0" marR="0" lvl="0" indent="0" algn="ctr" rtl="0">
-              <a:spcBef>
-                <a:spcPts val="0"/>
-              </a:spcBef>
-              <a:spcAft>
-                <a:spcPts val="0"/>
-              </a:spcAft>
-              <a:buNone/>
-            </a:pPr>
-            <a:r>
-              <a:rPr lang="en-US" altLang="ko-KR" sz="1000" b="1" dirty="0" smtClean="0">
-                <a:solidFill>
-                  <a:schemeClr val="lt1"/>
-                </a:solidFill>
-                <a:latin typeface="Malgun Gothic"/>
-                <a:ea typeface="Malgun Gothic"/>
-                <a:cs typeface="Malgun Gothic"/>
-                <a:sym typeface="Malgun Gothic"/>
-              </a:rPr>
-              <a:t>4</a:t>
-            </a:r>
-            <a:endParaRPr sz="1000" b="1" i="0" u="none" strike="noStrike" cap="none" dirty="0">
-              <a:solidFill>
-                <a:schemeClr val="lt1"/>
-              </a:solidFill>
-              <a:latin typeface="Malgun Gothic"/>
-              <a:ea typeface="Malgun Gothic"/>
-              <a:cs typeface="Malgun Gothic"/>
-              <a:sym typeface="Malgun Gothic"/>
-            </a:endParaRPr>
-          </a:p>
-        </p:txBody>
-      </p:sp>
-      <p:sp>
-        <p:nvSpPr>
-          <p:cNvPr id="20" name="Google Shape;77;p12">
-            <a:extLst>
-              <a:ext uri="{FF2B5EF4-FFF2-40B4-BE49-F238E27FC236}">
-                <a16:creationId xmlns:a16="http://schemas.microsoft.com/office/drawing/2014/main" xmlns="" id="{D4D5CCA4-9004-4922-ADD5-EF2526198216}"/>
-              </a:ext>
-            </a:extLst>
-          </p:cNvPr>
-          <p:cNvSpPr/>
-          <p:nvPr/>
-        </p:nvSpPr>
-        <p:spPr>
-          <a:xfrm>
-            <a:off x="8056563" y="652463"/>
-            <a:ext cx="1657350" cy="5507037"/>
-          </a:xfrm>
-          <a:prstGeom prst="rect">
-            <a:avLst/>
-          </a:prstGeom>
-          <a:noFill/>
-          <a:ln>
-            <a:noFill/>
-          </a:ln>
-        </p:spPr>
-        <p:txBody>
-          <a:bodyPr spcFirstLastPara="1" wrap="square" lIns="36000" tIns="45700" rIns="36000" bIns="45700" anchor="t" anchorCtr="0">
-            <a:noAutofit/>
-          </a:bodyPr>
-          <a:lstStyle/>
-          <a:p>
-            <a:pPr marL="0" marR="0" lvl="0" indent="0" algn="l" rtl="0">
-              <a:lnSpc>
-                <a:spcPct val="90000"/>
-              </a:lnSpc>
-              <a:spcBef>
-                <a:spcPts val="0"/>
-              </a:spcBef>
-              <a:spcAft>
-                <a:spcPts val="0"/>
-              </a:spcAft>
-              <a:buClr>
-                <a:schemeClr val="dk1"/>
-              </a:buClr>
-              <a:buSzPts val="900"/>
-              <a:buFont typeface="Malgun Gothic"/>
-              <a:buNone/>
-            </a:pPr>
-            <a:r>
-              <a:rPr lang="ko-KR" sz="900" b="0" i="0" u="none" strike="noStrike" cap="none" dirty="0">
-                <a:solidFill>
-                  <a:schemeClr val="dk1"/>
-                </a:solidFill>
-                <a:latin typeface="Malgun Gothic"/>
-                <a:ea typeface="Malgun Gothic"/>
-                <a:cs typeface="Malgun Gothic"/>
-                <a:sym typeface="Malgun Gothic"/>
-              </a:rPr>
-              <a:t>화면정의 : </a:t>
-            </a:r>
-            <a:endParaRPr dirty="0"/>
-          </a:p>
-          <a:p>
-            <a:pPr marL="0" marR="0" lvl="0" indent="0" algn="l" rtl="0">
-              <a:lnSpc>
-                <a:spcPct val="90000"/>
-              </a:lnSpc>
-              <a:spcBef>
-                <a:spcPts val="813"/>
-              </a:spcBef>
-              <a:spcAft>
-                <a:spcPts val="0"/>
-              </a:spcAft>
-              <a:buClr>
-                <a:schemeClr val="dk1"/>
-              </a:buClr>
-              <a:buSzPts val="900"/>
-              <a:buFont typeface="Malgun Gothic"/>
-              <a:buNone/>
-            </a:pPr>
-            <a:r>
-              <a:rPr lang="ko-KR" altLang="en-US" sz="900" b="0" i="0" u="none" strike="noStrike" cap="none" dirty="0">
-                <a:solidFill>
-                  <a:schemeClr val="dk1"/>
-                </a:solidFill>
-                <a:latin typeface="Malgun Gothic"/>
-                <a:ea typeface="Malgun Gothic"/>
-                <a:cs typeface="Malgun Gothic"/>
-                <a:sym typeface="Malgun Gothic"/>
-              </a:rPr>
-              <a:t>사용자가 현재 과목별 출석체크 화면과 전체과목을 출결 상태 및 재적상태를 확인하기 위해 선택하는 화면이다</a:t>
-            </a:r>
-            <a:r>
-              <a:rPr lang="en-US" altLang="ko-KR" sz="900" b="0" i="0" u="none" strike="noStrike" cap="none" dirty="0">
-                <a:solidFill>
-                  <a:schemeClr val="dk1"/>
-                </a:solidFill>
-                <a:latin typeface="Malgun Gothic"/>
-                <a:ea typeface="Malgun Gothic"/>
-                <a:cs typeface="Malgun Gothic"/>
-                <a:sym typeface="Malgun Gothic"/>
-              </a:rPr>
-              <a:t>.</a:t>
-            </a:r>
-          </a:p>
-          <a:p>
-            <a:pPr marL="0" marR="0" lvl="0" indent="0" algn="l" rtl="0">
-              <a:lnSpc>
-                <a:spcPct val="90000"/>
-              </a:lnSpc>
-              <a:spcBef>
-                <a:spcPts val="813"/>
-              </a:spcBef>
-              <a:spcAft>
-                <a:spcPts val="0"/>
-              </a:spcAft>
-              <a:buClr>
-                <a:schemeClr val="dk1"/>
-              </a:buClr>
-              <a:buSzPts val="900"/>
-              <a:buFont typeface="Malgun Gothic"/>
-              <a:buNone/>
-            </a:pPr>
-            <a:r>
-              <a:rPr lang="en-US" altLang="ko-KR" sz="900" b="0" i="0" u="none" strike="noStrike" cap="none" dirty="0">
-                <a:solidFill>
-                  <a:schemeClr val="dk1"/>
-                </a:solidFill>
-                <a:latin typeface="Malgun Gothic"/>
-                <a:ea typeface="Malgun Gothic"/>
-                <a:cs typeface="Malgun Gothic"/>
-                <a:sym typeface="Malgun Gothic"/>
-              </a:rPr>
-              <a:t>※ </a:t>
-            </a:r>
-            <a:r>
-              <a:rPr lang="ko-KR" altLang="en-US" sz="900" b="0" i="0" u="none" strike="noStrike" cap="none" dirty="0">
-                <a:solidFill>
-                  <a:schemeClr val="dk1"/>
-                </a:solidFill>
-                <a:latin typeface="Malgun Gothic"/>
-                <a:ea typeface="Malgun Gothic"/>
-                <a:cs typeface="Malgun Gothic"/>
-                <a:sym typeface="Malgun Gothic"/>
-              </a:rPr>
-              <a:t>컨텐츠 요구사항</a:t>
-            </a:r>
-          </a:p>
-          <a:p>
-            <a:pPr marL="177800" marR="0" lvl="0" indent="-177800" algn="l" rtl="0">
-              <a:lnSpc>
-                <a:spcPct val="90000"/>
-              </a:lnSpc>
-              <a:spcBef>
-                <a:spcPts val="813"/>
-              </a:spcBef>
-              <a:spcAft>
-                <a:spcPts val="0"/>
-              </a:spcAft>
-              <a:buClr>
-                <a:schemeClr val="dk1"/>
-              </a:buClr>
-              <a:buSzPts val="900"/>
-              <a:buFont typeface="Malgun Gothic"/>
-              <a:buAutoNum type="arabicParenR"/>
-            </a:pPr>
-            <a:r>
               <a:rPr lang="ko-KR" altLang="en-US" sz="900" dirty="0">
                 <a:solidFill>
                   <a:schemeClr val="dk1"/>
@@ -15685,458 +15398,7 @@
                 <a:cs typeface="Malgun Gothic"/>
                 <a:sym typeface="Malgun Gothic"/>
               </a:rPr>
-              <a:t>출석 체크 화면 이동 </a:t>
-            </a:r>
-            <a:endParaRPr lang="en-US" altLang="ko-KR" sz="900" dirty="0">
-              <a:solidFill>
-                <a:schemeClr val="dk1"/>
-              </a:solidFill>
-              <a:latin typeface="Malgun Gothic"/>
-              <a:ea typeface="Malgun Gothic"/>
-              <a:cs typeface="Malgun Gothic"/>
-              <a:sym typeface="Malgun Gothic"/>
-            </a:endParaRPr>
-          </a:p>
-          <a:p>
-            <a:pPr marL="177800" marR="0" lvl="0" indent="-177800" algn="l" rtl="0">
-              <a:lnSpc>
-                <a:spcPct val="90000"/>
-              </a:lnSpc>
-              <a:spcBef>
-                <a:spcPts val="813"/>
-              </a:spcBef>
-              <a:spcAft>
-                <a:spcPts val="0"/>
-              </a:spcAft>
-              <a:buClr>
-                <a:schemeClr val="dk1"/>
-              </a:buClr>
-              <a:buSzPts val="900"/>
-              <a:buFont typeface="Malgun Gothic"/>
-              <a:buAutoNum type="arabicParenR"/>
-            </a:pPr>
-            <a:r>
-              <a:rPr lang="ko-KR" altLang="en-US" sz="900" dirty="0" smtClean="0">
-                <a:solidFill>
-                  <a:schemeClr val="dk1"/>
-                </a:solidFill>
-                <a:latin typeface="Malgun Gothic"/>
-                <a:ea typeface="Malgun Gothic"/>
-                <a:cs typeface="Malgun Gothic"/>
-                <a:sym typeface="Malgun Gothic"/>
-              </a:rPr>
-              <a:t>현재 수강중인 과목 중 선택</a:t>
-            </a:r>
-            <a:endParaRPr lang="en-US" altLang="ko-KR" sz="900" dirty="0" smtClean="0">
-              <a:solidFill>
-                <a:schemeClr val="dk1"/>
-              </a:solidFill>
-              <a:latin typeface="Malgun Gothic"/>
-              <a:ea typeface="Malgun Gothic"/>
-              <a:cs typeface="Malgun Gothic"/>
-              <a:sym typeface="Malgun Gothic"/>
-            </a:endParaRPr>
-          </a:p>
-          <a:p>
-            <a:pPr marL="177800" marR="0" lvl="0" indent="-177800" algn="l" rtl="0">
-              <a:lnSpc>
-                <a:spcPct val="90000"/>
-              </a:lnSpc>
-              <a:spcBef>
-                <a:spcPts val="813"/>
-              </a:spcBef>
-              <a:spcAft>
-                <a:spcPts val="0"/>
-              </a:spcAft>
-              <a:buClr>
-                <a:schemeClr val="dk1"/>
-              </a:buClr>
-              <a:buSzPts val="900"/>
-              <a:buFont typeface="Malgun Gothic"/>
-              <a:buAutoNum type="arabicParenR"/>
-            </a:pPr>
-            <a:r>
-              <a:rPr lang="ko-KR" altLang="en-US" sz="900" dirty="0" smtClean="0">
-                <a:solidFill>
-                  <a:schemeClr val="dk1"/>
-                </a:solidFill>
-                <a:latin typeface="Malgun Gothic"/>
-                <a:ea typeface="Malgun Gothic"/>
-                <a:cs typeface="Malgun Gothic"/>
-                <a:sym typeface="Malgun Gothic"/>
-              </a:rPr>
-              <a:t>선택된 과목의 출결상태를 확인</a:t>
-            </a:r>
-            <a:endParaRPr lang="en-US" altLang="ko-KR" sz="900" dirty="0" smtClean="0">
-              <a:solidFill>
-                <a:schemeClr val="dk1"/>
-              </a:solidFill>
-              <a:latin typeface="Malgun Gothic"/>
-              <a:ea typeface="Malgun Gothic"/>
-              <a:cs typeface="Malgun Gothic"/>
-              <a:sym typeface="Malgun Gothic"/>
-            </a:endParaRPr>
-          </a:p>
-          <a:p>
-            <a:pPr marL="177800" marR="0" lvl="0" indent="-177800" algn="l" rtl="0">
-              <a:lnSpc>
-                <a:spcPct val="90000"/>
-              </a:lnSpc>
-              <a:spcBef>
-                <a:spcPts val="813"/>
-              </a:spcBef>
-              <a:spcAft>
-                <a:spcPts val="0"/>
-              </a:spcAft>
-              <a:buClr>
-                <a:schemeClr val="dk1"/>
-              </a:buClr>
-              <a:buSzPts val="900"/>
-              <a:buFont typeface="Malgun Gothic"/>
-              <a:buAutoNum type="arabicParenR"/>
-            </a:pPr>
-            <a:r>
-              <a:rPr lang="ko-KR" altLang="en-US" sz="900" dirty="0" smtClean="0">
-                <a:solidFill>
-                  <a:schemeClr val="dk1"/>
-                </a:solidFill>
-                <a:latin typeface="Malgun Gothic"/>
-                <a:ea typeface="Malgun Gothic"/>
-                <a:cs typeface="Malgun Gothic"/>
-                <a:sym typeface="Malgun Gothic"/>
-              </a:rPr>
-              <a:t>로그아웃 후 로그인 페이지 이동</a:t>
-            </a:r>
-            <a:endParaRPr lang="en-US" altLang="ko-KR" sz="900" dirty="0">
-              <a:solidFill>
-                <a:schemeClr val="dk1"/>
-              </a:solidFill>
-              <a:latin typeface="Malgun Gothic"/>
-              <a:ea typeface="Malgun Gothic"/>
-              <a:cs typeface="Malgun Gothic"/>
-              <a:sym typeface="Malgun Gothic"/>
-            </a:endParaRPr>
-          </a:p>
-        </p:txBody>
-      </p:sp>
-      <p:sp>
-        <p:nvSpPr>
-          <p:cNvPr id="5" name="TextBox 4"/>
-          <p:cNvSpPr txBox="1"/>
-          <p:nvPr/>
-        </p:nvSpPr>
-        <p:spPr>
-          <a:xfrm>
-            <a:off x="3226102" y="1463039"/>
-            <a:ext cx="2298239" cy="523220"/>
-          </a:xfrm>
-          <a:prstGeom prst="rect">
-            <a:avLst/>
-          </a:prstGeom>
-          <a:noFill/>
-        </p:spPr>
-        <p:txBody>
-          <a:bodyPr wrap="square" rtlCol="0">
-            <a:spAutoFit/>
-          </a:bodyPr>
-          <a:lstStyle/>
-          <a:p>
-            <a:pPr algn="ctr"/>
-            <a:r>
-              <a:rPr lang="ko-KR" altLang="en-US" dirty="0" smtClean="0"/>
-              <a:t>출석체크 시스템</a:t>
-            </a:r>
-            <a:endParaRPr lang="en-US" altLang="ko-KR" dirty="0" smtClean="0"/>
-          </a:p>
-          <a:p>
-            <a:pPr algn="ctr"/>
-            <a:r>
-              <a:rPr lang="en-US" altLang="ko-KR" dirty="0" smtClean="0"/>
-              <a:t>OOO</a:t>
-            </a:r>
-            <a:r>
-              <a:rPr lang="ko-KR" altLang="en-US" dirty="0" smtClean="0"/>
-              <a:t>님 안녕하세요</a:t>
-            </a:r>
-            <a:endParaRPr lang="ko-KR" altLang="en-US" dirty="0"/>
-          </a:p>
-        </p:txBody>
-      </p:sp>
-      <p:grpSp>
-        <p:nvGrpSpPr>
-          <p:cNvPr id="9" name="그룹 8"/>
-          <p:cNvGrpSpPr/>
-          <p:nvPr/>
-        </p:nvGrpSpPr>
-        <p:grpSpPr>
-          <a:xfrm>
-            <a:off x="3308191" y="2700118"/>
-            <a:ext cx="1181620" cy="314910"/>
-            <a:chOff x="3079591" y="2700118"/>
-            <a:chExt cx="1181620" cy="314910"/>
-          </a:xfrm>
-        </p:grpSpPr>
-        <p:sp>
-          <p:nvSpPr>
-            <p:cNvPr id="6" name="직사각형 5"/>
-            <p:cNvSpPr/>
-            <p:nvPr/>
-          </p:nvSpPr>
-          <p:spPr>
-            <a:xfrm>
-              <a:off x="3147060" y="2773033"/>
-              <a:ext cx="1114151" cy="241995"/>
-            </a:xfrm>
-            <a:prstGeom prst="rect">
-              <a:avLst/>
-            </a:prstGeom>
-            <a:noFill/>
-            <a:ln>
-              <a:solidFill>
-                <a:schemeClr val="tx1"/>
-              </a:solidFill>
-            </a:ln>
-          </p:spPr>
-          <p:style>
-            <a:lnRef idx="2">
-              <a:schemeClr val="accent1">
-                <a:shade val="50000"/>
-              </a:schemeClr>
-            </a:lnRef>
-            <a:fillRef idx="1">
-              <a:schemeClr val="accent1"/>
-            </a:fillRef>
-            <a:effectRef idx="0">
-              <a:schemeClr val="accent1"/>
-            </a:effectRef>
-            <a:fontRef idx="minor">
-              <a:schemeClr val="lt1"/>
-            </a:fontRef>
-          </p:style>
-          <p:txBody>
-            <a:bodyPr rtlCol="0" anchor="ctr"/>
-            <a:lstStyle/>
-            <a:p>
-              <a:r>
-                <a:rPr lang="ko-KR" altLang="en-US" sz="900" dirty="0">
-                  <a:solidFill>
-                    <a:srgbClr val="5F5F5F"/>
-                  </a:solidFill>
-                  <a:latin typeface="Quattrocento Sans"/>
-                  <a:ea typeface="Quattrocento Sans"/>
-                  <a:cs typeface="Quattrocento Sans"/>
-                </a:rPr>
-                <a:t>수강과목 선택</a:t>
-              </a:r>
-            </a:p>
-          </p:txBody>
-        </p:sp>
-        <p:sp>
-          <p:nvSpPr>
-            <p:cNvPr id="19" name="Google Shape;114;p13">
-              <a:extLst>
-                <a:ext uri="{FF2B5EF4-FFF2-40B4-BE49-F238E27FC236}">
-                  <a16:creationId xmlns:a16="http://schemas.microsoft.com/office/drawing/2014/main" xmlns="" id="{F7D56FF0-423C-4C0B-A6E4-FBB0B3B6598B}"/>
-                </a:ext>
-              </a:extLst>
-            </p:cNvPr>
-            <p:cNvSpPr/>
-            <p:nvPr/>
-          </p:nvSpPr>
-          <p:spPr>
-            <a:xfrm>
-              <a:off x="3079591" y="2700118"/>
-              <a:ext cx="134937" cy="138113"/>
-            </a:xfrm>
-            <a:prstGeom prst="ellipse">
-              <a:avLst/>
-            </a:prstGeom>
-            <a:solidFill>
-              <a:srgbClr val="D60C0C"/>
-            </a:solidFill>
-            <a:ln w="19050" cap="flat" cmpd="sng">
-              <a:solidFill>
-                <a:schemeClr val="lt1"/>
-              </a:solidFill>
-              <a:prstDash val="solid"/>
-              <a:miter lim="800000"/>
-              <a:headEnd type="none" w="sm" len="sm"/>
-              <a:tailEnd type="none" w="sm" len="sm"/>
-            </a:ln>
-            <a:effectLst>
-              <a:outerShdw blurRad="50800" dist="38100" dir="2700000" algn="tl" rotWithShape="0">
-                <a:srgbClr val="000000">
-                  <a:alpha val="40000"/>
-                </a:srgbClr>
-              </a:outerShdw>
-            </a:effectLst>
-          </p:spPr>
-          <p:txBody>
-            <a:bodyPr spcFirstLastPara="1" wrap="square" lIns="91425" tIns="45700" rIns="91425" bIns="45700" anchor="ctr" anchorCtr="0">
-              <a:noAutofit/>
-            </a:bodyPr>
-            <a:lstStyle/>
-            <a:p>
-              <a:pPr marL="0" marR="0" lvl="0" indent="0" algn="ctr" rtl="0">
-                <a:spcBef>
-                  <a:spcPts val="0"/>
-                </a:spcBef>
-                <a:spcAft>
-                  <a:spcPts val="0"/>
-                </a:spcAft>
-                <a:buNone/>
-              </a:pPr>
-              <a:r>
-                <a:rPr lang="en-US" altLang="ko-KR" sz="1000" b="1" i="0" u="none" strike="noStrike" cap="none" dirty="0">
-                  <a:solidFill>
-                    <a:schemeClr val="lt1"/>
-                  </a:solidFill>
-                  <a:latin typeface="Malgun Gothic"/>
-                  <a:ea typeface="Malgun Gothic"/>
-                  <a:cs typeface="Malgun Gothic"/>
-                  <a:sym typeface="Malgun Gothic"/>
-                </a:rPr>
-                <a:t>2</a:t>
-              </a:r>
-              <a:endParaRPr sz="1000" b="1" i="0" u="none" strike="noStrike" cap="none" dirty="0">
-                <a:solidFill>
-                  <a:schemeClr val="lt1"/>
-                </a:solidFill>
-                <a:latin typeface="Malgun Gothic"/>
-                <a:ea typeface="Malgun Gothic"/>
-                <a:cs typeface="Malgun Gothic"/>
-                <a:sym typeface="Malgun Gothic"/>
-              </a:endParaRPr>
-            </a:p>
-          </p:txBody>
-        </p:sp>
-        <p:sp>
-          <p:nvSpPr>
-            <p:cNvPr id="7" name="이등변 삼각형 6"/>
-            <p:cNvSpPr/>
-            <p:nvPr/>
-          </p:nvSpPr>
-          <p:spPr>
-            <a:xfrm rot="10800000">
-              <a:off x="4017975" y="2804583"/>
-              <a:ext cx="222250" cy="191595"/>
-            </a:xfrm>
-            <a:prstGeom prst="triangle">
-              <a:avLst/>
-            </a:prstGeom>
-            <a:solidFill>
-              <a:schemeClr val="tx2">
-                <a:lumMod val="75000"/>
-              </a:schemeClr>
-            </a:solidFill>
-            <a:ln>
-              <a:noFill/>
-            </a:ln>
-          </p:spPr>
-          <p:style>
-            <a:lnRef idx="2">
-              <a:schemeClr val="accent1">
-                <a:shade val="50000"/>
-              </a:schemeClr>
-            </a:lnRef>
-            <a:fillRef idx="1">
-              <a:schemeClr val="accent1"/>
-            </a:fillRef>
-            <a:effectRef idx="0">
-              <a:schemeClr val="accent1"/>
-            </a:effectRef>
-            <a:fontRef idx="minor">
-              <a:schemeClr val="lt1"/>
-            </a:fontRef>
-          </p:style>
-          <p:txBody>
-            <a:bodyPr rtlCol="0" anchor="ctr"/>
-            <a:lstStyle/>
-            <a:p>
-              <a:pPr algn="ctr"/>
-              <a:endParaRPr lang="ko-KR" altLang="en-US"/>
-            </a:p>
-          </p:txBody>
-        </p:sp>
-      </p:grpSp>
-    </p:spTree>
-    <p:extLst>
-      <p:ext uri="{BB962C8B-B14F-4D97-AF65-F5344CB8AC3E}">
-        <p14:creationId xmlns:p14="http://schemas.microsoft.com/office/powerpoint/2010/main" val="3454687077"/>
-      </p:ext>
-    </p:extLst>
-  </p:cSld>
-  <p:clrMapOvr>
-    <a:masterClrMapping/>
-  </p:clrMapOvr>
-</p:sld>
-</file>
-
-<file path=ppt/slides/slide7.xml><?xml version="1.0" encoding="utf-8"?>
-<p:sld xmlns:a="http://schemas.openxmlformats.org/drawingml/2006/main" xmlns:r="http://schemas.openxmlformats.org/officeDocument/2006/relationships" xmlns:p="http://schemas.openxmlformats.org/presentationml/2006/main">
-  <p:cSld>
-    <p:spTree>
-      <p:nvGrpSpPr>
-        <p:cNvPr id="1" name="Shape 73"/>
-        <p:cNvGrpSpPr/>
-        <p:nvPr/>
-      </p:nvGrpSpPr>
-      <p:grpSpPr>
-        <a:xfrm>
-          <a:off x="0" y="0"/>
-          <a:ext cx="0" cy="0"/>
-          <a:chOff x="0" y="0"/>
-          <a:chExt cx="0" cy="0"/>
-        </a:xfrm>
-      </p:grpSpPr>
-      <p:sp>
-        <p:nvSpPr>
-          <p:cNvPr id="74" name="Google Shape;74;p12"/>
-          <p:cNvSpPr/>
-          <p:nvPr/>
-        </p:nvSpPr>
-        <p:spPr>
-          <a:xfrm>
-            <a:off x="1517651" y="184150"/>
-            <a:ext cx="8188325" cy="212725"/>
-          </a:xfrm>
-          <a:prstGeom prst="rect">
-            <a:avLst/>
-          </a:prstGeom>
-          <a:noFill/>
-          <a:ln>
-            <a:noFill/>
-          </a:ln>
-        </p:spPr>
-        <p:txBody>
-          <a:bodyPr spcFirstLastPara="1" wrap="square" lIns="36000" tIns="72000" rIns="36000" bIns="36000" anchor="ctr" anchorCtr="0">
-            <a:noAutofit/>
-          </a:bodyPr>
-          <a:lstStyle/>
-          <a:p>
-            <a:pPr marL="0" marR="0" lvl="0" indent="0" algn="l" rtl="0">
-              <a:lnSpc>
-                <a:spcPct val="90000"/>
-              </a:lnSpc>
-              <a:spcBef>
-                <a:spcPts val="0"/>
-              </a:spcBef>
-              <a:spcAft>
-                <a:spcPts val="0"/>
-              </a:spcAft>
-              <a:buNone/>
-            </a:pPr>
-            <a:r>
-              <a:rPr lang="ko-KR" altLang="en-US" sz="900" dirty="0">
-                <a:solidFill>
-                  <a:schemeClr val="dk1"/>
-                </a:solidFill>
-                <a:latin typeface="Malgun Gothic"/>
-                <a:ea typeface="Malgun Gothic"/>
-                <a:cs typeface="Malgun Gothic"/>
-                <a:sym typeface="Malgun Gothic"/>
-              </a:rPr>
-              <a:t>출석 확인</a:t>
+              <a:t>출석 체크</a:t>
             </a:r>
             <a:endParaRPr lang="ko-KR" altLang="en-US" sz="900" dirty="0">
               <a:solidFill>
@@ -16705,21 +15967,9 @@
                 <a:cs typeface="Malgun Gothic"/>
                 <a:sym typeface="Malgun Gothic"/>
               </a:rPr>
-              <a:t>창 </a:t>
+              <a:t>창 종료</a:t>
             </a:r>
-            <a:r>
-              <a:rPr lang="ko-KR" altLang="en-US" sz="900" dirty="0" smtClean="0">
-                <a:solidFill>
-                  <a:schemeClr val="dk1"/>
-                </a:solidFill>
-                <a:latin typeface="Malgun Gothic"/>
-                <a:ea typeface="Malgun Gothic"/>
-                <a:cs typeface="Malgun Gothic"/>
-                <a:sym typeface="Malgun Gothic"/>
-              </a:rPr>
-              <a:t>종료</a:t>
-            </a:r>
-            <a:endParaRPr lang="en-US" altLang="ko-KR" sz="900" dirty="0" smtClean="0">
+            <a:endParaRPr lang="en-US" altLang="ko-KR" sz="900" dirty="0">
               <a:solidFill>
                 <a:schemeClr val="dk1"/>
               </a:solidFill>
@@ -16748,7 +15998,7 @@
               <a:buNone/>
             </a:pPr>
             <a:r>
-              <a:rPr lang="en-US" altLang="ko-KR" sz="900" dirty="0" smtClean="0">
+              <a:rPr lang="en-US" altLang="ko-KR" sz="900" dirty="0">
                 <a:solidFill>
                   <a:schemeClr val="dk1"/>
                 </a:solidFill>
@@ -16760,7 +16010,7 @@
               <a:t>5) QR</a:t>
             </a:r>
             <a:r>
-              <a:rPr lang="ko-KR" altLang="en-US" sz="900" dirty="0" smtClean="0">
+              <a:rPr lang="ko-KR" altLang="en-US" sz="900" dirty="0">
                 <a:solidFill>
                   <a:schemeClr val="dk1"/>
                 </a:solidFill>
@@ -16772,7 +16022,7 @@
               <a:t>코드 </a:t>
             </a:r>
             <a:r>
-              <a:rPr lang="en-US" altLang="ko-KR" sz="900" dirty="0" smtClean="0">
+              <a:rPr lang="en-US" altLang="ko-KR" sz="900" dirty="0">
                 <a:solidFill>
                   <a:schemeClr val="dk1"/>
                 </a:solidFill>
@@ -16783,15 +16033,6 @@
               </a:rPr>
               <a:t>Reload Timer</a:t>
             </a:r>
-            <a:endParaRPr lang="en-US" altLang="ko-KR" sz="900" dirty="0" smtClean="0">
-              <a:solidFill>
-                <a:schemeClr val="dk1"/>
-              </a:solidFill>
-              <a:latin typeface="Malgun Gothic"/>
-              <a:ea typeface="Malgun Gothic"/>
-              <a:cs typeface="Malgun Gothic"/>
-              <a:sym typeface="Malgun Gothic"/>
-            </a:endParaRPr>
           </a:p>
           <a:p>
             <a:pPr marL="177800" indent="-120650">
@@ -16807,7 +16048,7 @@
               <a:buSzPts val="900"/>
             </a:pPr>
             <a:r>
-              <a:rPr lang="en-US" altLang="ko-KR" sz="900" dirty="0" smtClean="0">
+              <a:rPr lang="en-US" altLang="ko-KR" sz="900" dirty="0">
                 <a:solidFill>
                   <a:schemeClr val="dk1"/>
                 </a:solidFill>
@@ -16816,22 +16057,10 @@
                 <a:cs typeface="Malgun Gothic"/>
                 <a:sym typeface="Malgun Gothic"/>
               </a:rPr>
-              <a:t>6</a:t>
+              <a:t>6) </a:t>
             </a:r>
             <a:r>
-              <a:rPr lang="en-US" altLang="ko-KR" sz="900" dirty="0" smtClean="0">
-                <a:solidFill>
-                  <a:schemeClr val="dk1"/>
-                </a:solidFill>
-                <a:latin typeface="Malgun Gothic"/>
-                <a:ea typeface="Malgun Gothic"/>
-                <a:cs typeface="Malgun Gothic"/>
-                <a:sym typeface="Malgun Gothic"/>
-              </a:rPr>
-              <a:t>) </a:t>
-            </a:r>
-            <a:r>
-              <a:rPr lang="ko-KR" altLang="en-US" sz="900" dirty="0" smtClean="0">
+              <a:rPr lang="ko-KR" altLang="en-US" sz="900" dirty="0">
                 <a:solidFill>
                   <a:schemeClr val="dk1"/>
                 </a:solidFill>
@@ -16842,7 +16071,7 @@
               </a:rPr>
               <a:t>현재 과목의 출결상태 확인</a:t>
             </a:r>
-            <a:endParaRPr lang="en-US" altLang="ko-KR" sz="900" dirty="0" smtClean="0">
+            <a:endParaRPr lang="en-US" altLang="ko-KR" sz="900" dirty="0">
               <a:solidFill>
                 <a:schemeClr val="dk1"/>
               </a:solidFill>
@@ -16875,10 +16104,10 @@
                 <a:cs typeface="Malgun Gothic"/>
                 <a:sym typeface="Malgun Gothic"/>
               </a:rPr>
-              <a:t>7</a:t>
+              <a:t>7)</a:t>
             </a:r>
             <a:r>
-              <a:rPr lang="en-US" altLang="ko-KR" sz="900" dirty="0" smtClean="0">
+              <a:rPr lang="ko-KR" altLang="en-US" sz="900" dirty="0">
                 <a:solidFill>
                   <a:schemeClr val="dk1"/>
                 </a:solidFill>
@@ -16887,33 +16116,9 @@
                 <a:cs typeface="Malgun Gothic"/>
                 <a:sym typeface="Malgun Gothic"/>
               </a:rPr>
-              <a:t>)</a:t>
+              <a:t> 과목별 출석체크 확인 화면 이동</a:t>
             </a:r>
-            <a:r>
-              <a:rPr lang="ko-KR" altLang="en-US" sz="900" dirty="0" smtClean="0">
-                <a:solidFill>
-                  <a:schemeClr val="dk1"/>
-                </a:solidFill>
-                <a:latin typeface="Malgun Gothic"/>
-                <a:ea typeface="Malgun Gothic"/>
-                <a:cs typeface="Malgun Gothic"/>
-                <a:sym typeface="Malgun Gothic"/>
-              </a:rPr>
-              <a:t> </a:t>
-            </a:r>
-            <a:r>
-              <a:rPr lang="ko-KR" altLang="en-US" sz="900" dirty="0" smtClean="0">
-                <a:solidFill>
-                  <a:schemeClr val="dk1"/>
-                </a:solidFill>
-                <a:latin typeface="Malgun Gothic"/>
-                <a:ea typeface="Malgun Gothic"/>
-                <a:cs typeface="Malgun Gothic"/>
-                <a:sym typeface="Malgun Gothic"/>
-              </a:rPr>
-              <a:t>메뉴선택화면 이동</a:t>
-            </a:r>
-            <a:endParaRPr lang="en-US" altLang="ko-KR" sz="900" dirty="0" smtClean="0">
+            <a:endParaRPr lang="en-US" altLang="ko-KR" sz="900" dirty="0">
               <a:solidFill>
                 <a:schemeClr val="dk1"/>
               </a:solidFill>
@@ -16946,22 +16151,10 @@
                 <a:cs typeface="Malgun Gothic"/>
                 <a:sym typeface="Malgun Gothic"/>
               </a:rPr>
-              <a:t>8</a:t>
+              <a:t>8) </a:t>
             </a:r>
             <a:r>
-              <a:rPr lang="en-US" altLang="ko-KR" sz="900" dirty="0" smtClean="0">
-                <a:solidFill>
-                  <a:schemeClr val="dk1"/>
-                </a:solidFill>
-                <a:latin typeface="Malgun Gothic"/>
-                <a:ea typeface="Malgun Gothic"/>
-                <a:cs typeface="Malgun Gothic"/>
-                <a:sym typeface="Malgun Gothic"/>
-              </a:rPr>
-              <a:t>) </a:t>
-            </a:r>
-            <a:r>
-              <a:rPr lang="ko-KR" altLang="en-US" sz="900" dirty="0" smtClean="0">
+              <a:rPr lang="ko-KR" altLang="en-US" sz="900" dirty="0">
                 <a:solidFill>
                   <a:schemeClr val="dk1"/>
                 </a:solidFill>
@@ -17041,7 +16234,7 @@
           <p:cNvPr id="4" name="그림 4">
             <a:extLst>
               <a:ext uri="{FF2B5EF4-FFF2-40B4-BE49-F238E27FC236}">
-                <a16:creationId xmlns:a16="http://schemas.microsoft.com/office/drawing/2014/main" xmlns="" id="{36B1BCA9-0C6E-4832-A501-C7F53864F532}"/>
+                <a16:creationId xmlns:a16="http://schemas.microsoft.com/office/drawing/2014/main" id="{36B1BCA9-0C6E-4832-A501-C7F53864F532}"/>
               </a:ext>
             </a:extLst>
           </p:cNvPr>
@@ -17071,7 +16264,7 @@
           <p:cNvPr id="27" name="Google Shape;199;p16">
             <a:extLst>
               <a:ext uri="{FF2B5EF4-FFF2-40B4-BE49-F238E27FC236}">
-                <a16:creationId xmlns:a16="http://schemas.microsoft.com/office/drawing/2014/main" xmlns="" id="{37961933-F613-454D-AC81-401659B6391D}"/>
+                <a16:creationId xmlns:a16="http://schemas.microsoft.com/office/drawing/2014/main" id="{37961933-F613-454D-AC81-401659B6391D}"/>
               </a:ext>
             </a:extLst>
           </p:cNvPr>
@@ -17134,7 +16327,7 @@
           <p:cNvPr id="9" name="표 8">
             <a:extLst>
               <a:ext uri="{FF2B5EF4-FFF2-40B4-BE49-F238E27FC236}">
-                <a16:creationId xmlns:a16="http://schemas.microsoft.com/office/drawing/2014/main" xmlns="" id="{F905234B-DDDC-4727-B24B-8F04B36568B3}"/>
+                <a16:creationId xmlns:a16="http://schemas.microsoft.com/office/drawing/2014/main" id="{F905234B-DDDC-4727-B24B-8F04B36568B3}"/>
               </a:ext>
             </a:extLst>
           </p:cNvPr>
@@ -17160,33 +16353,45 @@
                 <a:tableStyleId>{284E427A-3D55-4303-BF80-6455036E1DE7}</a:tableStyleId>
               </a:tblPr>
               <a:tblGrid>
-                <a:gridCol w="1477932"/>
                 <a:gridCol w="1477932">
                   <a:extLst>
                     <a:ext uri="{9D8B030D-6E8A-4147-A177-3AD203B41FA5}">
-                      <a16:colId xmlns:a16="http://schemas.microsoft.com/office/drawing/2014/main" xmlns="" val="1917094988"/>
+                      <a16:colId xmlns:a16="http://schemas.microsoft.com/office/drawing/2014/main" val="20000"/>
                     </a:ext>
                   </a:extLst>
                 </a:gridCol>
                 <a:gridCol w="1477932">
                   <a:extLst>
                     <a:ext uri="{9D8B030D-6E8A-4147-A177-3AD203B41FA5}">
-                      <a16:colId xmlns:a16="http://schemas.microsoft.com/office/drawing/2014/main" xmlns="" val="2101375769"/>
+                      <a16:colId xmlns:a16="http://schemas.microsoft.com/office/drawing/2014/main" val="1917094988"/>
                     </a:ext>
                   </a:extLst>
                 </a:gridCol>
-                <a:gridCol w="952313"/>
+                <a:gridCol w="1477932">
+                  <a:extLst>
+                    <a:ext uri="{9D8B030D-6E8A-4147-A177-3AD203B41FA5}">
+                      <a16:colId xmlns:a16="http://schemas.microsoft.com/office/drawing/2014/main" val="2101375769"/>
+                    </a:ext>
+                  </a:extLst>
+                </a:gridCol>
+                <a:gridCol w="952313">
+                  <a:extLst>
+                    <a:ext uri="{9D8B030D-6E8A-4147-A177-3AD203B41FA5}">
+                      <a16:colId xmlns:a16="http://schemas.microsoft.com/office/drawing/2014/main" val="20003"/>
+                    </a:ext>
+                  </a:extLst>
+                </a:gridCol>
                 <a:gridCol w="815340">
                   <a:extLst>
                     <a:ext uri="{9D8B030D-6E8A-4147-A177-3AD203B41FA5}">
-                      <a16:colId xmlns:a16="http://schemas.microsoft.com/office/drawing/2014/main" xmlns="" val="1455795655"/>
+                      <a16:colId xmlns:a16="http://schemas.microsoft.com/office/drawing/2014/main" val="1455795655"/>
                     </a:ext>
                   </a:extLst>
                 </a:gridCol>
                 <a:gridCol w="803279">
                   <a:extLst>
                     <a:ext uri="{9D8B030D-6E8A-4147-A177-3AD203B41FA5}">
-                      <a16:colId xmlns:a16="http://schemas.microsoft.com/office/drawing/2014/main" xmlns="" val="1049078234"/>
+                      <a16:colId xmlns:a16="http://schemas.microsoft.com/office/drawing/2014/main" val="1049078234"/>
                     </a:ext>
                   </a:extLst>
                 </a:gridCol>
@@ -17199,16 +16404,12 @@
                     <a:p>
                       <a:pPr algn="ctr" latinLnBrk="1"/>
                       <a:r>
-                        <a:rPr lang="ko-KR" altLang="en-US" sz="900" b="0" dirty="0" smtClean="0">
+                        <a:rPr lang="ko-KR" altLang="en-US" sz="900" b="0" dirty="0">
                           <a:latin typeface="+mn-ea"/>
                           <a:ea typeface="+mn-ea"/>
                         </a:rPr>
                         <a:t>과목코드</a:t>
                       </a:r>
-                      <a:endParaRPr lang="ko-KR" altLang="en-US" sz="900" b="0" dirty="0">
-                        <a:latin typeface="+mn-ea"/>
-                        <a:ea typeface="+mn-ea"/>
-                      </a:endParaRPr>
                     </a:p>
                   </a:txBody>
                   <a:tcPr anchor="ctr"/>
@@ -17254,16 +16455,12 @@
                     <a:p>
                       <a:pPr algn="ctr" latinLnBrk="1"/>
                       <a:r>
-                        <a:rPr lang="ko-KR" altLang="en-US" sz="900" b="0" dirty="0" smtClean="0">
+                        <a:rPr lang="ko-KR" altLang="en-US" sz="900" b="0" dirty="0">
                           <a:latin typeface="+mn-ea"/>
                           <a:ea typeface="+mn-ea"/>
                         </a:rPr>
                         <a:t>요일</a:t>
                       </a:r>
-                      <a:endParaRPr lang="ko-KR" altLang="en-US" sz="900" b="0" dirty="0">
-                        <a:latin typeface="+mn-ea"/>
-                        <a:ea typeface="+mn-ea"/>
-                      </a:endParaRPr>
                     </a:p>
                   </a:txBody>
                   <a:tcPr anchor="ctr"/>
@@ -17304,7 +16501,7 @@
                 </a:tc>
                 <a:extLst>
                   <a:ext uri="{0D108BD9-81ED-4DB2-BD59-A6C34878D82A}">
-                    <a16:rowId xmlns:a16="http://schemas.microsoft.com/office/drawing/2014/main" xmlns="" val="1516003395"/>
+                    <a16:rowId xmlns:a16="http://schemas.microsoft.com/office/drawing/2014/main" val="1516003395"/>
                   </a:ext>
                 </a:extLst>
               </a:tr>
@@ -17316,7 +16513,7 @@
                     <a:p>
                       <a:pPr algn="ctr" latinLnBrk="1"/>
                       <a:r>
-                        <a:rPr lang="en-US" altLang="ko-KR" sz="900" b="0" dirty="0" smtClean="0">
+                        <a:rPr lang="en-US" altLang="ko-KR" sz="900" b="0" dirty="0">
                           <a:latin typeface="+mn-ea"/>
                           <a:ea typeface="+mn-ea"/>
                         </a:rPr>
@@ -17375,13 +16572,13 @@
                     <a:p>
                       <a:pPr algn="ctr" latinLnBrk="1"/>
                       <a:r>
-                        <a:rPr lang="ko-KR" altLang="en-US" sz="900" b="0" dirty="0" smtClean="0">
+                        <a:rPr lang="ko-KR" altLang="en-US" sz="900" b="0" dirty="0">
                           <a:latin typeface="+mn-ea"/>
                           <a:ea typeface="+mn-ea"/>
                         </a:rPr>
                         <a:t>월요일</a:t>
                       </a:r>
-                      <a:endParaRPr lang="en-US" altLang="ko-KR" sz="900" b="0" dirty="0" smtClean="0">
+                      <a:endParaRPr lang="en-US" altLang="ko-KR" sz="900" b="0" dirty="0">
                         <a:latin typeface="+mn-ea"/>
                         <a:ea typeface="+mn-ea"/>
                       </a:endParaRPr>
@@ -17410,7 +16607,7 @@
                     <a:p>
                       <a:pPr algn="ctr" latinLnBrk="1"/>
                       <a:r>
-                        <a:rPr lang="ko-KR" altLang="en-US" sz="900" b="0" dirty="0" smtClean="0">
+                        <a:rPr lang="ko-KR" altLang="en-US" sz="900" b="0" dirty="0">
                           <a:latin typeface="+mn-ea"/>
                           <a:ea typeface="+mn-ea"/>
                         </a:rPr>
@@ -17426,7 +16623,7 @@
                 </a:tc>
                 <a:extLst>
                   <a:ext uri="{0D108BD9-81ED-4DB2-BD59-A6C34878D82A}">
-                    <a16:rowId xmlns:a16="http://schemas.microsoft.com/office/drawing/2014/main" xmlns="" val="2079454974"/>
+                    <a16:rowId xmlns:a16="http://schemas.microsoft.com/office/drawing/2014/main" val="2079454974"/>
                   </a:ext>
                 </a:extLst>
               </a:tr>
@@ -17438,7 +16635,7 @@
                     <a:p>
                       <a:pPr algn="ctr" latinLnBrk="1"/>
                       <a:r>
-                        <a:rPr lang="en-US" altLang="ko-KR" sz="900" b="0" dirty="0" smtClean="0">
+                        <a:rPr lang="en-US" altLang="ko-KR" sz="900" b="0" dirty="0">
                           <a:latin typeface="+mn-ea"/>
                           <a:ea typeface="+mn-ea"/>
                         </a:rPr>
@@ -17522,16 +16719,12 @@
                     <a:p>
                       <a:pPr algn="ctr" latinLnBrk="1"/>
                       <a:r>
-                        <a:rPr lang="ko-KR" altLang="en-US" sz="900" b="0" dirty="0" smtClean="0">
+                        <a:rPr lang="ko-KR" altLang="en-US" sz="900" b="0" dirty="0">
                           <a:latin typeface="+mn-ea"/>
                           <a:ea typeface="+mn-ea"/>
                         </a:rPr>
                         <a:t>화요일</a:t>
                       </a:r>
-                      <a:endParaRPr lang="ko-KR" altLang="en-US" sz="900" b="0" dirty="0">
-                        <a:latin typeface="+mn-ea"/>
-                        <a:ea typeface="+mn-ea"/>
-                      </a:endParaRPr>
                     </a:p>
                   </a:txBody>
                   <a:tcPr anchor="ctr"/>
@@ -17627,7 +16820,7 @@
                 </a:tc>
                 <a:extLst>
                   <a:ext uri="{0D108BD9-81ED-4DB2-BD59-A6C34878D82A}">
-                    <a16:rowId xmlns:a16="http://schemas.microsoft.com/office/drawing/2014/main" xmlns="" val="407609434"/>
+                    <a16:rowId xmlns:a16="http://schemas.microsoft.com/office/drawing/2014/main" val="407609434"/>
                   </a:ext>
                 </a:extLst>
               </a:tr>
@@ -17639,7 +16832,7 @@
                     <a:p>
                       <a:pPr algn="ctr" latinLnBrk="1"/>
                       <a:r>
-                        <a:rPr lang="en-US" altLang="ko-KR" sz="900" b="0" dirty="0" smtClean="0">
+                        <a:rPr lang="en-US" altLang="ko-KR" sz="900" b="0" dirty="0">
                           <a:latin typeface="+mn-ea"/>
                           <a:ea typeface="+mn-ea"/>
                         </a:rPr>
@@ -17723,16 +16916,12 @@
                     <a:p>
                       <a:pPr algn="ctr" latinLnBrk="1"/>
                       <a:r>
-                        <a:rPr lang="ko-KR" altLang="en-US" sz="900" b="0" dirty="0" smtClean="0">
+                        <a:rPr lang="ko-KR" altLang="en-US" sz="900" b="0" dirty="0">
                           <a:latin typeface="+mn-ea"/>
                           <a:ea typeface="+mn-ea"/>
                         </a:rPr>
                         <a:t>수요일</a:t>
                       </a:r>
-                      <a:endParaRPr lang="ko-KR" altLang="en-US" sz="900" b="0" dirty="0">
-                        <a:latin typeface="+mn-ea"/>
-                        <a:ea typeface="+mn-ea"/>
-                      </a:endParaRPr>
                     </a:p>
                   </a:txBody>
                   <a:tcPr anchor="ctr"/>
@@ -17843,7 +17032,7 @@
                 </a:tc>
                 <a:extLst>
                   <a:ext uri="{0D108BD9-81ED-4DB2-BD59-A6C34878D82A}">
-                    <a16:rowId xmlns:a16="http://schemas.microsoft.com/office/drawing/2014/main" xmlns="" val="3143395347"/>
+                    <a16:rowId xmlns:a16="http://schemas.microsoft.com/office/drawing/2014/main" val="3143395347"/>
                   </a:ext>
                 </a:extLst>
               </a:tr>
@@ -17855,7 +17044,7 @@
                     <a:p>
                       <a:pPr algn="ctr" latinLnBrk="1"/>
                       <a:r>
-                        <a:rPr lang="en-US" altLang="ko-KR" sz="900" b="0" dirty="0" smtClean="0">
+                        <a:rPr lang="en-US" altLang="ko-KR" sz="900" b="0" dirty="0">
                           <a:latin typeface="+mn-ea"/>
                           <a:ea typeface="+mn-ea"/>
                         </a:rPr>
@@ -17939,16 +17128,12 @@
                     <a:p>
                       <a:pPr algn="ctr" latinLnBrk="1"/>
                       <a:r>
-                        <a:rPr lang="ko-KR" altLang="en-US" sz="900" b="0" dirty="0" smtClean="0">
+                        <a:rPr lang="ko-KR" altLang="en-US" sz="900" b="0" dirty="0">
                           <a:latin typeface="+mn-ea"/>
                           <a:ea typeface="+mn-ea"/>
                         </a:rPr>
                         <a:t>목요일</a:t>
                       </a:r>
-                      <a:endParaRPr lang="ko-KR" altLang="en-US" sz="900" b="0" dirty="0">
-                        <a:latin typeface="+mn-ea"/>
-                        <a:ea typeface="+mn-ea"/>
-                      </a:endParaRPr>
                     </a:p>
                   </a:txBody>
                   <a:tcPr anchor="ctr"/>
@@ -18059,7 +17244,7 @@
                 </a:tc>
                 <a:extLst>
                   <a:ext uri="{0D108BD9-81ED-4DB2-BD59-A6C34878D82A}">
-                    <a16:rowId xmlns:a16="http://schemas.microsoft.com/office/drawing/2014/main" xmlns="" val="3980106186"/>
+                    <a16:rowId xmlns:a16="http://schemas.microsoft.com/office/drawing/2014/main" val="3980106186"/>
                   </a:ext>
                 </a:extLst>
               </a:tr>
@@ -18072,7 +17257,7 @@
           <p:cNvPr id="18" name="직사각형 17">
             <a:extLst>
               <a:ext uri="{FF2B5EF4-FFF2-40B4-BE49-F238E27FC236}">
-                <a16:creationId xmlns:a16="http://schemas.microsoft.com/office/drawing/2014/main" xmlns="" id="{005B5219-B466-49AF-8D11-1E553B940A4A}"/>
+                <a16:creationId xmlns:a16="http://schemas.microsoft.com/office/drawing/2014/main" id="{005B5219-B466-49AF-8D11-1E553B940A4A}"/>
               </a:ext>
             </a:extLst>
           </p:cNvPr>
@@ -18122,7 +17307,7 @@
           <p:cNvPr id="62" name="그룹 61">
             <a:extLst>
               <a:ext uri="{FF2B5EF4-FFF2-40B4-BE49-F238E27FC236}">
-                <a16:creationId xmlns:a16="http://schemas.microsoft.com/office/drawing/2014/main" xmlns="" id="{1B5F2F2F-5796-4719-B041-2E1B079D3B93}"/>
+                <a16:creationId xmlns:a16="http://schemas.microsoft.com/office/drawing/2014/main" id="{1B5F2F2F-5796-4719-B041-2E1B079D3B93}"/>
               </a:ext>
             </a:extLst>
           </p:cNvPr>
@@ -18142,7 +17327,7 @@
             <p:cNvPr id="63" name="Google Shape;127;p13">
               <a:extLst>
                 <a:ext uri="{FF2B5EF4-FFF2-40B4-BE49-F238E27FC236}">
-                  <a16:creationId xmlns:a16="http://schemas.microsoft.com/office/drawing/2014/main" xmlns="" id="{1CB4299E-81FE-4577-A0F7-8172C7606108}"/>
+                  <a16:creationId xmlns:a16="http://schemas.microsoft.com/office/drawing/2014/main" id="{1CB4299E-81FE-4577-A0F7-8172C7606108}"/>
                 </a:ext>
               </a:extLst>
             </p:cNvPr>
@@ -18202,7 +17387,7 @@
             <p:cNvPr id="64" name="Google Shape;113;p13">
               <a:extLst>
                 <a:ext uri="{FF2B5EF4-FFF2-40B4-BE49-F238E27FC236}">
-                  <a16:creationId xmlns:a16="http://schemas.microsoft.com/office/drawing/2014/main" xmlns="" id="{B98AC18D-9A2C-4E43-BF44-91BB37F8E5D6}"/>
+                  <a16:creationId xmlns:a16="http://schemas.microsoft.com/office/drawing/2014/main" id="{B98AC18D-9A2C-4E43-BF44-91BB37F8E5D6}"/>
                 </a:ext>
               </a:extLst>
             </p:cNvPr>
@@ -18276,7 +17461,7 @@
             <p:cNvPr id="65" name="Google Shape;113;p13">
               <a:extLst>
                 <a:ext uri="{FF2B5EF4-FFF2-40B4-BE49-F238E27FC236}">
-                  <a16:creationId xmlns:a16="http://schemas.microsoft.com/office/drawing/2014/main" xmlns="" id="{10E435AE-20B8-4838-940E-A6DC9EDAACF9}"/>
+                  <a16:creationId xmlns:a16="http://schemas.microsoft.com/office/drawing/2014/main" id="{10E435AE-20B8-4838-940E-A6DC9EDAACF9}"/>
                 </a:ext>
               </a:extLst>
             </p:cNvPr>
@@ -18350,7 +17535,7 @@
             <p:cNvPr id="66" name="Google Shape;535;p24">
               <a:extLst>
                 <a:ext uri="{FF2B5EF4-FFF2-40B4-BE49-F238E27FC236}">
-                  <a16:creationId xmlns:a16="http://schemas.microsoft.com/office/drawing/2014/main" xmlns="" id="{9FCC15CA-78EF-49AD-9E8A-15E732D6AA48}"/>
+                  <a16:creationId xmlns:a16="http://schemas.microsoft.com/office/drawing/2014/main" id="{9FCC15CA-78EF-49AD-9E8A-15E732D6AA48}"/>
                 </a:ext>
               </a:extLst>
             </p:cNvPr>
@@ -18651,7 +17836,7 @@
             <p:cNvPr id="67" name="직사각형 66">
               <a:extLst>
                 <a:ext uri="{FF2B5EF4-FFF2-40B4-BE49-F238E27FC236}">
-                  <a16:creationId xmlns:a16="http://schemas.microsoft.com/office/drawing/2014/main" xmlns="" id="{CB0D7152-507D-4BBF-A26A-5F7B6035A048}"/>
+                  <a16:creationId xmlns:a16="http://schemas.microsoft.com/office/drawing/2014/main" id="{CB0D7152-507D-4BBF-A26A-5F7B6035A048}"/>
                 </a:ext>
               </a:extLst>
             </p:cNvPr>
@@ -18725,7 +17910,7 @@
             <p:cNvPr id="68" name="Google Shape;274;p17">
               <a:extLst>
                 <a:ext uri="{FF2B5EF4-FFF2-40B4-BE49-F238E27FC236}">
-                  <a16:creationId xmlns:a16="http://schemas.microsoft.com/office/drawing/2014/main" xmlns="" id="{DF2E3C1E-F739-41A4-BE36-42AFD929364B}"/>
+                  <a16:creationId xmlns:a16="http://schemas.microsoft.com/office/drawing/2014/main" id="{DF2E3C1E-F739-41A4-BE36-42AFD929364B}"/>
                 </a:ext>
               </a:extLst>
             </p:cNvPr>
@@ -18804,7 +17989,7 @@
             <p:cNvPr id="69" name="직사각형 68">
               <a:extLst>
                 <a:ext uri="{FF2B5EF4-FFF2-40B4-BE49-F238E27FC236}">
-                  <a16:creationId xmlns:a16="http://schemas.microsoft.com/office/drawing/2014/main" xmlns="" id="{488B6816-F4FE-4655-985B-692273F34294}"/>
+                  <a16:creationId xmlns:a16="http://schemas.microsoft.com/office/drawing/2014/main" id="{488B6816-F4FE-4655-985B-692273F34294}"/>
                 </a:ext>
               </a:extLst>
             </p:cNvPr>
@@ -18879,7 +18064,7 @@
           <p:cNvPr id="36" name="Google Shape;111;p13">
             <a:extLst>
               <a:ext uri="{FF2B5EF4-FFF2-40B4-BE49-F238E27FC236}">
-                <a16:creationId xmlns:a16="http://schemas.microsoft.com/office/drawing/2014/main" xmlns="" id="{4019644E-BF79-4879-82A7-EADE4A39CF04}"/>
+                <a16:creationId xmlns:a16="http://schemas.microsoft.com/office/drawing/2014/main" id="{4019644E-BF79-4879-82A7-EADE4A39CF04}"/>
               </a:ext>
             </a:extLst>
           </p:cNvPr>
@@ -18951,7 +18136,7 @@
           <p:cNvPr id="38" name="Google Shape;111;p13">
             <a:extLst>
               <a:ext uri="{FF2B5EF4-FFF2-40B4-BE49-F238E27FC236}">
-                <a16:creationId xmlns:a16="http://schemas.microsoft.com/office/drawing/2014/main" xmlns="" id="{411B65FD-B39A-4F42-8962-B91DBA3AF411}"/>
+                <a16:creationId xmlns:a16="http://schemas.microsoft.com/office/drawing/2014/main" id="{411B65FD-B39A-4F42-8962-B91DBA3AF411}"/>
               </a:ext>
             </a:extLst>
           </p:cNvPr>
@@ -19015,7 +18200,7 @@
           <p:cNvPr id="39" name="Google Shape;111;p13">
             <a:extLst>
               <a:ext uri="{FF2B5EF4-FFF2-40B4-BE49-F238E27FC236}">
-                <a16:creationId xmlns:a16="http://schemas.microsoft.com/office/drawing/2014/main" xmlns="" id="{DABF1690-6102-44C1-B06D-8CC992E1B3D5}"/>
+                <a16:creationId xmlns:a16="http://schemas.microsoft.com/office/drawing/2014/main" id="{DABF1690-6102-44C1-B06D-8CC992E1B3D5}"/>
               </a:ext>
             </a:extLst>
           </p:cNvPr>
@@ -19079,7 +18264,7 @@
           <p:cNvPr id="42" name="Google Shape;111;p13">
             <a:extLst>
               <a:ext uri="{FF2B5EF4-FFF2-40B4-BE49-F238E27FC236}">
-                <a16:creationId xmlns:a16="http://schemas.microsoft.com/office/drawing/2014/main" xmlns="" id="{5ED4DB5C-DDF0-4AA2-9919-5039A683A1BB}"/>
+                <a16:creationId xmlns:a16="http://schemas.microsoft.com/office/drawing/2014/main" id="{5ED4DB5C-DDF0-4AA2-9919-5039A683A1BB}"/>
               </a:ext>
             </a:extLst>
           </p:cNvPr>
@@ -19143,7 +18328,7 @@
           <p:cNvPr id="45" name="Google Shape;111;p13">
             <a:extLst>
               <a:ext uri="{FF2B5EF4-FFF2-40B4-BE49-F238E27FC236}">
-                <a16:creationId xmlns:a16="http://schemas.microsoft.com/office/drawing/2014/main" xmlns="" id="{047773F3-196A-4D7C-9F6C-DA14BC014D3D}"/>
+                <a16:creationId xmlns:a16="http://schemas.microsoft.com/office/drawing/2014/main" id="{047773F3-196A-4D7C-9F6C-DA14BC014D3D}"/>
               </a:ext>
             </a:extLst>
           </p:cNvPr>
@@ -19207,7 +18392,7 @@
           <p:cNvPr id="46" name="Google Shape;111;p13">
             <a:extLst>
               <a:ext uri="{FF2B5EF4-FFF2-40B4-BE49-F238E27FC236}">
-                <a16:creationId xmlns:a16="http://schemas.microsoft.com/office/drawing/2014/main" xmlns="" id="{343E9C1A-0042-4E06-B542-1499464C097E}"/>
+                <a16:creationId xmlns:a16="http://schemas.microsoft.com/office/drawing/2014/main" id="{343E9C1A-0042-4E06-B542-1499464C097E}"/>
               </a:ext>
             </a:extLst>
           </p:cNvPr>
@@ -19271,7 +18456,7 @@
           <p:cNvPr id="49" name="Google Shape;113;p13">
             <a:extLst>
               <a:ext uri="{FF2B5EF4-FFF2-40B4-BE49-F238E27FC236}">
-                <a16:creationId xmlns:a16="http://schemas.microsoft.com/office/drawing/2014/main" xmlns="" id="{6F26D73A-3D51-4E81-8D74-BE73B3D14D9B}"/>
+                <a16:creationId xmlns:a16="http://schemas.microsoft.com/office/drawing/2014/main" id="{6F26D73A-3D51-4E81-8D74-BE73B3D14D9B}"/>
               </a:ext>
             </a:extLst>
           </p:cNvPr>
@@ -19345,7 +18530,7 @@
           <p:cNvPr id="50" name="Google Shape;274;p17">
             <a:extLst>
               <a:ext uri="{FF2B5EF4-FFF2-40B4-BE49-F238E27FC236}">
-                <a16:creationId xmlns:a16="http://schemas.microsoft.com/office/drawing/2014/main" xmlns="" id="{2EFAE25A-316B-4DCD-92D6-B59F4FFDA122}"/>
+                <a16:creationId xmlns:a16="http://schemas.microsoft.com/office/drawing/2014/main" id="{2EFAE25A-316B-4DCD-92D6-B59F4FFDA122}"/>
               </a:ext>
             </a:extLst>
           </p:cNvPr>
@@ -19424,7 +18609,7 @@
           <p:cNvPr id="51" name="Google Shape;274;p17">
             <a:extLst>
               <a:ext uri="{FF2B5EF4-FFF2-40B4-BE49-F238E27FC236}">
-                <a16:creationId xmlns:a16="http://schemas.microsoft.com/office/drawing/2014/main" xmlns="" id="{132F7AA5-0820-430B-843F-14A4FE9F8787}"/>
+                <a16:creationId xmlns:a16="http://schemas.microsoft.com/office/drawing/2014/main" id="{132F7AA5-0820-430B-843F-14A4FE9F8787}"/>
               </a:ext>
             </a:extLst>
           </p:cNvPr>
@@ -19503,7 +18688,7 @@
           <p:cNvPr id="32" name="Google Shape;114;p13">
             <a:extLst>
               <a:ext uri="{FF2B5EF4-FFF2-40B4-BE49-F238E27FC236}">
-                <a16:creationId xmlns:a16="http://schemas.microsoft.com/office/drawing/2014/main" xmlns="" id="{C033F66E-722A-4E2E-912C-7AA64E26242C}"/>
+                <a16:creationId xmlns:a16="http://schemas.microsoft.com/office/drawing/2014/main" id="{C033F66E-722A-4E2E-912C-7AA64E26242C}"/>
               </a:ext>
             </a:extLst>
           </p:cNvPr>
@@ -19582,7 +18767,7 @@
           <p:cNvPr id="70" name="Google Shape;131;p13">
             <a:extLst>
               <a:ext uri="{FF2B5EF4-FFF2-40B4-BE49-F238E27FC236}">
-                <a16:creationId xmlns:a16="http://schemas.microsoft.com/office/drawing/2014/main" xmlns="" id="{5FBEF929-4F0E-4255-83DB-C9434F01F3EF}"/>
+                <a16:creationId xmlns:a16="http://schemas.microsoft.com/office/drawing/2014/main" id="{5FBEF929-4F0E-4255-83DB-C9434F01F3EF}"/>
               </a:ext>
             </a:extLst>
           </p:cNvPr>
@@ -19618,7 +18803,7 @@
           <p:cNvPr id="33" name="Google Shape;274;p17">
             <a:extLst>
               <a:ext uri="{FF2B5EF4-FFF2-40B4-BE49-F238E27FC236}">
-                <a16:creationId xmlns:a16="http://schemas.microsoft.com/office/drawing/2014/main" xmlns="" id="{132F7AA5-0820-430B-843F-14A4FE9F8787}"/>
+                <a16:creationId xmlns:a16="http://schemas.microsoft.com/office/drawing/2014/main" id="{132F7AA5-0820-430B-843F-14A4FE9F8787}"/>
               </a:ext>
             </a:extLst>
           </p:cNvPr>
@@ -19669,7 +18854,7 @@
               <a:buNone/>
             </a:pPr>
             <a:r>
-              <a:rPr lang="en-US" altLang="ko-KR" sz="1000" b="1" dirty="0" smtClean="0">
+              <a:rPr lang="en-US" altLang="ko-KR" sz="1000" b="1" dirty="0">
                 <a:solidFill>
                   <a:schemeClr val="lt1"/>
                 </a:solidFill>
@@ -19697,7 +18882,7 @@
           <p:cNvPr id="34" name="Google Shape;114;p13">
             <a:extLst>
               <a:ext uri="{FF2B5EF4-FFF2-40B4-BE49-F238E27FC236}">
-                <a16:creationId xmlns:a16="http://schemas.microsoft.com/office/drawing/2014/main" xmlns="" id="{325C4334-1260-488A-848D-DCA360CA392E}"/>
+                <a16:creationId xmlns:a16="http://schemas.microsoft.com/office/drawing/2014/main" id="{325C4334-1260-488A-848D-DCA360CA392E}"/>
               </a:ext>
             </a:extLst>
           </p:cNvPr>
@@ -19748,7 +18933,7 @@
               <a:buNone/>
             </a:pPr>
             <a:r>
-              <a:rPr lang="en-US" altLang="ko-KR" sz="1000" b="1" i="0" u="none" strike="noStrike" cap="none" dirty="0" smtClean="0">
+              <a:rPr lang="en-US" altLang="ko-KR" sz="1000" b="1" i="0" u="none" strike="noStrike" cap="none" dirty="0">
                 <a:solidFill>
                   <a:schemeClr val="lt1"/>
                 </a:solidFill>
@@ -19776,7 +18961,7 @@
           <p:cNvPr id="35" name="Google Shape;114;p13">
             <a:extLst>
               <a:ext uri="{FF2B5EF4-FFF2-40B4-BE49-F238E27FC236}">
-                <a16:creationId xmlns:a16="http://schemas.microsoft.com/office/drawing/2014/main" xmlns="" id="{81C6508A-8563-413C-9CD6-28EC55ED1E1D}"/>
+                <a16:creationId xmlns:a16="http://schemas.microsoft.com/office/drawing/2014/main" id="{81C6508A-8563-413C-9CD6-28EC55ED1E1D}"/>
               </a:ext>
             </a:extLst>
           </p:cNvPr>
@@ -19827,7 +19012,7 @@
               <a:buNone/>
             </a:pPr>
             <a:r>
-              <a:rPr lang="en-US" altLang="ko-KR" sz="1000" b="1" dirty="0" smtClean="0">
+              <a:rPr lang="en-US" altLang="ko-KR" sz="1000" b="1" dirty="0">
                 <a:solidFill>
                   <a:schemeClr val="lt1"/>
                 </a:solidFill>
@@ -19855,7 +19040,7 @@
           <p:cNvPr id="40" name="Google Shape;114;p13">
             <a:extLst>
               <a:ext uri="{FF2B5EF4-FFF2-40B4-BE49-F238E27FC236}">
-                <a16:creationId xmlns:a16="http://schemas.microsoft.com/office/drawing/2014/main" xmlns="" id="{81C6508A-8563-413C-9CD6-28EC55ED1E1D}"/>
+                <a16:creationId xmlns:a16="http://schemas.microsoft.com/office/drawing/2014/main" id="{81C6508A-8563-413C-9CD6-28EC55ED1E1D}"/>
               </a:ext>
             </a:extLst>
           </p:cNvPr>
@@ -19906,7 +19091,7 @@
               <a:buNone/>
             </a:pPr>
             <a:r>
-              <a:rPr lang="en-US" altLang="ko-KR" sz="1000" b="1" dirty="0" smtClean="0">
+              <a:rPr lang="en-US" altLang="ko-KR" sz="1000" b="1" dirty="0">
                 <a:solidFill>
                   <a:schemeClr val="lt1"/>
                 </a:solidFill>
@@ -19933,6 +19118,2211 @@
     <p:extLst>
       <p:ext uri="{BB962C8B-B14F-4D97-AF65-F5344CB8AC3E}">
         <p14:creationId xmlns:p14="http://schemas.microsoft.com/office/powerpoint/2010/main" val="3493351249"/>
+      </p:ext>
+    </p:extLst>
+  </p:cSld>
+  <p:clrMapOvr>
+    <a:masterClrMapping/>
+  </p:clrMapOvr>
+</p:sld>
+</file>
+
+<file path=ppt/slides/slide7.xml><?xml version="1.0" encoding="utf-8"?>
+<p:sld xmlns:a="http://schemas.openxmlformats.org/drawingml/2006/main" xmlns:r="http://schemas.openxmlformats.org/officeDocument/2006/relationships" xmlns:p="http://schemas.openxmlformats.org/presentationml/2006/main">
+  <p:cSld>
+    <p:spTree>
+      <p:nvGrpSpPr>
+        <p:cNvPr id="1" name="Shape 73"/>
+        <p:cNvGrpSpPr/>
+        <p:nvPr/>
+      </p:nvGrpSpPr>
+      <p:grpSpPr>
+        <a:xfrm>
+          <a:off x="0" y="0"/>
+          <a:ext cx="0" cy="0"/>
+          <a:chOff x="0" y="0"/>
+          <a:chExt cx="0" cy="0"/>
+        </a:xfrm>
+      </p:grpSpPr>
+      <p:sp>
+        <p:nvSpPr>
+          <p:cNvPr id="74" name="Google Shape;74;p12"/>
+          <p:cNvSpPr/>
+          <p:nvPr/>
+        </p:nvSpPr>
+        <p:spPr>
+          <a:xfrm>
+            <a:off x="1517651" y="184150"/>
+            <a:ext cx="8188325" cy="212725"/>
+          </a:xfrm>
+          <a:prstGeom prst="rect">
+            <a:avLst/>
+          </a:prstGeom>
+          <a:noFill/>
+          <a:ln>
+            <a:noFill/>
+          </a:ln>
+        </p:spPr>
+        <p:txBody>
+          <a:bodyPr spcFirstLastPara="1" wrap="square" lIns="36000" tIns="72000" rIns="36000" bIns="36000" anchor="ctr" anchorCtr="0">
+            <a:noAutofit/>
+          </a:bodyPr>
+          <a:lstStyle/>
+          <a:p>
+            <a:pPr>
+              <a:lnSpc>
+                <a:spcPct val="90000"/>
+              </a:lnSpc>
+            </a:pPr>
+            <a:r>
+              <a:rPr lang="ko-KR" altLang="en-US" sz="900" dirty="0">
+                <a:solidFill>
+                  <a:schemeClr val="dk1"/>
+                </a:solidFill>
+                <a:latin typeface="Malgun Gothic"/>
+                <a:ea typeface="Malgun Gothic"/>
+                <a:cs typeface="Malgun Gothic"/>
+                <a:sym typeface="Malgun Gothic"/>
+              </a:rPr>
+              <a:t>학생 </a:t>
+            </a:r>
+            <a:r>
+              <a:rPr lang="ko-KR" altLang="en-US" sz="900">
+                <a:solidFill>
+                  <a:schemeClr val="dk1"/>
+                </a:solidFill>
+                <a:latin typeface="Malgun Gothic"/>
+                <a:ea typeface="Malgun Gothic"/>
+                <a:cs typeface="Malgun Gothic"/>
+                <a:sym typeface="Malgun Gothic"/>
+              </a:rPr>
+              <a:t>개인 출결 상태 </a:t>
+            </a:r>
+            <a:r>
+              <a:rPr lang="ko-KR" altLang="en-US" sz="900" dirty="0">
+                <a:solidFill>
+                  <a:schemeClr val="dk1"/>
+                </a:solidFill>
+                <a:latin typeface="Malgun Gothic"/>
+                <a:ea typeface="Malgun Gothic"/>
+                <a:cs typeface="Malgun Gothic"/>
+                <a:sym typeface="Malgun Gothic"/>
+              </a:rPr>
+              <a:t>확인 화면</a:t>
+            </a:r>
+            <a:endParaRPr lang="ko-KR" altLang="en-US" sz="900" dirty="0">
+              <a:solidFill>
+                <a:schemeClr val="dk1"/>
+              </a:solidFill>
+              <a:latin typeface="Malgun Gothic"/>
+              <a:ea typeface="Malgun Gothic"/>
+            </a:endParaRPr>
+          </a:p>
+        </p:txBody>
+      </p:sp>
+      <p:sp>
+        <p:nvSpPr>
+          <p:cNvPr id="75" name="Google Shape;75;p12"/>
+          <p:cNvSpPr/>
+          <p:nvPr/>
+        </p:nvSpPr>
+        <p:spPr>
+          <a:xfrm>
+            <a:off x="1517651" y="427038"/>
+            <a:ext cx="3221037" cy="211137"/>
+          </a:xfrm>
+          <a:prstGeom prst="rect">
+            <a:avLst/>
+          </a:prstGeom>
+          <a:noFill/>
+          <a:ln>
+            <a:noFill/>
+          </a:ln>
+        </p:spPr>
+        <p:txBody>
+          <a:bodyPr spcFirstLastPara="1" wrap="square" lIns="36000" tIns="45700" rIns="36000" bIns="45700" anchor="ctr" anchorCtr="0">
+            <a:noAutofit/>
+          </a:bodyPr>
+          <a:lstStyle/>
+          <a:p>
+            <a:pPr>
+              <a:lnSpc>
+                <a:spcPct val="90000"/>
+              </a:lnSpc>
+              <a:buClr>
+                <a:schemeClr val="dk1"/>
+              </a:buClr>
+              <a:buSzPts val="900"/>
+            </a:pPr>
+            <a:r>
+              <a:rPr lang="ko-KR" altLang="en-US" sz="900" dirty="0">
+                <a:solidFill>
+                  <a:schemeClr val="dk1"/>
+                </a:solidFill>
+                <a:latin typeface="Malgun Gothic"/>
+                <a:ea typeface="Malgun Gothic"/>
+                <a:cs typeface="Malgun Gothic"/>
+                <a:sym typeface="Malgun Gothic"/>
+              </a:rPr>
+              <a:t>출결 확인 및 상태 </a:t>
+            </a:r>
+            <a:r>
+              <a:rPr lang="ko-KR" altLang="en-US" sz="900" dirty="0">
+                <a:solidFill>
+                  <a:schemeClr val="dk1"/>
+                </a:solidFill>
+                <a:latin typeface="Malgun Gothic"/>
+                <a:ea typeface="Malgun Gothic"/>
+                <a:sym typeface="Malgun Gothic"/>
+              </a:rPr>
+              <a:t>화면</a:t>
+            </a:r>
+            <a:endParaRPr dirty="0" err="1">
+              <a:solidFill>
+                <a:schemeClr val="dk1"/>
+              </a:solidFill>
+            </a:endParaRPr>
+          </a:p>
+        </p:txBody>
+      </p:sp>
+      <p:sp>
+        <p:nvSpPr>
+          <p:cNvPr id="76" name="Google Shape;76;p12"/>
+          <p:cNvSpPr/>
+          <p:nvPr/>
+        </p:nvSpPr>
+        <p:spPr>
+          <a:xfrm>
+            <a:off x="5772151" y="427038"/>
+            <a:ext cx="3933825" cy="211137"/>
+          </a:xfrm>
+          <a:prstGeom prst="rect">
+            <a:avLst/>
+          </a:prstGeom>
+          <a:noFill/>
+          <a:ln>
+            <a:noFill/>
+          </a:ln>
+        </p:spPr>
+        <p:txBody>
+          <a:bodyPr spcFirstLastPara="1" wrap="square" lIns="36000" tIns="45700" rIns="36000" bIns="45700" anchor="ctr" anchorCtr="0">
+            <a:noAutofit/>
+          </a:bodyPr>
+          <a:lstStyle/>
+          <a:p>
+            <a:pPr marL="0" marR="0" lvl="0" indent="0" algn="l" rtl="0">
+              <a:lnSpc>
+                <a:spcPct val="90000"/>
+              </a:lnSpc>
+              <a:spcBef>
+                <a:spcPts val="0"/>
+              </a:spcBef>
+              <a:spcAft>
+                <a:spcPts val="0"/>
+              </a:spcAft>
+              <a:buClr>
+                <a:schemeClr val="dk1"/>
+              </a:buClr>
+              <a:buSzPts val="900"/>
+              <a:buFont typeface="Arial"/>
+              <a:buNone/>
+            </a:pPr>
+            <a:r>
+              <a:rPr lang="ko-KR" sz="900" b="0" i="0" u="none" strike="noStrike" cap="none">
+                <a:solidFill>
+                  <a:schemeClr val="dk1"/>
+                </a:solidFill>
+                <a:latin typeface="Malgun Gothic"/>
+                <a:ea typeface="Malgun Gothic"/>
+                <a:cs typeface="Malgun Gothic"/>
+                <a:sym typeface="Malgun Gothic"/>
+              </a:rPr>
+              <a:t>PCU-001-01</a:t>
+            </a:r>
+            <a:endParaRPr sz="900" b="0" i="0" u="none" strike="noStrike" cap="none">
+              <a:solidFill>
+                <a:schemeClr val="dk1"/>
+              </a:solidFill>
+              <a:latin typeface="Malgun Gothic"/>
+              <a:ea typeface="Malgun Gothic"/>
+              <a:cs typeface="Malgun Gothic"/>
+              <a:sym typeface="Malgun Gothic"/>
+            </a:endParaRPr>
+          </a:p>
+        </p:txBody>
+      </p:sp>
+      <p:sp>
+        <p:nvSpPr>
+          <p:cNvPr id="77" name="Google Shape;77;p12"/>
+          <p:cNvSpPr/>
+          <p:nvPr/>
+        </p:nvSpPr>
+        <p:spPr>
+          <a:xfrm>
+            <a:off x="8056563" y="652463"/>
+            <a:ext cx="1657350" cy="5507037"/>
+          </a:xfrm>
+          <a:prstGeom prst="rect">
+            <a:avLst/>
+          </a:prstGeom>
+          <a:noFill/>
+          <a:ln>
+            <a:noFill/>
+          </a:ln>
+        </p:spPr>
+        <p:txBody>
+          <a:bodyPr spcFirstLastPara="1" wrap="square" lIns="36000" tIns="45700" rIns="36000" bIns="45700" anchor="t" anchorCtr="0">
+            <a:noAutofit/>
+          </a:bodyPr>
+          <a:lstStyle/>
+          <a:p>
+            <a:pPr marL="0" marR="0" lvl="0" indent="0" algn="l" rtl="0">
+              <a:lnSpc>
+                <a:spcPct val="90000"/>
+              </a:lnSpc>
+              <a:spcBef>
+                <a:spcPts val="0"/>
+              </a:spcBef>
+              <a:spcAft>
+                <a:spcPts val="0"/>
+              </a:spcAft>
+              <a:buClr>
+                <a:schemeClr val="dk1"/>
+              </a:buClr>
+              <a:buSzPts val="900"/>
+              <a:buFont typeface="Malgun Gothic"/>
+              <a:buNone/>
+            </a:pPr>
+            <a:r>
+              <a:rPr lang="ko-KR" sz="900" b="0" i="0" u="none" strike="noStrike" cap="none" dirty="0">
+                <a:solidFill>
+                  <a:schemeClr val="dk1"/>
+                </a:solidFill>
+                <a:latin typeface="Malgun Gothic"/>
+                <a:ea typeface="Malgun Gothic"/>
+                <a:cs typeface="Malgun Gothic"/>
+                <a:sym typeface="Malgun Gothic"/>
+              </a:rPr>
+              <a:t>화면정의 : </a:t>
+            </a:r>
+            <a:endParaRPr dirty="0"/>
+          </a:p>
+          <a:p>
+            <a:pPr marL="177800" marR="0" lvl="0" indent="-120650" rtl="0">
+              <a:lnSpc>
+                <a:spcPct val="90000"/>
+              </a:lnSpc>
+              <a:spcBef>
+                <a:spcPts val="813"/>
+              </a:spcBef>
+              <a:spcAft>
+                <a:spcPts val="0"/>
+              </a:spcAft>
+              <a:buClr>
+                <a:schemeClr val="dk1"/>
+              </a:buClr>
+              <a:buSzPts val="900"/>
+              <a:buFont typeface="Malgun Gothic"/>
+              <a:buNone/>
+            </a:pPr>
+            <a:r>
+              <a:rPr lang="ko-KR" altLang="en-US" sz="900" b="0" i="0" u="none" strike="noStrike" cap="none" dirty="0">
+                <a:solidFill>
+                  <a:schemeClr val="dk1"/>
+                </a:solidFill>
+                <a:latin typeface="Malgun Gothic"/>
+                <a:ea typeface="Malgun Gothic"/>
+                <a:cs typeface="Malgun Gothic"/>
+                <a:sym typeface="Malgun Gothic"/>
+              </a:rPr>
+              <a:t>사용자가 수강하는 과목들의 출결 상태와 재적상태를 확인 할 수 있습니다</a:t>
+            </a:r>
+            <a:r>
+              <a:rPr lang="en-US" altLang="ko-KR" sz="900" b="0" i="0" u="none" strike="noStrike" cap="none" dirty="0">
+                <a:solidFill>
+                  <a:schemeClr val="dk1"/>
+                </a:solidFill>
+                <a:latin typeface="Malgun Gothic"/>
+                <a:ea typeface="Malgun Gothic"/>
+                <a:cs typeface="Malgun Gothic"/>
+                <a:sym typeface="Malgun Gothic"/>
+              </a:rPr>
+              <a:t>.</a:t>
+            </a:r>
+            <a:endParaRPr lang="en-US" altLang="ko-KR" sz="900" dirty="0">
+              <a:solidFill>
+                <a:schemeClr val="dk1"/>
+              </a:solidFill>
+              <a:latin typeface="Malgun Gothic"/>
+              <a:ea typeface="Malgun Gothic"/>
+              <a:cs typeface="Malgun Gothic"/>
+              <a:sym typeface="Malgun Gothic"/>
+            </a:endParaRPr>
+          </a:p>
+          <a:p>
+            <a:pPr marL="285750" indent="-228600">
+              <a:lnSpc>
+                <a:spcPct val="90000"/>
+              </a:lnSpc>
+              <a:spcBef>
+                <a:spcPts val="813"/>
+              </a:spcBef>
+              <a:buClr>
+                <a:schemeClr val="dk1"/>
+              </a:buClr>
+              <a:buSzPts val="900"/>
+              <a:buAutoNum type="arabicParenR"/>
+            </a:pPr>
+            <a:r>
+              <a:rPr lang="ko-KR" altLang="en-US" sz="900" b="0" i="0" u="none" strike="noStrike" cap="none" dirty="0">
+                <a:solidFill>
+                  <a:schemeClr val="dk1"/>
+                </a:solidFill>
+                <a:latin typeface="Malgun Gothic"/>
+                <a:ea typeface="Malgun Gothic"/>
+                <a:cs typeface="Malgun Gothic"/>
+                <a:sym typeface="Malgun Gothic"/>
+              </a:rPr>
+              <a:t>수강중인 과목을 </a:t>
+            </a:r>
+            <a:r>
+              <a:rPr lang="ko-KR" altLang="en-US" sz="900" b="0" i="0" u="none" strike="noStrike" cap="none" dirty="0" err="1">
+                <a:solidFill>
+                  <a:schemeClr val="dk1"/>
+                </a:solidFill>
+                <a:latin typeface="Malgun Gothic"/>
+                <a:ea typeface="Malgun Gothic"/>
+                <a:cs typeface="Malgun Gothic"/>
+                <a:sym typeface="Malgun Gothic"/>
+              </a:rPr>
+              <a:t>콤보박스로</a:t>
+            </a:r>
+            <a:r>
+              <a:rPr lang="ko-KR" altLang="en-US" sz="900" b="0" i="0" u="none" strike="noStrike" cap="none" dirty="0">
+                <a:solidFill>
+                  <a:schemeClr val="dk1"/>
+                </a:solidFill>
+                <a:latin typeface="Malgun Gothic"/>
+                <a:ea typeface="Malgun Gothic"/>
+                <a:cs typeface="Malgun Gothic"/>
+                <a:sym typeface="Malgun Gothic"/>
+              </a:rPr>
+              <a:t> 선택</a:t>
+            </a:r>
+            <a:endParaRPr lang="en-US" altLang="ko-KR" sz="900" b="0" i="0" u="none" strike="noStrike" cap="none" dirty="0">
+              <a:solidFill>
+                <a:schemeClr val="dk1"/>
+              </a:solidFill>
+              <a:latin typeface="Malgun Gothic"/>
+              <a:ea typeface="Malgun Gothic"/>
+              <a:cs typeface="Malgun Gothic"/>
+              <a:sym typeface="Malgun Gothic"/>
+            </a:endParaRPr>
+          </a:p>
+          <a:p>
+            <a:pPr marL="285750" indent="-228600">
+              <a:lnSpc>
+                <a:spcPct val="90000"/>
+              </a:lnSpc>
+              <a:spcBef>
+                <a:spcPts val="813"/>
+              </a:spcBef>
+              <a:buClr>
+                <a:schemeClr val="dk1"/>
+              </a:buClr>
+              <a:buSzPts val="900"/>
+              <a:buAutoNum type="arabicParenR"/>
+            </a:pPr>
+            <a:r>
+              <a:rPr lang="ko-KR" altLang="en-US" sz="900" dirty="0">
+                <a:solidFill>
+                  <a:schemeClr val="dk1"/>
+                </a:solidFill>
+                <a:latin typeface="Malgun Gothic"/>
+                <a:ea typeface="Malgun Gothic"/>
+                <a:cs typeface="Malgun Gothic"/>
+                <a:sym typeface="Malgun Gothic"/>
+              </a:rPr>
+              <a:t>선택한 과목의 출석정보만 확인</a:t>
+            </a:r>
+            <a:endParaRPr lang="en-US" altLang="ko-KR" sz="900" dirty="0">
+              <a:solidFill>
+                <a:schemeClr val="dk1"/>
+              </a:solidFill>
+              <a:latin typeface="Malgun Gothic"/>
+              <a:ea typeface="Malgun Gothic"/>
+              <a:cs typeface="Malgun Gothic"/>
+              <a:sym typeface="Malgun Gothic"/>
+            </a:endParaRPr>
+          </a:p>
+          <a:p>
+            <a:pPr marL="285750" indent="-228600">
+              <a:lnSpc>
+                <a:spcPct val="90000"/>
+              </a:lnSpc>
+              <a:spcBef>
+                <a:spcPts val="813"/>
+              </a:spcBef>
+              <a:buClr>
+                <a:schemeClr val="dk1"/>
+              </a:buClr>
+              <a:buSzPts val="900"/>
+              <a:buAutoNum type="arabicParenR"/>
+            </a:pPr>
+            <a:r>
+              <a:rPr lang="ko-KR" altLang="en-US" sz="900" b="0" i="0" u="none" strike="noStrike" cap="none" dirty="0" err="1">
+                <a:solidFill>
+                  <a:schemeClr val="dk1"/>
+                </a:solidFill>
+                <a:latin typeface="Malgun Gothic"/>
+                <a:ea typeface="Malgun Gothic"/>
+                <a:cs typeface="Malgun Gothic"/>
+                <a:sym typeface="Malgun Gothic"/>
+              </a:rPr>
+              <a:t>출석체크화면으로</a:t>
+            </a:r>
+            <a:r>
+              <a:rPr lang="ko-KR" altLang="en-US" sz="900" b="0" i="0" u="none" strike="noStrike" cap="none" dirty="0">
+                <a:solidFill>
+                  <a:schemeClr val="dk1"/>
+                </a:solidFill>
+                <a:latin typeface="Malgun Gothic"/>
+                <a:ea typeface="Malgun Gothic"/>
+                <a:cs typeface="Malgun Gothic"/>
+                <a:sym typeface="Malgun Gothic"/>
+              </a:rPr>
+              <a:t> 이동</a:t>
+            </a:r>
+            <a:endParaRPr lang="en-US" altLang="ko-KR" sz="900" b="0" i="0" u="none" strike="noStrike" cap="none" dirty="0">
+              <a:solidFill>
+                <a:schemeClr val="dk1"/>
+              </a:solidFill>
+              <a:latin typeface="Malgun Gothic"/>
+              <a:ea typeface="Malgun Gothic"/>
+              <a:cs typeface="Malgun Gothic"/>
+              <a:sym typeface="Malgun Gothic"/>
+            </a:endParaRPr>
+          </a:p>
+          <a:p>
+            <a:pPr marL="285750" indent="-228600">
+              <a:lnSpc>
+                <a:spcPct val="90000"/>
+              </a:lnSpc>
+              <a:spcBef>
+                <a:spcPts val="813"/>
+              </a:spcBef>
+              <a:buClr>
+                <a:schemeClr val="dk1"/>
+              </a:buClr>
+              <a:buSzPts val="900"/>
+              <a:buAutoNum type="arabicParenR"/>
+            </a:pPr>
+            <a:r>
+              <a:rPr lang="ko-KR" altLang="en-US" sz="900" dirty="0">
+                <a:solidFill>
+                  <a:schemeClr val="dk1"/>
+                </a:solidFill>
+                <a:latin typeface="Malgun Gothic"/>
+                <a:ea typeface="Malgun Gothic"/>
+                <a:cs typeface="Malgun Gothic"/>
+                <a:sym typeface="Malgun Gothic"/>
+              </a:rPr>
+              <a:t>로그아웃 후 로그인 화면으로 이동</a:t>
+            </a:r>
+            <a:endParaRPr lang="en-US" altLang="ko-KR" sz="900" b="0" i="0" u="none" strike="noStrike" cap="none" dirty="0">
+              <a:solidFill>
+                <a:schemeClr val="dk1"/>
+              </a:solidFill>
+              <a:latin typeface="Malgun Gothic"/>
+              <a:ea typeface="Malgun Gothic"/>
+              <a:cs typeface="Malgun Gothic"/>
+              <a:sym typeface="Malgun Gothic"/>
+            </a:endParaRPr>
+          </a:p>
+        </p:txBody>
+      </p:sp>
+      <p:sp>
+        <p:nvSpPr>
+          <p:cNvPr id="78" name="Google Shape;78;p12" descr="&lt;SmartSettings&gt;&lt;SmartResize anchorLeft=&quot;Absolute&quot; anchorTop=&quot;Absolute&quot; anchorRight=&quot;Absolute&quot; anchorBottom=&quot;Absolute&quot; /&gt;&lt;/SmartSettings&gt;"/>
+          <p:cNvSpPr/>
+          <p:nvPr/>
+        </p:nvSpPr>
+        <p:spPr>
+          <a:xfrm>
+            <a:off x="401638" y="722313"/>
+            <a:ext cx="7564438" cy="5340350"/>
+          </a:xfrm>
+          <a:prstGeom prst="rect">
+            <a:avLst/>
+          </a:prstGeom>
+          <a:noFill/>
+          <a:ln w="9525" cap="flat" cmpd="sng">
+            <a:solidFill>
+              <a:srgbClr val="BFBFBF"/>
+            </a:solidFill>
+            <a:prstDash val="solid"/>
+            <a:miter lim="800000"/>
+            <a:headEnd type="none" w="sm" len="sm"/>
+            <a:tailEnd type="none" w="sm" len="sm"/>
+          </a:ln>
+        </p:spPr>
+        <p:txBody>
+          <a:bodyPr spcFirstLastPara="1" wrap="square" lIns="91425" tIns="54850" rIns="91425" bIns="45700" anchor="t" anchorCtr="0">
+            <a:noAutofit/>
+          </a:bodyPr>
+          <a:lstStyle/>
+          <a:p>
+            <a:pPr marL="0" marR="0" lvl="0" indent="0" algn="l" rtl="0">
+              <a:spcBef>
+                <a:spcPts val="0"/>
+              </a:spcBef>
+              <a:spcAft>
+                <a:spcPts val="0"/>
+              </a:spcAft>
+              <a:buNone/>
+            </a:pPr>
+            <a:endParaRPr sz="680" b="0" i="0" u="none" strike="noStrike" cap="none">
+              <a:solidFill>
+                <a:srgbClr val="000000"/>
+              </a:solidFill>
+              <a:latin typeface="Quattrocento Sans"/>
+              <a:ea typeface="Quattrocento Sans"/>
+              <a:cs typeface="Quattrocento Sans"/>
+              <a:sym typeface="Quattrocento Sans"/>
+            </a:endParaRPr>
+          </a:p>
+        </p:txBody>
+      </p:sp>
+      <p:pic>
+        <p:nvPicPr>
+          <p:cNvPr id="4" name="그림 4">
+            <a:extLst>
+              <a:ext uri="{FF2B5EF4-FFF2-40B4-BE49-F238E27FC236}">
+                <a16:creationId xmlns:a16="http://schemas.microsoft.com/office/drawing/2014/main" id="{36B1BCA9-0C6E-4832-A501-C7F53864F532}"/>
+              </a:ext>
+            </a:extLst>
+          </p:cNvPr>
+          <p:cNvPicPr>
+            <a:picLocks noChangeAspect="1"/>
+          </p:cNvPicPr>
+          <p:nvPr/>
+        </p:nvPicPr>
+        <p:blipFill>
+          <a:blip r:embed="rId3"/>
+          <a:stretch>
+            <a:fillRect/>
+          </a:stretch>
+        </p:blipFill>
+        <p:spPr>
+          <a:xfrm>
+            <a:off x="552169" y="857531"/>
+            <a:ext cx="1038225" cy="409575"/>
+          </a:xfrm>
+          <a:prstGeom prst="rect">
+            <a:avLst/>
+          </a:prstGeom>
+        </p:spPr>
+      </p:pic>
+      <p:graphicFrame>
+        <p:nvGraphicFramePr>
+          <p:cNvPr id="23" name="표 22">
+            <a:extLst>
+              <a:ext uri="{FF2B5EF4-FFF2-40B4-BE49-F238E27FC236}">
+                <a16:creationId xmlns:a16="http://schemas.microsoft.com/office/drawing/2014/main" id="{B992A8A8-D9F7-45B3-BB78-62151C112E58}"/>
+              </a:ext>
+            </a:extLst>
+          </p:cNvPr>
+          <p:cNvGraphicFramePr>
+            <a:graphicFrameLocks noGrp="1"/>
+          </p:cNvGraphicFramePr>
+          <p:nvPr>
+            <p:extLst>
+              <p:ext uri="{D42A27DB-BD31-4B8C-83A1-F6EECF244321}">
+                <p14:modId xmlns:p14="http://schemas.microsoft.com/office/powerpoint/2010/main" val="1955233519"/>
+              </p:ext>
+            </p:extLst>
+          </p:nvPr>
+        </p:nvGraphicFramePr>
+        <p:xfrm>
+          <a:off x="763231" y="1901683"/>
+          <a:ext cx="7004729" cy="3764615"/>
+        </p:xfrm>
+        <a:graphic>
+          <a:graphicData uri="http://schemas.openxmlformats.org/drawingml/2006/table">
+            <a:tbl>
+              <a:tblPr firstRow="1" bandRow="1">
+                <a:tableStyleId>{284E427A-3D55-4303-BF80-6455036E1DE7}</a:tableStyleId>
+              </a:tblPr>
+              <a:tblGrid>
+                <a:gridCol w="1326927">
+                  <a:extLst>
+                    <a:ext uri="{9D8B030D-6E8A-4147-A177-3AD203B41FA5}">
+                      <a16:colId xmlns:a16="http://schemas.microsoft.com/office/drawing/2014/main" val="1917094988"/>
+                    </a:ext>
+                  </a:extLst>
+                </a:gridCol>
+                <a:gridCol w="1293805">
+                  <a:extLst>
+                    <a:ext uri="{9D8B030D-6E8A-4147-A177-3AD203B41FA5}">
+                      <a16:colId xmlns:a16="http://schemas.microsoft.com/office/drawing/2014/main" val="2101375769"/>
+                    </a:ext>
+                  </a:extLst>
+                </a:gridCol>
+                <a:gridCol w="711935">
+                  <a:extLst>
+                    <a:ext uri="{9D8B030D-6E8A-4147-A177-3AD203B41FA5}">
+                      <a16:colId xmlns:a16="http://schemas.microsoft.com/office/drawing/2014/main" val="1455795655"/>
+                    </a:ext>
+                  </a:extLst>
+                </a:gridCol>
+                <a:gridCol w="1794362">
+                  <a:extLst>
+                    <a:ext uri="{9D8B030D-6E8A-4147-A177-3AD203B41FA5}">
+                      <a16:colId xmlns:a16="http://schemas.microsoft.com/office/drawing/2014/main" val="20003"/>
+                    </a:ext>
+                  </a:extLst>
+                </a:gridCol>
+                <a:gridCol w="1877700">
+                  <a:extLst>
+                    <a:ext uri="{9D8B030D-6E8A-4147-A177-3AD203B41FA5}">
+                      <a16:colId xmlns:a16="http://schemas.microsoft.com/office/drawing/2014/main" val="1049078234"/>
+                    </a:ext>
+                  </a:extLst>
+                </a:gridCol>
+              </a:tblGrid>
+              <a:tr h="394302">
+                <a:tc>
+                  <a:txBody>
+                    <a:bodyPr/>
+                    <a:lstStyle/>
+                    <a:p>
+                      <a:pPr algn="ctr" latinLnBrk="1"/>
+                      <a:r>
+                        <a:rPr lang="ko-KR" altLang="en-US" sz="900" b="0" dirty="0">
+                          <a:latin typeface="+mn-ea"/>
+                          <a:ea typeface="+mn-ea"/>
+                        </a:rPr>
+                        <a:t>과목명</a:t>
+                      </a:r>
+                    </a:p>
+                  </a:txBody>
+                  <a:tcPr anchor="ctr"/>
+                </a:tc>
+                <a:tc>
+                  <a:txBody>
+                    <a:bodyPr/>
+                    <a:lstStyle/>
+                    <a:p>
+                      <a:pPr algn="ctr" latinLnBrk="1"/>
+                      <a:r>
+                        <a:rPr lang="ko-KR" altLang="en-US" sz="900" b="0" dirty="0">
+                          <a:latin typeface="+mn-ea"/>
+                          <a:ea typeface="+mn-ea"/>
+                        </a:rPr>
+                        <a:t>강의시간</a:t>
+                      </a:r>
+                    </a:p>
+                  </a:txBody>
+                  <a:tcPr anchor="ctr"/>
+                </a:tc>
+                <a:tc>
+                  <a:txBody>
+                    <a:bodyPr/>
+                    <a:lstStyle/>
+                    <a:p>
+                      <a:pPr algn="ctr" latinLnBrk="1"/>
+                      <a:r>
+                        <a:rPr lang="ko-KR" altLang="en-US" sz="900" b="0" dirty="0">
+                          <a:latin typeface="+mn-ea"/>
+                          <a:ea typeface="+mn-ea"/>
+                        </a:rPr>
+                        <a:t>요일</a:t>
+                      </a:r>
+                    </a:p>
+                  </a:txBody>
+                  <a:tcPr anchor="ctr"/>
+                </a:tc>
+                <a:tc>
+                  <a:txBody>
+                    <a:bodyPr/>
+                    <a:lstStyle/>
+                    <a:p>
+                      <a:pPr algn="ctr" latinLnBrk="1"/>
+                      <a:r>
+                        <a:rPr lang="ko-KR" altLang="en-US" sz="900" b="0" dirty="0">
+                          <a:latin typeface="+mn-ea"/>
+                          <a:ea typeface="+mn-ea"/>
+                        </a:rPr>
+                        <a:t>출석체크 시간</a:t>
+                      </a:r>
+                    </a:p>
+                  </a:txBody>
+                  <a:tcPr anchor="ctr"/>
+                </a:tc>
+                <a:tc>
+                  <a:txBody>
+                    <a:bodyPr/>
+                    <a:lstStyle/>
+                    <a:p>
+                      <a:pPr algn="ctr" latinLnBrk="1"/>
+                      <a:r>
+                        <a:rPr lang="ko-KR" altLang="en-US" sz="900" b="0" dirty="0">
+                          <a:latin typeface="+mn-ea"/>
+                          <a:ea typeface="+mn-ea"/>
+                        </a:rPr>
+                        <a:t>재적 상태</a:t>
+                      </a:r>
+                    </a:p>
+                  </a:txBody>
+                  <a:tcPr anchor="ctr"/>
+                </a:tc>
+                <a:extLst>
+                  <a:ext uri="{0D108BD9-81ED-4DB2-BD59-A6C34878D82A}">
+                    <a16:rowId xmlns:a16="http://schemas.microsoft.com/office/drawing/2014/main" val="1516003395"/>
+                  </a:ext>
+                </a:extLst>
+              </a:tr>
+              <a:tr h="862304">
+                <a:tc>
+                  <a:txBody>
+                    <a:bodyPr/>
+                    <a:lstStyle/>
+                    <a:p>
+                      <a:pPr algn="ctr" latinLnBrk="1"/>
+                      <a:r>
+                        <a:rPr lang="ko-KR" altLang="en-US" sz="900" b="0" dirty="0">
+                          <a:latin typeface="+mn-ea"/>
+                          <a:ea typeface="+mn-ea"/>
+                        </a:rPr>
+                        <a:t>객체지향프로그래밍</a:t>
+                      </a:r>
+                    </a:p>
+                  </a:txBody>
+                  <a:tcPr anchor="ctr"/>
+                </a:tc>
+                <a:tc>
+                  <a:txBody>
+                    <a:bodyPr/>
+                    <a:lstStyle/>
+                    <a:p>
+                      <a:pPr algn="ctr" latinLnBrk="1"/>
+                      <a:r>
+                        <a:rPr lang="en-US" altLang="ko-KR" sz="900" b="0" dirty="0">
+                          <a:latin typeface="+mn-ea"/>
+                          <a:ea typeface="+mn-ea"/>
+                        </a:rPr>
+                        <a:t>13 : 00 ~ 15 : 00 </a:t>
+                      </a:r>
+                      <a:endParaRPr lang="ko-KR" altLang="en-US" sz="900" b="0" dirty="0">
+                        <a:latin typeface="+mn-ea"/>
+                        <a:ea typeface="+mn-ea"/>
+                      </a:endParaRPr>
+                    </a:p>
+                  </a:txBody>
+                  <a:tcPr anchor="ctr"/>
+                </a:tc>
+                <a:tc>
+                  <a:txBody>
+                    <a:bodyPr/>
+                    <a:lstStyle/>
+                    <a:p>
+                      <a:pPr algn="ctr" latinLnBrk="1"/>
+                      <a:r>
+                        <a:rPr lang="ko-KR" altLang="en-US" sz="900" b="0" dirty="0">
+                          <a:latin typeface="+mn-ea"/>
+                          <a:ea typeface="+mn-ea"/>
+                        </a:rPr>
+                        <a:t>월요일</a:t>
+                      </a:r>
+                      <a:endParaRPr lang="en-US" altLang="ko-KR" sz="900" b="0" dirty="0">
+                        <a:latin typeface="+mn-ea"/>
+                        <a:ea typeface="+mn-ea"/>
+                      </a:endParaRPr>
+                    </a:p>
+                  </a:txBody>
+                  <a:tcPr anchor="ctr"/>
+                </a:tc>
+                <a:tc>
+                  <a:txBody>
+                    <a:bodyPr/>
+                    <a:lstStyle/>
+                    <a:p>
+                      <a:pPr algn="ctr" latinLnBrk="1"/>
+                      <a:r>
+                        <a:rPr lang="en-US" altLang="ko-KR" sz="900" b="0" dirty="0">
+                          <a:latin typeface="+mn-ea"/>
+                          <a:ea typeface="+mn-ea"/>
+                        </a:rPr>
+                        <a:t>00</a:t>
+                      </a:r>
+                      <a:r>
+                        <a:rPr lang="ko-KR" altLang="en-US" sz="900" b="0" dirty="0">
+                          <a:latin typeface="+mn-ea"/>
+                          <a:ea typeface="+mn-ea"/>
+                        </a:rPr>
+                        <a:t>월 </a:t>
+                      </a:r>
+                      <a:r>
+                        <a:rPr lang="en-US" altLang="ko-KR" sz="900" b="0" dirty="0">
+                          <a:latin typeface="+mn-ea"/>
+                          <a:ea typeface="+mn-ea"/>
+                        </a:rPr>
+                        <a:t>00</a:t>
+                      </a:r>
+                      <a:r>
+                        <a:rPr lang="ko-KR" altLang="en-US" sz="900" b="0" dirty="0">
+                          <a:latin typeface="+mn-ea"/>
+                          <a:ea typeface="+mn-ea"/>
+                        </a:rPr>
+                        <a:t>일 </a:t>
+                      </a:r>
+                      <a:r>
+                        <a:rPr lang="en-US" altLang="ko-KR" sz="900" b="0" dirty="0">
+                          <a:latin typeface="+mn-ea"/>
+                          <a:ea typeface="+mn-ea"/>
+                        </a:rPr>
+                        <a:t>00:00:00</a:t>
+                      </a:r>
+                    </a:p>
+                  </a:txBody>
+                  <a:tcPr anchor="ctr"/>
+                </a:tc>
+                <a:tc>
+                  <a:txBody>
+                    <a:bodyPr/>
+                    <a:lstStyle/>
+                    <a:p>
+                      <a:pPr algn="ctr" latinLnBrk="1"/>
+                      <a:r>
+                        <a:rPr lang="ko-KR" altLang="en-US" sz="900" b="0" dirty="0">
+                          <a:latin typeface="+mn-ea"/>
+                          <a:ea typeface="+mn-ea"/>
+                        </a:rPr>
+                        <a:t>지각</a:t>
+                      </a:r>
+                      <a:endParaRPr lang="en-US" altLang="ko-KR" sz="900" b="0" dirty="0">
+                        <a:latin typeface="+mn-ea"/>
+                        <a:ea typeface="+mn-ea"/>
+                      </a:endParaRPr>
+                    </a:p>
+                  </a:txBody>
+                  <a:tcPr anchor="ctr"/>
+                </a:tc>
+                <a:extLst>
+                  <a:ext uri="{0D108BD9-81ED-4DB2-BD59-A6C34878D82A}">
+                    <a16:rowId xmlns:a16="http://schemas.microsoft.com/office/drawing/2014/main" val="2079454974"/>
+                  </a:ext>
+                </a:extLst>
+              </a:tr>
+              <a:tr h="836003">
+                <a:tc>
+                  <a:txBody>
+                    <a:bodyPr/>
+                    <a:lstStyle/>
+                    <a:p>
+                      <a:pPr algn="ctr" latinLnBrk="1"/>
+                      <a:r>
+                        <a:rPr lang="ko-KR" altLang="en-US" sz="900" b="0" dirty="0">
+                          <a:latin typeface="+mn-ea"/>
+                          <a:ea typeface="+mn-ea"/>
+                        </a:rPr>
+                        <a:t>자료구조</a:t>
+                      </a:r>
+                    </a:p>
+                  </a:txBody>
+                  <a:tcPr anchor="ctr"/>
+                </a:tc>
+                <a:tc>
+                  <a:txBody>
+                    <a:bodyPr/>
+                    <a:lstStyle/>
+                    <a:p>
+                      <a:pPr marL="0" marR="0" lvl="0" indent="0" algn="ctr" defTabSz="914400" rtl="0" eaLnBrk="1" fontAlgn="auto" latinLnBrk="1" hangingPunct="1">
+                        <a:lnSpc>
+                          <a:spcPct val="100000"/>
+                        </a:lnSpc>
+                        <a:spcBef>
+                          <a:spcPts val="0"/>
+                        </a:spcBef>
+                        <a:spcAft>
+                          <a:spcPts val="0"/>
+                        </a:spcAft>
+                        <a:buClr>
+                          <a:srgbClr val="000000"/>
+                        </a:buClr>
+                        <a:buSzTx/>
+                        <a:buFont typeface="Arial"/>
+                        <a:buNone/>
+                        <a:tabLst/>
+                        <a:defRPr/>
+                      </a:pPr>
+                      <a:r>
+                        <a:rPr lang="en-US" altLang="ko-KR" sz="900" b="0" dirty="0">
+                          <a:latin typeface="+mn-ea"/>
+                          <a:ea typeface="+mn-ea"/>
+                        </a:rPr>
+                        <a:t>13 : 00 ~ 15 : 00 </a:t>
+                      </a:r>
+                      <a:endParaRPr lang="ko-KR" altLang="en-US" sz="900" b="0" dirty="0">
+                        <a:latin typeface="+mn-ea"/>
+                        <a:ea typeface="+mn-ea"/>
+                      </a:endParaRPr>
+                    </a:p>
+                  </a:txBody>
+                  <a:tcPr anchor="ctr"/>
+                </a:tc>
+                <a:tc>
+                  <a:txBody>
+                    <a:bodyPr/>
+                    <a:lstStyle/>
+                    <a:p>
+                      <a:pPr algn="ctr" latinLnBrk="1"/>
+                      <a:r>
+                        <a:rPr lang="ko-KR" altLang="en-US" sz="900" b="0" dirty="0">
+                          <a:latin typeface="+mn-ea"/>
+                          <a:ea typeface="+mn-ea"/>
+                        </a:rPr>
+                        <a:t>화요일</a:t>
+                      </a:r>
+                    </a:p>
+                  </a:txBody>
+                  <a:tcPr anchor="ctr"/>
+                </a:tc>
+                <a:tc>
+                  <a:txBody>
+                    <a:bodyPr/>
+                    <a:lstStyle/>
+                    <a:p>
+                      <a:pPr marL="0" marR="0" indent="0" algn="ctr" defTabSz="914400" rtl="0" eaLnBrk="1" fontAlgn="auto" latinLnBrk="1" hangingPunct="1">
+                        <a:lnSpc>
+                          <a:spcPct val="100000"/>
+                        </a:lnSpc>
+                        <a:spcBef>
+                          <a:spcPts val="0"/>
+                        </a:spcBef>
+                        <a:spcAft>
+                          <a:spcPts val="0"/>
+                        </a:spcAft>
+                        <a:buClr>
+                          <a:srgbClr val="000000"/>
+                        </a:buClr>
+                        <a:buSzTx/>
+                        <a:buFont typeface="Arial"/>
+                        <a:buNone/>
+                        <a:tabLst/>
+                        <a:defRPr/>
+                      </a:pPr>
+                      <a:r>
+                        <a:rPr lang="en-US" altLang="ko-KR" sz="900" b="0" dirty="0">
+                          <a:latin typeface="+mn-ea"/>
+                          <a:ea typeface="+mn-ea"/>
+                        </a:rPr>
+                        <a:t>00</a:t>
+                      </a:r>
+                      <a:r>
+                        <a:rPr lang="ko-KR" altLang="en-US" sz="900" b="0" dirty="0">
+                          <a:latin typeface="+mn-ea"/>
+                          <a:ea typeface="+mn-ea"/>
+                        </a:rPr>
+                        <a:t>월 </a:t>
+                      </a:r>
+                      <a:r>
+                        <a:rPr lang="en-US" altLang="ko-KR" sz="900" b="0" dirty="0">
+                          <a:latin typeface="+mn-ea"/>
+                          <a:ea typeface="+mn-ea"/>
+                        </a:rPr>
+                        <a:t>00</a:t>
+                      </a:r>
+                      <a:r>
+                        <a:rPr lang="ko-KR" altLang="en-US" sz="900" b="0" dirty="0">
+                          <a:latin typeface="+mn-ea"/>
+                          <a:ea typeface="+mn-ea"/>
+                        </a:rPr>
+                        <a:t>일 </a:t>
+                      </a:r>
+                      <a:r>
+                        <a:rPr lang="en-US" altLang="ko-KR" sz="900" b="0" dirty="0">
+                          <a:latin typeface="+mn-ea"/>
+                          <a:ea typeface="+mn-ea"/>
+                        </a:rPr>
+                        <a:t>00:00:00</a:t>
+                      </a:r>
+                    </a:p>
+                    <a:p>
+                      <a:pPr algn="ctr" latinLnBrk="1"/>
+                      <a:endParaRPr lang="ko-KR" altLang="en-US" sz="900" b="0" dirty="0">
+                        <a:latin typeface="+mn-ea"/>
+                        <a:ea typeface="+mn-ea"/>
+                      </a:endParaRPr>
+                    </a:p>
+                  </a:txBody>
+                  <a:tcPr anchor="ctr"/>
+                </a:tc>
+                <a:tc>
+                  <a:txBody>
+                    <a:bodyPr/>
+                    <a:lstStyle/>
+                    <a:p>
+                      <a:pPr marL="0" marR="0" lvl="0" indent="0" algn="ctr" defTabSz="914400" rtl="0" eaLnBrk="1" fontAlgn="auto" latinLnBrk="1" hangingPunct="1">
+                        <a:lnSpc>
+                          <a:spcPct val="100000"/>
+                        </a:lnSpc>
+                        <a:spcBef>
+                          <a:spcPts val="0"/>
+                        </a:spcBef>
+                        <a:spcAft>
+                          <a:spcPts val="0"/>
+                        </a:spcAft>
+                        <a:buClr>
+                          <a:srgbClr val="000000"/>
+                        </a:buClr>
+                        <a:buSzTx/>
+                        <a:buFont typeface="Arial"/>
+                        <a:buNone/>
+                        <a:tabLst/>
+                        <a:defRPr/>
+                      </a:pPr>
+                      <a:r>
+                        <a:rPr kumimoji="0" lang="ko-KR" altLang="en-US" sz="900" b="0" i="0" u="none" strike="noStrike" kern="0" cap="none" spc="0" normalizeH="0" baseline="0" noProof="0" dirty="0">
+                          <a:ln>
+                            <a:noFill/>
+                          </a:ln>
+                          <a:solidFill>
+                            <a:srgbClr val="000000"/>
+                          </a:solidFill>
+                          <a:effectLst/>
+                          <a:uLnTx/>
+                          <a:uFillTx/>
+                          <a:latin typeface="맑은 고딕" panose="020B0503020000020004" pitchFamily="50" charset="-127"/>
+                          <a:ea typeface="맑은 고딕" panose="020B0503020000020004" pitchFamily="50" charset="-127"/>
+                          <a:cs typeface="+mn-cs"/>
+                          <a:sym typeface="Arial"/>
+                        </a:rPr>
+                        <a:t>결석</a:t>
+                      </a:r>
+                    </a:p>
+                  </a:txBody>
+                  <a:tcPr anchor="ctr"/>
+                </a:tc>
+                <a:extLst>
+                  <a:ext uri="{0D108BD9-81ED-4DB2-BD59-A6C34878D82A}">
+                    <a16:rowId xmlns:a16="http://schemas.microsoft.com/office/drawing/2014/main" val="407609434"/>
+                  </a:ext>
+                </a:extLst>
+              </a:tr>
+              <a:tr h="836003">
+                <a:tc>
+                  <a:txBody>
+                    <a:bodyPr/>
+                    <a:lstStyle/>
+                    <a:p>
+                      <a:pPr algn="ctr" latinLnBrk="1"/>
+                      <a:r>
+                        <a:rPr lang="ko-KR" altLang="en-US" sz="900" b="0" dirty="0">
+                          <a:latin typeface="+mn-ea"/>
+                          <a:ea typeface="+mn-ea"/>
+                        </a:rPr>
+                        <a:t>컴퓨터구조</a:t>
+                      </a:r>
+                    </a:p>
+                  </a:txBody>
+                  <a:tcPr anchor="ctr"/>
+                </a:tc>
+                <a:tc>
+                  <a:txBody>
+                    <a:bodyPr/>
+                    <a:lstStyle/>
+                    <a:p>
+                      <a:pPr marL="0" marR="0" lvl="0" indent="0" algn="ctr" defTabSz="914400" rtl="0" eaLnBrk="1" fontAlgn="auto" latinLnBrk="1" hangingPunct="1">
+                        <a:lnSpc>
+                          <a:spcPct val="100000"/>
+                        </a:lnSpc>
+                        <a:spcBef>
+                          <a:spcPts val="0"/>
+                        </a:spcBef>
+                        <a:spcAft>
+                          <a:spcPts val="0"/>
+                        </a:spcAft>
+                        <a:buClr>
+                          <a:srgbClr val="000000"/>
+                        </a:buClr>
+                        <a:buSzTx/>
+                        <a:buFont typeface="Arial"/>
+                        <a:buNone/>
+                        <a:tabLst/>
+                        <a:defRPr/>
+                      </a:pPr>
+                      <a:r>
+                        <a:rPr lang="en-US" altLang="ko-KR" sz="900" b="0" dirty="0">
+                          <a:latin typeface="+mn-ea"/>
+                          <a:ea typeface="+mn-ea"/>
+                        </a:rPr>
+                        <a:t>13 : 00 ~ 15 : 00 </a:t>
+                      </a:r>
+                      <a:endParaRPr lang="ko-KR" altLang="en-US" sz="900" b="0" dirty="0">
+                        <a:latin typeface="+mn-ea"/>
+                        <a:ea typeface="+mn-ea"/>
+                      </a:endParaRPr>
+                    </a:p>
+                  </a:txBody>
+                  <a:tcPr anchor="ctr"/>
+                </a:tc>
+                <a:tc>
+                  <a:txBody>
+                    <a:bodyPr/>
+                    <a:lstStyle/>
+                    <a:p>
+                      <a:pPr algn="ctr" latinLnBrk="1"/>
+                      <a:r>
+                        <a:rPr lang="ko-KR" altLang="en-US" sz="900" b="0" dirty="0">
+                          <a:latin typeface="+mn-ea"/>
+                          <a:ea typeface="+mn-ea"/>
+                        </a:rPr>
+                        <a:t>수요일</a:t>
+                      </a:r>
+                    </a:p>
+                  </a:txBody>
+                  <a:tcPr anchor="ctr"/>
+                </a:tc>
+                <a:tc>
+                  <a:txBody>
+                    <a:bodyPr/>
+                    <a:lstStyle/>
+                    <a:p>
+                      <a:pPr algn="ctr" latinLnBrk="1"/>
+                      <a:r>
+                        <a:rPr lang="en-US" altLang="ko-KR" sz="900" b="0" dirty="0">
+                          <a:latin typeface="+mn-ea"/>
+                          <a:ea typeface="+mn-ea"/>
+                        </a:rPr>
+                        <a:t>00</a:t>
+                      </a:r>
+                      <a:r>
+                        <a:rPr lang="ko-KR" altLang="en-US" sz="900" b="0" dirty="0">
+                          <a:latin typeface="+mn-ea"/>
+                          <a:ea typeface="+mn-ea"/>
+                        </a:rPr>
+                        <a:t>월 </a:t>
+                      </a:r>
+                      <a:r>
+                        <a:rPr lang="en-US" altLang="ko-KR" sz="900" b="0" dirty="0">
+                          <a:latin typeface="+mn-ea"/>
+                          <a:ea typeface="+mn-ea"/>
+                        </a:rPr>
+                        <a:t>00</a:t>
+                      </a:r>
+                      <a:r>
+                        <a:rPr lang="ko-KR" altLang="en-US" sz="900" b="0" dirty="0">
+                          <a:latin typeface="+mn-ea"/>
+                          <a:ea typeface="+mn-ea"/>
+                        </a:rPr>
+                        <a:t>일 </a:t>
+                      </a:r>
+                      <a:r>
+                        <a:rPr lang="en-US" altLang="ko-KR" sz="900" b="0" dirty="0">
+                          <a:latin typeface="+mn-ea"/>
+                          <a:ea typeface="+mn-ea"/>
+                        </a:rPr>
+                        <a:t>00:00:00</a:t>
+                      </a:r>
+                    </a:p>
+                  </a:txBody>
+                  <a:tcPr anchor="ctr"/>
+                </a:tc>
+                <a:tc>
+                  <a:txBody>
+                    <a:bodyPr/>
+                    <a:lstStyle/>
+                    <a:p>
+                      <a:pPr marL="0" marR="0" lvl="0" indent="0" algn="ctr" defTabSz="914400" rtl="0" eaLnBrk="1" fontAlgn="auto" latinLnBrk="1" hangingPunct="1">
+                        <a:lnSpc>
+                          <a:spcPct val="100000"/>
+                        </a:lnSpc>
+                        <a:spcBef>
+                          <a:spcPts val="0"/>
+                        </a:spcBef>
+                        <a:spcAft>
+                          <a:spcPts val="0"/>
+                        </a:spcAft>
+                        <a:buClr>
+                          <a:srgbClr val="000000"/>
+                        </a:buClr>
+                        <a:buSzTx/>
+                        <a:buFont typeface="Arial"/>
+                        <a:buNone/>
+                        <a:tabLst/>
+                        <a:defRPr/>
+                      </a:pPr>
+                      <a:r>
+                        <a:rPr kumimoji="0" lang="ko-KR" altLang="en-US" sz="900" b="0" i="0" u="none" strike="noStrike" kern="0" cap="none" spc="0" normalizeH="0" baseline="0" noProof="0" dirty="0">
+                          <a:ln>
+                            <a:noFill/>
+                          </a:ln>
+                          <a:solidFill>
+                            <a:srgbClr val="000000"/>
+                          </a:solidFill>
+                          <a:effectLst/>
+                          <a:uLnTx/>
+                          <a:uFillTx/>
+                          <a:latin typeface="맑은 고딕" panose="020B0503020000020004" pitchFamily="50" charset="-127"/>
+                          <a:ea typeface="맑은 고딕" panose="020B0503020000020004" pitchFamily="50" charset="-127"/>
+                          <a:cs typeface="+mn-cs"/>
+                          <a:sym typeface="Arial"/>
+                        </a:rPr>
+                        <a:t>결석</a:t>
+                      </a:r>
+                    </a:p>
+                  </a:txBody>
+                  <a:tcPr anchor="ctr"/>
+                </a:tc>
+                <a:extLst>
+                  <a:ext uri="{0D108BD9-81ED-4DB2-BD59-A6C34878D82A}">
+                    <a16:rowId xmlns:a16="http://schemas.microsoft.com/office/drawing/2014/main" val="3143395347"/>
+                  </a:ext>
+                </a:extLst>
+              </a:tr>
+              <a:tr h="836003">
+                <a:tc>
+                  <a:txBody>
+                    <a:bodyPr/>
+                    <a:lstStyle/>
+                    <a:p>
+                      <a:pPr algn="ctr" latinLnBrk="1"/>
+                      <a:r>
+                        <a:rPr lang="ko-KR" altLang="en-US" sz="900" b="0" dirty="0">
+                          <a:latin typeface="+mn-ea"/>
+                          <a:ea typeface="+mn-ea"/>
+                        </a:rPr>
+                        <a:t>운영체제</a:t>
+                      </a:r>
+                    </a:p>
+                  </a:txBody>
+                  <a:tcPr anchor="ctr"/>
+                </a:tc>
+                <a:tc>
+                  <a:txBody>
+                    <a:bodyPr/>
+                    <a:lstStyle/>
+                    <a:p>
+                      <a:pPr marL="0" marR="0" lvl="0" indent="0" algn="ctr" defTabSz="914400" rtl="0" eaLnBrk="1" fontAlgn="auto" latinLnBrk="1" hangingPunct="1">
+                        <a:lnSpc>
+                          <a:spcPct val="100000"/>
+                        </a:lnSpc>
+                        <a:spcBef>
+                          <a:spcPts val="0"/>
+                        </a:spcBef>
+                        <a:spcAft>
+                          <a:spcPts val="0"/>
+                        </a:spcAft>
+                        <a:buClr>
+                          <a:srgbClr val="000000"/>
+                        </a:buClr>
+                        <a:buSzTx/>
+                        <a:buFont typeface="Arial"/>
+                        <a:buNone/>
+                        <a:tabLst/>
+                        <a:defRPr/>
+                      </a:pPr>
+                      <a:r>
+                        <a:rPr lang="en-US" altLang="ko-KR" sz="900" b="0" dirty="0">
+                          <a:latin typeface="+mn-ea"/>
+                          <a:ea typeface="+mn-ea"/>
+                        </a:rPr>
+                        <a:t>13 : 00 ~ 15 : 00 </a:t>
+                      </a:r>
+                      <a:endParaRPr lang="ko-KR" altLang="en-US" sz="900" b="0" dirty="0">
+                        <a:latin typeface="+mn-ea"/>
+                        <a:ea typeface="+mn-ea"/>
+                      </a:endParaRPr>
+                    </a:p>
+                  </a:txBody>
+                  <a:tcPr anchor="ctr"/>
+                </a:tc>
+                <a:tc>
+                  <a:txBody>
+                    <a:bodyPr/>
+                    <a:lstStyle/>
+                    <a:p>
+                      <a:pPr algn="ctr" latinLnBrk="1"/>
+                      <a:r>
+                        <a:rPr lang="ko-KR" altLang="en-US" sz="900" b="0" dirty="0">
+                          <a:latin typeface="+mn-ea"/>
+                          <a:ea typeface="+mn-ea"/>
+                        </a:rPr>
+                        <a:t>목요일</a:t>
+                      </a:r>
+                    </a:p>
+                  </a:txBody>
+                  <a:tcPr anchor="ctr"/>
+                </a:tc>
+                <a:tc>
+                  <a:txBody>
+                    <a:bodyPr/>
+                    <a:lstStyle/>
+                    <a:p>
+                      <a:pPr marL="0" marR="0" indent="0" algn="ctr" defTabSz="914400" rtl="0" eaLnBrk="1" fontAlgn="auto" latinLnBrk="1" hangingPunct="1">
+                        <a:lnSpc>
+                          <a:spcPct val="100000"/>
+                        </a:lnSpc>
+                        <a:spcBef>
+                          <a:spcPts val="0"/>
+                        </a:spcBef>
+                        <a:spcAft>
+                          <a:spcPts val="0"/>
+                        </a:spcAft>
+                        <a:buClr>
+                          <a:srgbClr val="000000"/>
+                        </a:buClr>
+                        <a:buSzTx/>
+                        <a:buFont typeface="Arial"/>
+                        <a:buNone/>
+                        <a:tabLst/>
+                        <a:defRPr/>
+                      </a:pPr>
+                      <a:r>
+                        <a:rPr lang="en-US" altLang="ko-KR" sz="900" b="0" dirty="0">
+                          <a:latin typeface="+mn-ea"/>
+                          <a:ea typeface="+mn-ea"/>
+                        </a:rPr>
+                        <a:t>00</a:t>
+                      </a:r>
+                      <a:r>
+                        <a:rPr lang="ko-KR" altLang="en-US" sz="900" b="0" dirty="0">
+                          <a:latin typeface="+mn-ea"/>
+                          <a:ea typeface="+mn-ea"/>
+                        </a:rPr>
+                        <a:t>월 </a:t>
+                      </a:r>
+                      <a:r>
+                        <a:rPr lang="en-US" altLang="ko-KR" sz="900" b="0" dirty="0">
+                          <a:latin typeface="+mn-ea"/>
+                          <a:ea typeface="+mn-ea"/>
+                        </a:rPr>
+                        <a:t>00</a:t>
+                      </a:r>
+                      <a:r>
+                        <a:rPr lang="ko-KR" altLang="en-US" sz="900" b="0" dirty="0">
+                          <a:latin typeface="+mn-ea"/>
+                          <a:ea typeface="+mn-ea"/>
+                        </a:rPr>
+                        <a:t>일 </a:t>
+                      </a:r>
+                      <a:r>
+                        <a:rPr lang="en-US" altLang="ko-KR" sz="900" b="0" dirty="0">
+                          <a:latin typeface="+mn-ea"/>
+                          <a:ea typeface="+mn-ea"/>
+                        </a:rPr>
+                        <a:t>00:00:00</a:t>
+                      </a:r>
+                    </a:p>
+                    <a:p>
+                      <a:pPr algn="ctr" latinLnBrk="1"/>
+                      <a:endParaRPr lang="ko-KR" altLang="en-US" sz="900" b="0" dirty="0">
+                        <a:latin typeface="+mn-ea"/>
+                        <a:ea typeface="+mn-ea"/>
+                      </a:endParaRPr>
+                    </a:p>
+                  </a:txBody>
+                  <a:tcPr anchor="ctr"/>
+                </a:tc>
+                <a:tc>
+                  <a:txBody>
+                    <a:bodyPr/>
+                    <a:lstStyle/>
+                    <a:p>
+                      <a:pPr marL="0" marR="0" lvl="0" indent="0" algn="ctr" defTabSz="914400" rtl="0" eaLnBrk="1" fontAlgn="auto" latinLnBrk="1" hangingPunct="1">
+                        <a:lnSpc>
+                          <a:spcPct val="100000"/>
+                        </a:lnSpc>
+                        <a:spcBef>
+                          <a:spcPts val="0"/>
+                        </a:spcBef>
+                        <a:spcAft>
+                          <a:spcPts val="0"/>
+                        </a:spcAft>
+                        <a:buClr>
+                          <a:srgbClr val="000000"/>
+                        </a:buClr>
+                        <a:buSzTx/>
+                        <a:buFont typeface="Arial"/>
+                        <a:buNone/>
+                        <a:tabLst/>
+                        <a:defRPr/>
+                      </a:pPr>
+                      <a:r>
+                        <a:rPr kumimoji="0" lang="ko-KR" altLang="en-US" sz="900" b="0" i="0" u="none" strike="noStrike" kern="0" cap="none" spc="0" normalizeH="0" baseline="0" noProof="0" dirty="0">
+                          <a:ln>
+                            <a:noFill/>
+                          </a:ln>
+                          <a:solidFill>
+                            <a:srgbClr val="000000"/>
+                          </a:solidFill>
+                          <a:effectLst/>
+                          <a:uLnTx/>
+                          <a:uFillTx/>
+                          <a:latin typeface="맑은 고딕" panose="020B0503020000020004" pitchFamily="50" charset="-127"/>
+                          <a:ea typeface="맑은 고딕" panose="020B0503020000020004" pitchFamily="50" charset="-127"/>
+                          <a:cs typeface="+mn-cs"/>
+                          <a:sym typeface="Arial"/>
+                        </a:rPr>
+                        <a:t>출석</a:t>
+                      </a:r>
+                      <a:endParaRPr kumimoji="0" lang="en-US" altLang="ko-KR" sz="900" b="0" i="0" u="none" strike="noStrike" kern="0" cap="none" spc="0" normalizeH="0" baseline="0" noProof="0" dirty="0">
+                        <a:ln>
+                          <a:noFill/>
+                        </a:ln>
+                        <a:solidFill>
+                          <a:srgbClr val="000000"/>
+                        </a:solidFill>
+                        <a:effectLst/>
+                        <a:uLnTx/>
+                        <a:uFillTx/>
+                        <a:latin typeface="맑은 고딕" panose="020B0503020000020004" pitchFamily="50" charset="-127"/>
+                        <a:ea typeface="맑은 고딕" panose="020B0503020000020004" pitchFamily="50" charset="-127"/>
+                        <a:cs typeface="+mn-cs"/>
+                        <a:sym typeface="Arial"/>
+                      </a:endParaRPr>
+                    </a:p>
+                  </a:txBody>
+                  <a:tcPr anchor="ctr"/>
+                </a:tc>
+                <a:extLst>
+                  <a:ext uri="{0D108BD9-81ED-4DB2-BD59-A6C34878D82A}">
+                    <a16:rowId xmlns:a16="http://schemas.microsoft.com/office/drawing/2014/main" val="3980106186"/>
+                  </a:ext>
+                </a:extLst>
+              </a:tr>
+            </a:tbl>
+          </a:graphicData>
+        </a:graphic>
+      </p:graphicFrame>
+      <p:sp>
+        <p:nvSpPr>
+          <p:cNvPr id="24" name="Google Shape;199;p16">
+            <a:extLst>
+              <a:ext uri="{FF2B5EF4-FFF2-40B4-BE49-F238E27FC236}">
+                <a16:creationId xmlns:a16="http://schemas.microsoft.com/office/drawing/2014/main" id="{EE6D9A01-BDDD-40D4-AE3A-74E7947DA03D}"/>
+              </a:ext>
+            </a:extLst>
+          </p:cNvPr>
+          <p:cNvSpPr txBox="1"/>
+          <p:nvPr/>
+        </p:nvSpPr>
+        <p:spPr>
+          <a:xfrm>
+            <a:off x="6469808" y="831295"/>
+            <a:ext cx="1164643" cy="369291"/>
+          </a:xfrm>
+          <a:prstGeom prst="rect">
+            <a:avLst/>
+          </a:prstGeom>
+          <a:noFill/>
+          <a:ln>
+            <a:noFill/>
+          </a:ln>
+        </p:spPr>
+        <p:txBody>
+          <a:bodyPr spcFirstLastPara="1" wrap="square" lIns="91425" tIns="45700" rIns="91425" bIns="45700" anchor="t" anchorCtr="0">
+            <a:spAutoFit/>
+          </a:bodyPr>
+          <a:lstStyle/>
+          <a:p>
+            <a:pPr marL="0" marR="0" lvl="0" indent="0" algn="l" rtl="0">
+              <a:spcBef>
+                <a:spcPts val="0"/>
+              </a:spcBef>
+              <a:spcAft>
+                <a:spcPts val="0"/>
+              </a:spcAft>
+              <a:buNone/>
+            </a:pPr>
+            <a:r>
+              <a:rPr lang="en-US" altLang="ko-KR" sz="900" dirty="0">
+                <a:solidFill>
+                  <a:schemeClr val="dk1"/>
+                </a:solidFill>
+                <a:latin typeface="Malgun Gothic"/>
+                <a:ea typeface="Malgun Gothic"/>
+              </a:rPr>
+              <a:t>OOO</a:t>
+            </a:r>
+            <a:r>
+              <a:rPr lang="ko-KR" altLang="en-US" sz="900" dirty="0">
+                <a:solidFill>
+                  <a:schemeClr val="dk1"/>
+                </a:solidFill>
+                <a:latin typeface="Malgun Gothic"/>
+                <a:ea typeface="Malgun Gothic"/>
+              </a:rPr>
+              <a:t>님 안녕하세요</a:t>
+            </a:r>
+          </a:p>
+        </p:txBody>
+      </p:sp>
+      <p:sp>
+        <p:nvSpPr>
+          <p:cNvPr id="25" name="Google Shape;111;p13">
+            <a:extLst>
+              <a:ext uri="{FF2B5EF4-FFF2-40B4-BE49-F238E27FC236}">
+                <a16:creationId xmlns:a16="http://schemas.microsoft.com/office/drawing/2014/main" id="{F59D1251-EDE6-467C-85B7-D69A471BB44A}"/>
+              </a:ext>
+            </a:extLst>
+          </p:cNvPr>
+          <p:cNvSpPr/>
+          <p:nvPr/>
+        </p:nvSpPr>
+        <p:spPr>
+          <a:xfrm>
+            <a:off x="6970834" y="1538637"/>
+            <a:ext cx="652582" cy="241995"/>
+          </a:xfrm>
+          <a:prstGeom prst="roundRect">
+            <a:avLst>
+              <a:gd name="adj" fmla="val 8776"/>
+            </a:avLst>
+          </a:prstGeom>
+          <a:solidFill>
+            <a:srgbClr val="F2F2F2"/>
+          </a:solidFill>
+          <a:ln w="9525" cap="flat" cmpd="sng">
+            <a:solidFill>
+              <a:srgbClr val="808080"/>
+            </a:solidFill>
+            <a:prstDash val="solid"/>
+            <a:round/>
+            <a:headEnd type="none" w="sm" len="sm"/>
+            <a:tailEnd type="none" w="sm" len="sm"/>
+          </a:ln>
+        </p:spPr>
+        <p:txBody>
+          <a:bodyPr spcFirstLastPara="1" wrap="square" lIns="91425" tIns="45700" rIns="91425" bIns="45700" anchor="ctr" anchorCtr="0">
+            <a:noAutofit/>
+          </a:bodyPr>
+          <a:lstStyle/>
+          <a:p>
+            <a:pPr marL="0" marR="0" lvl="0" indent="0" algn="l" rtl="0">
+              <a:spcBef>
+                <a:spcPts val="0"/>
+              </a:spcBef>
+              <a:spcAft>
+                <a:spcPts val="0"/>
+              </a:spcAft>
+              <a:buNone/>
+            </a:pPr>
+            <a:r>
+              <a:rPr lang="ko-KR" altLang="en-US" sz="900" dirty="0">
+                <a:solidFill>
+                  <a:srgbClr val="5F5F5F"/>
+                </a:solidFill>
+                <a:latin typeface="Quattrocento Sans"/>
+                <a:ea typeface="Quattrocento Sans"/>
+                <a:cs typeface="Quattrocento Sans"/>
+              </a:rPr>
+              <a:t>로그아웃</a:t>
+            </a:r>
+            <a:endParaRPr lang="ko-KR" altLang="en-US" sz="900" b="0" i="0" u="none" strike="noStrike" cap="none" dirty="0">
+              <a:solidFill>
+                <a:srgbClr val="5F5F5F"/>
+              </a:solidFill>
+              <a:latin typeface="Quattrocento Sans"/>
+              <a:ea typeface="Quattrocento Sans"/>
+              <a:cs typeface="Quattrocento Sans"/>
+            </a:endParaRPr>
+          </a:p>
+        </p:txBody>
+      </p:sp>
+      <p:sp>
+        <p:nvSpPr>
+          <p:cNvPr id="27" name="Google Shape;111;p13">
+            <a:extLst>
+              <a:ext uri="{FF2B5EF4-FFF2-40B4-BE49-F238E27FC236}">
+                <a16:creationId xmlns:a16="http://schemas.microsoft.com/office/drawing/2014/main" id="{B53B4D85-4D2F-45AD-B72C-F1128064E2E9}"/>
+              </a:ext>
+            </a:extLst>
+          </p:cNvPr>
+          <p:cNvSpPr/>
+          <p:nvPr/>
+        </p:nvSpPr>
+        <p:spPr>
+          <a:xfrm>
+            <a:off x="6195027" y="1541716"/>
+            <a:ext cx="730564" cy="241995"/>
+          </a:xfrm>
+          <a:prstGeom prst="roundRect">
+            <a:avLst>
+              <a:gd name="adj" fmla="val 8776"/>
+            </a:avLst>
+          </a:prstGeom>
+          <a:solidFill>
+            <a:srgbClr val="F2F2F2"/>
+          </a:solidFill>
+          <a:ln w="9525" cap="flat" cmpd="sng">
+            <a:solidFill>
+              <a:srgbClr val="808080"/>
+            </a:solidFill>
+            <a:prstDash val="solid"/>
+            <a:round/>
+            <a:headEnd type="none" w="sm" len="sm"/>
+            <a:tailEnd type="none" w="sm" len="sm"/>
+          </a:ln>
+        </p:spPr>
+        <p:txBody>
+          <a:bodyPr spcFirstLastPara="1" wrap="square" lIns="91425" tIns="45700" rIns="91425" bIns="45700" anchor="ctr" anchorCtr="0">
+            <a:noAutofit/>
+          </a:bodyPr>
+          <a:lstStyle/>
+          <a:p>
+            <a:pPr algn="ctr"/>
+            <a:r>
+              <a:rPr lang="ko-KR" altLang="en-US" sz="900" dirty="0">
+                <a:solidFill>
+                  <a:srgbClr val="5F5F5F"/>
+                </a:solidFill>
+                <a:latin typeface="Quattrocento Sans"/>
+                <a:ea typeface="Quattrocento Sans"/>
+                <a:cs typeface="Quattrocento Sans"/>
+              </a:rPr>
+              <a:t>출석체크</a:t>
+            </a:r>
+            <a:endParaRPr lang="ko-KR" sz="900" dirty="0">
+              <a:solidFill>
+                <a:srgbClr val="5F5F5F"/>
+              </a:solidFill>
+              <a:latin typeface="Quattrocento Sans"/>
+              <a:ea typeface="Quattrocento Sans"/>
+              <a:cs typeface="Quattrocento Sans"/>
+            </a:endParaRPr>
+          </a:p>
+        </p:txBody>
+      </p:sp>
+      <p:sp>
+        <p:nvSpPr>
+          <p:cNvPr id="38" name="Google Shape;114;p13">
+            <a:extLst>
+              <a:ext uri="{FF2B5EF4-FFF2-40B4-BE49-F238E27FC236}">
+                <a16:creationId xmlns:a16="http://schemas.microsoft.com/office/drawing/2014/main" id="{478926E4-FBCC-4E24-851C-B6798F799F32}"/>
+              </a:ext>
+            </a:extLst>
+          </p:cNvPr>
+          <p:cNvSpPr/>
+          <p:nvPr/>
+        </p:nvSpPr>
+        <p:spPr>
+          <a:xfrm>
+            <a:off x="6130442" y="1492832"/>
+            <a:ext cx="134937" cy="138113"/>
+          </a:xfrm>
+          <a:prstGeom prst="ellipse">
+            <a:avLst/>
+          </a:prstGeom>
+          <a:solidFill>
+            <a:srgbClr val="D60C0C"/>
+          </a:solidFill>
+          <a:ln w="19050" cap="flat" cmpd="sng">
+            <a:solidFill>
+              <a:schemeClr val="lt1"/>
+            </a:solidFill>
+            <a:prstDash val="solid"/>
+            <a:miter lim="800000"/>
+            <a:headEnd type="none" w="sm" len="sm"/>
+            <a:tailEnd type="none" w="sm" len="sm"/>
+          </a:ln>
+          <a:effectLst>
+            <a:outerShdw blurRad="50800" dist="38100" dir="2700000" algn="tl" rotWithShape="0">
+              <a:srgbClr val="000000">
+                <a:alpha val="40000"/>
+              </a:srgbClr>
+            </a:outerShdw>
+          </a:effectLst>
+        </p:spPr>
+        <p:txBody>
+          <a:bodyPr spcFirstLastPara="1" wrap="square" lIns="91425" tIns="45700" rIns="91425" bIns="45700" anchor="ctr" anchorCtr="0">
+            <a:noAutofit/>
+          </a:bodyPr>
+          <a:lstStyle/>
+          <a:p>
+            <a:pPr marL="0" marR="0" lvl="0" indent="0" algn="ctr" rtl="0">
+              <a:spcBef>
+                <a:spcPts val="0"/>
+              </a:spcBef>
+              <a:spcAft>
+                <a:spcPts val="0"/>
+              </a:spcAft>
+              <a:buNone/>
+            </a:pPr>
+            <a:r>
+              <a:rPr lang="en-US" sz="1000" b="1" dirty="0">
+                <a:solidFill>
+                  <a:schemeClr val="lt1"/>
+                </a:solidFill>
+                <a:latin typeface="Malgun Gothic"/>
+                <a:ea typeface="Malgun Gothic"/>
+                <a:cs typeface="Malgun Gothic"/>
+                <a:sym typeface="Malgun Gothic"/>
+              </a:rPr>
+              <a:t>3</a:t>
+            </a:r>
+            <a:endParaRPr sz="1000" b="1" i="0" u="none" strike="noStrike" cap="none" dirty="0">
+              <a:solidFill>
+                <a:schemeClr val="lt1"/>
+              </a:solidFill>
+              <a:latin typeface="Malgun Gothic"/>
+              <a:ea typeface="Malgun Gothic"/>
+              <a:cs typeface="Malgun Gothic"/>
+              <a:sym typeface="Malgun Gothic"/>
+            </a:endParaRPr>
+          </a:p>
+        </p:txBody>
+      </p:sp>
+      <p:sp>
+        <p:nvSpPr>
+          <p:cNvPr id="15" name="Google Shape;114;p13">
+            <a:extLst>
+              <a:ext uri="{FF2B5EF4-FFF2-40B4-BE49-F238E27FC236}">
+                <a16:creationId xmlns:a16="http://schemas.microsoft.com/office/drawing/2014/main" id="{478926E4-FBCC-4E24-851C-B6798F799F32}"/>
+              </a:ext>
+            </a:extLst>
+          </p:cNvPr>
+          <p:cNvSpPr/>
+          <p:nvPr/>
+        </p:nvSpPr>
+        <p:spPr>
+          <a:xfrm>
+            <a:off x="6910885" y="1482078"/>
+            <a:ext cx="134937" cy="138113"/>
+          </a:xfrm>
+          <a:prstGeom prst="ellipse">
+            <a:avLst/>
+          </a:prstGeom>
+          <a:solidFill>
+            <a:srgbClr val="D60C0C"/>
+          </a:solidFill>
+          <a:ln w="19050" cap="flat" cmpd="sng">
+            <a:solidFill>
+              <a:schemeClr val="lt1"/>
+            </a:solidFill>
+            <a:prstDash val="solid"/>
+            <a:miter lim="800000"/>
+            <a:headEnd type="none" w="sm" len="sm"/>
+            <a:tailEnd type="none" w="sm" len="sm"/>
+          </a:ln>
+          <a:effectLst>
+            <a:outerShdw blurRad="50800" dist="38100" dir="2700000" algn="tl" rotWithShape="0">
+              <a:srgbClr val="000000">
+                <a:alpha val="40000"/>
+              </a:srgbClr>
+            </a:outerShdw>
+          </a:effectLst>
+        </p:spPr>
+        <p:txBody>
+          <a:bodyPr spcFirstLastPara="1" wrap="square" lIns="91425" tIns="45700" rIns="91425" bIns="45700" anchor="ctr" anchorCtr="0">
+            <a:noAutofit/>
+          </a:bodyPr>
+          <a:lstStyle/>
+          <a:p>
+            <a:pPr marL="0" marR="0" lvl="0" indent="0" algn="ctr" rtl="0">
+              <a:spcBef>
+                <a:spcPts val="0"/>
+              </a:spcBef>
+              <a:spcAft>
+                <a:spcPts val="0"/>
+              </a:spcAft>
+              <a:buNone/>
+            </a:pPr>
+            <a:r>
+              <a:rPr lang="en-US" sz="1000" b="1" dirty="0">
+                <a:solidFill>
+                  <a:schemeClr val="lt1"/>
+                </a:solidFill>
+                <a:latin typeface="Malgun Gothic"/>
+                <a:ea typeface="Malgun Gothic"/>
+                <a:cs typeface="Malgun Gothic"/>
+                <a:sym typeface="Malgun Gothic"/>
+              </a:rPr>
+              <a:t>4</a:t>
+            </a:r>
+            <a:endParaRPr sz="1000" b="1" i="0" u="none" strike="noStrike" cap="none" dirty="0">
+              <a:solidFill>
+                <a:schemeClr val="lt1"/>
+              </a:solidFill>
+              <a:latin typeface="Malgun Gothic"/>
+              <a:ea typeface="Malgun Gothic"/>
+              <a:cs typeface="Malgun Gothic"/>
+              <a:sym typeface="Malgun Gothic"/>
+            </a:endParaRPr>
+          </a:p>
+        </p:txBody>
+      </p:sp>
+      <p:sp>
+        <p:nvSpPr>
+          <p:cNvPr id="14" name="Google Shape;111;p13">
+            <a:extLst>
+              <a:ext uri="{FF2B5EF4-FFF2-40B4-BE49-F238E27FC236}">
+                <a16:creationId xmlns:a16="http://schemas.microsoft.com/office/drawing/2014/main" id="{9850DD4D-D8DB-411F-B335-6BB815532BEC}"/>
+              </a:ext>
+            </a:extLst>
+          </p:cNvPr>
+          <p:cNvSpPr/>
+          <p:nvPr/>
+        </p:nvSpPr>
+        <p:spPr>
+          <a:xfrm>
+            <a:off x="6970834" y="1208768"/>
+            <a:ext cx="652582" cy="241995"/>
+          </a:xfrm>
+          <a:prstGeom prst="roundRect">
+            <a:avLst>
+              <a:gd name="adj" fmla="val 8776"/>
+            </a:avLst>
+          </a:prstGeom>
+          <a:solidFill>
+            <a:srgbClr val="F2F2F2"/>
+          </a:solidFill>
+          <a:ln w="9525" cap="flat" cmpd="sng">
+            <a:solidFill>
+              <a:srgbClr val="808080"/>
+            </a:solidFill>
+            <a:prstDash val="solid"/>
+            <a:round/>
+            <a:headEnd type="none" w="sm" len="sm"/>
+            <a:tailEnd type="none" w="sm" len="sm"/>
+          </a:ln>
+        </p:spPr>
+        <p:txBody>
+          <a:bodyPr spcFirstLastPara="1" wrap="square" lIns="91425" tIns="45700" rIns="91425" bIns="45700" anchor="ctr" anchorCtr="0">
+            <a:noAutofit/>
+          </a:bodyPr>
+          <a:lstStyle/>
+          <a:p>
+            <a:pPr marL="0" marR="0" lvl="0" indent="0" algn="l" rtl="0">
+              <a:spcBef>
+                <a:spcPts val="0"/>
+              </a:spcBef>
+              <a:spcAft>
+                <a:spcPts val="0"/>
+              </a:spcAft>
+              <a:buNone/>
+            </a:pPr>
+            <a:r>
+              <a:rPr lang="ko-KR" altLang="en-US" sz="900" dirty="0">
+                <a:solidFill>
+                  <a:srgbClr val="5F5F5F"/>
+                </a:solidFill>
+                <a:latin typeface="Quattrocento Sans"/>
+                <a:ea typeface="Quattrocento Sans"/>
+                <a:cs typeface="Quattrocento Sans"/>
+              </a:rPr>
+              <a:t>출석확인</a:t>
+            </a:r>
+            <a:endParaRPr lang="ko-KR" altLang="en-US" sz="900" b="0" i="0" u="none" strike="noStrike" cap="none" dirty="0">
+              <a:solidFill>
+                <a:srgbClr val="5F5F5F"/>
+              </a:solidFill>
+              <a:latin typeface="Quattrocento Sans"/>
+              <a:ea typeface="Quattrocento Sans"/>
+              <a:cs typeface="Quattrocento Sans"/>
+            </a:endParaRPr>
+          </a:p>
+        </p:txBody>
+      </p:sp>
+      <p:grpSp>
+        <p:nvGrpSpPr>
+          <p:cNvPr id="16" name="그룹 15">
+            <a:extLst>
+              <a:ext uri="{FF2B5EF4-FFF2-40B4-BE49-F238E27FC236}">
+                <a16:creationId xmlns:a16="http://schemas.microsoft.com/office/drawing/2014/main" id="{0082972C-0D0F-4738-8D8A-E89B1DF58DD2}"/>
+              </a:ext>
+            </a:extLst>
+          </p:cNvPr>
+          <p:cNvGrpSpPr/>
+          <p:nvPr/>
+        </p:nvGrpSpPr>
+        <p:grpSpPr>
+          <a:xfrm>
+            <a:off x="5743971" y="1135853"/>
+            <a:ext cx="1181620" cy="314910"/>
+            <a:chOff x="3079591" y="2700118"/>
+            <a:chExt cx="1181620" cy="314910"/>
+          </a:xfrm>
+        </p:grpSpPr>
+        <p:sp>
+          <p:nvSpPr>
+            <p:cNvPr id="17" name="직사각형 16">
+              <a:extLst>
+                <a:ext uri="{FF2B5EF4-FFF2-40B4-BE49-F238E27FC236}">
+                  <a16:creationId xmlns:a16="http://schemas.microsoft.com/office/drawing/2014/main" id="{4AA3AF9E-C1EF-445B-8FB8-FF210AAD4A82}"/>
+                </a:ext>
+              </a:extLst>
+            </p:cNvPr>
+            <p:cNvSpPr/>
+            <p:nvPr/>
+          </p:nvSpPr>
+          <p:spPr>
+            <a:xfrm>
+              <a:off x="3147060" y="2773033"/>
+              <a:ext cx="1114151" cy="241995"/>
+            </a:xfrm>
+            <a:prstGeom prst="rect">
+              <a:avLst/>
+            </a:prstGeom>
+            <a:noFill/>
+            <a:ln>
+              <a:solidFill>
+                <a:schemeClr val="tx1"/>
+              </a:solidFill>
+            </a:ln>
+          </p:spPr>
+          <p:style>
+            <a:lnRef idx="2">
+              <a:schemeClr val="accent1">
+                <a:shade val="50000"/>
+              </a:schemeClr>
+            </a:lnRef>
+            <a:fillRef idx="1">
+              <a:schemeClr val="accent1"/>
+            </a:fillRef>
+            <a:effectRef idx="0">
+              <a:schemeClr val="accent1"/>
+            </a:effectRef>
+            <a:fontRef idx="minor">
+              <a:schemeClr val="lt1"/>
+            </a:fontRef>
+          </p:style>
+          <p:txBody>
+            <a:bodyPr rtlCol="0" anchor="ctr"/>
+            <a:lstStyle/>
+            <a:p>
+              <a:r>
+                <a:rPr lang="ko-KR" altLang="en-US" sz="900" dirty="0">
+                  <a:solidFill>
+                    <a:srgbClr val="5F5F5F"/>
+                  </a:solidFill>
+                  <a:latin typeface="Quattrocento Sans"/>
+                  <a:ea typeface="Quattrocento Sans"/>
+                  <a:cs typeface="Quattrocento Sans"/>
+                </a:rPr>
+                <a:t>수강과목 선택</a:t>
+              </a:r>
+            </a:p>
+          </p:txBody>
+        </p:sp>
+        <p:sp>
+          <p:nvSpPr>
+            <p:cNvPr id="18" name="Google Shape;114;p13">
+              <a:extLst>
+                <a:ext uri="{FF2B5EF4-FFF2-40B4-BE49-F238E27FC236}">
+                  <a16:creationId xmlns:a16="http://schemas.microsoft.com/office/drawing/2014/main" id="{BB3378EF-7C7C-402F-ADEB-DA16CA39C7BF}"/>
+                </a:ext>
+              </a:extLst>
+            </p:cNvPr>
+            <p:cNvSpPr/>
+            <p:nvPr/>
+          </p:nvSpPr>
+          <p:spPr>
+            <a:xfrm>
+              <a:off x="3079591" y="2700118"/>
+              <a:ext cx="134937" cy="138113"/>
+            </a:xfrm>
+            <a:prstGeom prst="ellipse">
+              <a:avLst/>
+            </a:prstGeom>
+            <a:solidFill>
+              <a:srgbClr val="D60C0C"/>
+            </a:solidFill>
+            <a:ln w="19050" cap="flat" cmpd="sng">
+              <a:solidFill>
+                <a:schemeClr val="lt1"/>
+              </a:solidFill>
+              <a:prstDash val="solid"/>
+              <a:miter lim="800000"/>
+              <a:headEnd type="none" w="sm" len="sm"/>
+              <a:tailEnd type="none" w="sm" len="sm"/>
+            </a:ln>
+            <a:effectLst>
+              <a:outerShdw blurRad="50800" dist="38100" dir="2700000" algn="tl" rotWithShape="0">
+                <a:srgbClr val="000000">
+                  <a:alpha val="40000"/>
+                </a:srgbClr>
+              </a:outerShdw>
+            </a:effectLst>
+          </p:spPr>
+          <p:txBody>
+            <a:bodyPr spcFirstLastPara="1" wrap="square" lIns="91425" tIns="45700" rIns="91425" bIns="45700" anchor="ctr" anchorCtr="0">
+              <a:noAutofit/>
+            </a:bodyPr>
+            <a:lstStyle/>
+            <a:p>
+              <a:pPr marL="0" marR="0" lvl="0" indent="0" algn="ctr" rtl="0">
+                <a:spcBef>
+                  <a:spcPts val="0"/>
+                </a:spcBef>
+                <a:spcAft>
+                  <a:spcPts val="0"/>
+                </a:spcAft>
+                <a:buNone/>
+              </a:pPr>
+              <a:r>
+                <a:rPr lang="en-US" altLang="ko-KR" sz="1000" b="1" i="0" u="none" strike="noStrike" cap="none" dirty="0">
+                  <a:solidFill>
+                    <a:schemeClr val="lt1"/>
+                  </a:solidFill>
+                  <a:latin typeface="Malgun Gothic"/>
+                  <a:ea typeface="Malgun Gothic"/>
+                  <a:cs typeface="Malgun Gothic"/>
+                  <a:sym typeface="Malgun Gothic"/>
+                </a:rPr>
+                <a:t>1</a:t>
+              </a:r>
+              <a:endParaRPr sz="1000" b="1" i="0" u="none" strike="noStrike" cap="none" dirty="0">
+                <a:solidFill>
+                  <a:schemeClr val="lt1"/>
+                </a:solidFill>
+                <a:latin typeface="Malgun Gothic"/>
+                <a:ea typeface="Malgun Gothic"/>
+                <a:cs typeface="Malgun Gothic"/>
+                <a:sym typeface="Malgun Gothic"/>
+              </a:endParaRPr>
+            </a:p>
+          </p:txBody>
+        </p:sp>
+        <p:sp>
+          <p:nvSpPr>
+            <p:cNvPr id="19" name="이등변 삼각형 18">
+              <a:extLst>
+                <a:ext uri="{FF2B5EF4-FFF2-40B4-BE49-F238E27FC236}">
+                  <a16:creationId xmlns:a16="http://schemas.microsoft.com/office/drawing/2014/main" id="{9889F381-8745-4413-810E-66862D980412}"/>
+                </a:ext>
+              </a:extLst>
+            </p:cNvPr>
+            <p:cNvSpPr/>
+            <p:nvPr/>
+          </p:nvSpPr>
+          <p:spPr>
+            <a:xfrm rot="10800000">
+              <a:off x="4017975" y="2804583"/>
+              <a:ext cx="222250" cy="191595"/>
+            </a:xfrm>
+            <a:prstGeom prst="triangle">
+              <a:avLst/>
+            </a:prstGeom>
+            <a:solidFill>
+              <a:schemeClr val="tx2">
+                <a:lumMod val="75000"/>
+              </a:schemeClr>
+            </a:solidFill>
+            <a:ln>
+              <a:noFill/>
+            </a:ln>
+          </p:spPr>
+          <p:style>
+            <a:lnRef idx="2">
+              <a:schemeClr val="accent1">
+                <a:shade val="50000"/>
+              </a:schemeClr>
+            </a:lnRef>
+            <a:fillRef idx="1">
+              <a:schemeClr val="accent1"/>
+            </a:fillRef>
+            <a:effectRef idx="0">
+              <a:schemeClr val="accent1"/>
+            </a:effectRef>
+            <a:fontRef idx="minor">
+              <a:schemeClr val="lt1"/>
+            </a:fontRef>
+          </p:style>
+          <p:txBody>
+            <a:bodyPr rtlCol="0" anchor="ctr"/>
+            <a:lstStyle/>
+            <a:p>
+              <a:pPr algn="ctr"/>
+              <a:endParaRPr lang="ko-KR" altLang="en-US"/>
+            </a:p>
+          </p:txBody>
+        </p:sp>
+      </p:grpSp>
+      <p:sp>
+        <p:nvSpPr>
+          <p:cNvPr id="20" name="Google Shape;114;p13">
+            <a:extLst>
+              <a:ext uri="{FF2B5EF4-FFF2-40B4-BE49-F238E27FC236}">
+                <a16:creationId xmlns:a16="http://schemas.microsoft.com/office/drawing/2014/main" id="{423A15A1-011D-4898-ADA1-A95B6A26F50D}"/>
+              </a:ext>
+            </a:extLst>
+          </p:cNvPr>
+          <p:cNvSpPr/>
+          <p:nvPr/>
+        </p:nvSpPr>
+        <p:spPr>
+          <a:xfrm>
+            <a:off x="6910885" y="1141443"/>
+            <a:ext cx="134937" cy="138113"/>
+          </a:xfrm>
+          <a:prstGeom prst="ellipse">
+            <a:avLst/>
+          </a:prstGeom>
+          <a:solidFill>
+            <a:srgbClr val="D60C0C"/>
+          </a:solidFill>
+          <a:ln w="19050" cap="flat" cmpd="sng">
+            <a:solidFill>
+              <a:schemeClr val="lt1"/>
+            </a:solidFill>
+            <a:prstDash val="solid"/>
+            <a:miter lim="800000"/>
+            <a:headEnd type="none" w="sm" len="sm"/>
+            <a:tailEnd type="none" w="sm" len="sm"/>
+          </a:ln>
+          <a:effectLst>
+            <a:outerShdw blurRad="50800" dist="38100" dir="2700000" algn="tl" rotWithShape="0">
+              <a:srgbClr val="000000">
+                <a:alpha val="40000"/>
+              </a:srgbClr>
+            </a:outerShdw>
+          </a:effectLst>
+        </p:spPr>
+        <p:txBody>
+          <a:bodyPr spcFirstLastPara="1" wrap="square" lIns="91425" tIns="45700" rIns="91425" bIns="45700" anchor="ctr" anchorCtr="0">
+            <a:noAutofit/>
+          </a:bodyPr>
+          <a:lstStyle/>
+          <a:p>
+            <a:pPr marL="0" marR="0" lvl="0" indent="0" algn="ctr" rtl="0">
+              <a:spcBef>
+                <a:spcPts val="0"/>
+              </a:spcBef>
+              <a:spcAft>
+                <a:spcPts val="0"/>
+              </a:spcAft>
+              <a:buNone/>
+            </a:pPr>
+            <a:r>
+              <a:rPr lang="en-US" sz="1000" b="1" dirty="0">
+                <a:solidFill>
+                  <a:schemeClr val="lt1"/>
+                </a:solidFill>
+                <a:latin typeface="Malgun Gothic"/>
+                <a:ea typeface="Malgun Gothic"/>
+                <a:cs typeface="Malgun Gothic"/>
+                <a:sym typeface="Malgun Gothic"/>
+              </a:rPr>
+              <a:t>2</a:t>
+            </a:r>
+            <a:endParaRPr sz="1000" b="1" i="0" u="none" strike="noStrike" cap="none" dirty="0">
+              <a:solidFill>
+                <a:schemeClr val="lt1"/>
+              </a:solidFill>
+              <a:latin typeface="Malgun Gothic"/>
+              <a:ea typeface="Malgun Gothic"/>
+              <a:cs typeface="Malgun Gothic"/>
+              <a:sym typeface="Malgun Gothic"/>
+            </a:endParaRPr>
+          </a:p>
+        </p:txBody>
+      </p:sp>
+    </p:spTree>
+    <p:extLst>
+      <p:ext uri="{BB962C8B-B14F-4D97-AF65-F5344CB8AC3E}">
+        <p14:creationId xmlns:p14="http://schemas.microsoft.com/office/powerpoint/2010/main" val="76227941"/>
       </p:ext>
     </p:extLst>
   </p:cSld>
@@ -20226,31 +21616,7 @@
                 <a:cs typeface="Malgun Gothic"/>
                 <a:sym typeface="Malgun Gothic"/>
               </a:rPr>
-              <a:t>사용자가 수강하는 </a:t>
-            </a:r>
-            <a:r>
-              <a:rPr lang="ko-KR" altLang="en-US" sz="900" b="0" i="0" u="none" strike="noStrike" cap="none" dirty="0" smtClean="0">
-                <a:solidFill>
-                  <a:schemeClr val="dk1"/>
-                </a:solidFill>
-                <a:latin typeface="Malgun Gothic"/>
-                <a:ea typeface="Malgun Gothic"/>
-                <a:cs typeface="Malgun Gothic"/>
-                <a:sym typeface="Malgun Gothic"/>
-              </a:rPr>
-              <a:t>과목들의 출결 </a:t>
-            </a:r>
-            <a:r>
-              <a:rPr lang="ko-KR" altLang="en-US" sz="900" b="0" i="0" u="none" strike="noStrike" cap="none" dirty="0">
-                <a:solidFill>
-                  <a:schemeClr val="dk1"/>
-                </a:solidFill>
-                <a:latin typeface="Malgun Gothic"/>
-                <a:ea typeface="Malgun Gothic"/>
-                <a:cs typeface="Malgun Gothic"/>
-                <a:sym typeface="Malgun Gothic"/>
-              </a:rPr>
-              <a:t>상태와 재적상태를 확인 할 수 있습니다</a:t>
+              <a:t>사용자가 수강하는 과목들의 출결 상태와 재적상태를 확인 할 수 있습니다</a:t>
             </a:r>
             <a:r>
               <a:rPr lang="en-US" altLang="ko-KR" sz="900" b="0" i="0" u="none" strike="noStrike" cap="none" dirty="0">
@@ -20289,18 +21655,6 @@
               <a:buAutoNum type="arabicParenR"/>
             </a:pPr>
             <a:r>
-              <a:rPr lang="ko-KR" altLang="en-US" sz="900" dirty="0" smtClean="0">
-                <a:solidFill>
-                  <a:schemeClr val="dk1"/>
-                </a:solidFill>
-                <a:latin typeface="Malgun Gothic"/>
-                <a:ea typeface="Malgun Gothic"/>
-                <a:cs typeface="Malgun Gothic"/>
-                <a:sym typeface="Malgun Gothic"/>
-              </a:rPr>
-              <a:t>메뉴선택 </a:t>
-            </a:r>
-            <a:r>
               <a:rPr lang="ko-KR" altLang="en-US" sz="900" dirty="0">
                 <a:solidFill>
                   <a:schemeClr val="dk1"/>
@@ -20310,10 +21664,10 @@
                 <a:cs typeface="Malgun Gothic"/>
                 <a:sym typeface="Malgun Gothic"/>
               </a:rPr>
-              <a:t>화면 </a:t>
+              <a:t>전체 과목을 선택할 수 있는 </a:t>
             </a:r>
             <a:r>
-              <a:rPr lang="ko-KR" altLang="en-US" sz="900" dirty="0" smtClean="0">
+              <a:rPr lang="ko-KR" altLang="en-US" sz="900" dirty="0" err="1">
                 <a:solidFill>
                   <a:schemeClr val="dk1"/>
                 </a:solidFill>
@@ -20322,9 +21676,9 @@
                 <a:cs typeface="Malgun Gothic"/>
                 <a:sym typeface="Malgun Gothic"/>
               </a:rPr>
-              <a:t>이동</a:t>
+              <a:t>콤보박스</a:t>
             </a:r>
-            <a:endParaRPr lang="en-US" altLang="ko-KR" sz="900" dirty="0" smtClean="0">
+            <a:endParaRPr lang="en-US" altLang="ko-KR" sz="900" dirty="0">
               <a:solidFill>
                 <a:schemeClr val="dk1"/>
               </a:solidFill>
@@ -20349,7 +21703,43 @@
               <a:buAutoNum type="arabicParenR"/>
             </a:pPr>
             <a:r>
-              <a:rPr lang="ko-KR" altLang="en-US" sz="900" b="0" i="0" u="none" strike="noStrike" cap="none" dirty="0" smtClean="0">
+              <a:rPr lang="ko-KR" altLang="en-US" sz="900" dirty="0">
+                <a:solidFill>
+                  <a:schemeClr val="dk1"/>
+                </a:solidFill>
+                <a:latin typeface="Malgun Gothic"/>
+                <a:ea typeface="Malgun Gothic"/>
+                <a:cs typeface="Malgun Gothic"/>
+                <a:sym typeface="Malgun Gothic"/>
+              </a:rPr>
+              <a:t>선택한 과목을 수강중인 학생만 출력</a:t>
+            </a:r>
+            <a:endParaRPr lang="en-US" altLang="ko-KR" sz="900" dirty="0">
+              <a:solidFill>
+                <a:schemeClr val="dk1"/>
+              </a:solidFill>
+              <a:latin typeface="Malgun Gothic"/>
+              <a:ea typeface="Malgun Gothic"/>
+              <a:cs typeface="Malgun Gothic"/>
+              <a:sym typeface="Malgun Gothic"/>
+            </a:endParaRPr>
+          </a:p>
+          <a:p>
+            <a:pPr marL="285750" indent="-228600">
+              <a:lnSpc>
+                <a:spcPct val="90000"/>
+              </a:lnSpc>
+              <a:spcBef>
+                <a:spcPts val="813"/>
+              </a:spcBef>
+              <a:buClr>
+                <a:schemeClr val="dk1"/>
+              </a:buClr>
+              <a:buSzPts val="900"/>
+              <a:buAutoNum type="arabicParenR"/>
+            </a:pPr>
+            <a:r>
+              <a:rPr lang="ko-KR" altLang="en-US" sz="900" b="0" i="0" u="none" strike="noStrike" cap="none" dirty="0">
                 <a:solidFill>
                   <a:schemeClr val="dk1"/>
                 </a:solidFill>
@@ -20429,7 +21819,7 @@
           <p:cNvPr id="4" name="그림 4">
             <a:extLst>
               <a:ext uri="{FF2B5EF4-FFF2-40B4-BE49-F238E27FC236}">
-                <a16:creationId xmlns:a16="http://schemas.microsoft.com/office/drawing/2014/main" xmlns="" id="{36B1BCA9-0C6E-4832-A501-C7F53864F532}"/>
+                <a16:creationId xmlns:a16="http://schemas.microsoft.com/office/drawing/2014/main" id="{36B1BCA9-0C6E-4832-A501-C7F53864F532}"/>
               </a:ext>
             </a:extLst>
           </p:cNvPr>
@@ -20459,7 +21849,7 @@
           <p:cNvPr id="23" name="표 22">
             <a:extLst>
               <a:ext uri="{FF2B5EF4-FFF2-40B4-BE49-F238E27FC236}">
-                <a16:creationId xmlns:a16="http://schemas.microsoft.com/office/drawing/2014/main" xmlns="" id="{B992A8A8-D9F7-45B3-BB78-62151C112E58}"/>
+                <a16:creationId xmlns:a16="http://schemas.microsoft.com/office/drawing/2014/main" id="{B992A8A8-D9F7-45B3-BB78-62151C112E58}"/>
               </a:ext>
             </a:extLst>
           </p:cNvPr>
@@ -20469,14 +21859,14 @@
           <p:nvPr>
             <p:extLst>
               <p:ext uri="{D42A27DB-BD31-4B8C-83A1-F6EECF244321}">
-                <p14:modId xmlns:p14="http://schemas.microsoft.com/office/powerpoint/2010/main" val="3887050449"/>
+                <p14:modId xmlns:p14="http://schemas.microsoft.com/office/powerpoint/2010/main" val="65396819"/>
               </p:ext>
             </p:extLst>
           </p:nvPr>
         </p:nvGraphicFramePr>
         <p:xfrm>
-          <a:off x="763231" y="1518481"/>
-          <a:ext cx="7004729" cy="4147817"/>
+          <a:off x="727720" y="1556500"/>
+          <a:ext cx="6827177" cy="4150248"/>
         </p:xfrm>
         <a:graphic>
           <a:graphicData uri="http://schemas.openxmlformats.org/drawingml/2006/table">
@@ -20485,37 +21875,43 @@
                 <a:tableStyleId>{284E427A-3D55-4303-BF80-6455036E1DE7}</a:tableStyleId>
               </a:tblPr>
               <a:tblGrid>
-                <a:gridCol w="1326927">
+                <a:gridCol w="2272562">
                   <a:extLst>
                     <a:ext uri="{9D8B030D-6E8A-4147-A177-3AD203B41FA5}">
-                      <a16:colId xmlns:a16="http://schemas.microsoft.com/office/drawing/2014/main" xmlns="" val="1917094988"/>
+                      <a16:colId xmlns:a16="http://schemas.microsoft.com/office/drawing/2014/main" val="1917094988"/>
                     </a:ext>
                   </a:extLst>
                 </a:gridCol>
-                <a:gridCol w="1293805">
+                <a:gridCol w="2215835">
                   <a:extLst>
                     <a:ext uri="{9D8B030D-6E8A-4147-A177-3AD203B41FA5}">
-                      <a16:colId xmlns:a16="http://schemas.microsoft.com/office/drawing/2014/main" xmlns="" val="2101375769"/>
+                      <a16:colId xmlns:a16="http://schemas.microsoft.com/office/drawing/2014/main" val="2101375769"/>
                     </a:ext>
                   </a:extLst>
                 </a:gridCol>
-                <a:gridCol w="711935">
+                <a:gridCol w="772693">
                   <a:extLst>
                     <a:ext uri="{9D8B030D-6E8A-4147-A177-3AD203B41FA5}">
-                      <a16:colId xmlns:a16="http://schemas.microsoft.com/office/drawing/2014/main" xmlns="" val="1455795655"/>
+                      <a16:colId xmlns:a16="http://schemas.microsoft.com/office/drawing/2014/main" val="1455795655"/>
                     </a:ext>
                   </a:extLst>
                 </a:gridCol>
-                <a:gridCol w="1794362"/>
-                <a:gridCol w="1877700">
+                <a:gridCol w="772693">
                   <a:extLst>
                     <a:ext uri="{9D8B030D-6E8A-4147-A177-3AD203B41FA5}">
-                      <a16:colId xmlns:a16="http://schemas.microsoft.com/office/drawing/2014/main" xmlns="" val="1049078234"/>
+                      <a16:colId xmlns:a16="http://schemas.microsoft.com/office/drawing/2014/main" val="20003"/>
+                    </a:ext>
+                  </a:extLst>
+                </a:gridCol>
+                <a:gridCol w="793394">
+                  <a:extLst>
+                    <a:ext uri="{9D8B030D-6E8A-4147-A177-3AD203B41FA5}">
+                      <a16:colId xmlns:a16="http://schemas.microsoft.com/office/drawing/2014/main" val="1049078234"/>
                     </a:ext>
                   </a:extLst>
                 </a:gridCol>
               </a:tblGrid>
-              <a:tr h="434438">
+              <a:tr h="434693">
                 <a:tc>
                   <a:txBody>
                     <a:bodyPr/>
@@ -20523,79 +21919,12 @@
                     <a:p>
                       <a:pPr algn="ctr" latinLnBrk="1"/>
                       <a:r>
-                        <a:rPr lang="ko-KR" altLang="en-US" sz="900" b="0" dirty="0" smtClean="0">
+                        <a:rPr lang="ko-KR" altLang="en-US" sz="900" b="0" dirty="0">
                           <a:latin typeface="+mn-ea"/>
                           <a:ea typeface="+mn-ea"/>
                         </a:rPr>
-                        <a:t>과목명</a:t>
+                        <a:t>학번</a:t>
                       </a:r>
-                      <a:endParaRPr lang="ko-KR" altLang="en-US" sz="900" b="0" dirty="0">
-                        <a:latin typeface="+mn-ea"/>
-                        <a:ea typeface="+mn-ea"/>
-                      </a:endParaRPr>
-                    </a:p>
-                  </a:txBody>
-                  <a:tcPr anchor="ctr"/>
-                </a:tc>
-                <a:tc>
-                  <a:txBody>
-                    <a:bodyPr/>
-                    <a:lstStyle/>
-                    <a:p>
-                      <a:pPr algn="ctr" latinLnBrk="1"/>
-                      <a:r>
-                        <a:rPr lang="ko-KR" altLang="en-US" sz="900" b="0" dirty="0" smtClean="0">
-                          <a:latin typeface="+mn-ea"/>
-                          <a:ea typeface="+mn-ea"/>
-                        </a:rPr>
-                        <a:t>강의시간</a:t>
-                      </a:r>
-                      <a:endParaRPr lang="ko-KR" altLang="en-US" sz="900" b="0" dirty="0">
-                        <a:latin typeface="+mn-ea"/>
-                        <a:ea typeface="+mn-ea"/>
-                      </a:endParaRPr>
-                    </a:p>
-                  </a:txBody>
-                  <a:tcPr anchor="ctr"/>
-                </a:tc>
-                <a:tc>
-                  <a:txBody>
-                    <a:bodyPr/>
-                    <a:lstStyle/>
-                    <a:p>
-                      <a:pPr algn="ctr" latinLnBrk="1"/>
-                      <a:r>
-                        <a:rPr lang="ko-KR" altLang="en-US" sz="900" b="0" dirty="0" smtClean="0">
-                          <a:latin typeface="+mn-ea"/>
-                          <a:ea typeface="+mn-ea"/>
-                        </a:rPr>
-                        <a:t>요일</a:t>
-                      </a:r>
-                      <a:endParaRPr lang="ko-KR" altLang="en-US" sz="900" b="0" dirty="0">
-                        <a:latin typeface="+mn-ea"/>
-                        <a:ea typeface="+mn-ea"/>
-                      </a:endParaRPr>
-                    </a:p>
-                  </a:txBody>
-                  <a:tcPr anchor="ctr"/>
-                </a:tc>
-                <a:tc>
-                  <a:txBody>
-                    <a:bodyPr/>
-                    <a:lstStyle/>
-                    <a:p>
-                      <a:pPr algn="ctr" latinLnBrk="1"/>
-                      <a:r>
-                        <a:rPr lang="ko-KR" altLang="en-US" sz="900" b="0" dirty="0" smtClean="0">
-                          <a:latin typeface="+mn-ea"/>
-                          <a:ea typeface="+mn-ea"/>
-                        </a:rPr>
-                        <a:t>출석체크 시간</a:t>
-                      </a:r>
-                      <a:endParaRPr lang="ko-KR" altLang="en-US" sz="900" b="0" dirty="0">
-                        <a:latin typeface="+mn-ea"/>
-                        <a:ea typeface="+mn-ea"/>
-                      </a:endParaRPr>
                     </a:p>
                   </a:txBody>
                   <a:tcPr anchor="ctr"/>
@@ -20611,7 +21940,58 @@
                           <a:latin typeface="+mn-ea"/>
                           <a:ea typeface="+mn-ea"/>
                         </a:rPr>
-                        <a:t>재적 상태</a:t>
+                        <a:t>과목명</a:t>
+                      </a:r>
+                    </a:p>
+                  </a:txBody>
+                  <a:tcPr anchor="ctr"/>
+                </a:tc>
+                <a:tc>
+                  <a:txBody>
+                    <a:bodyPr/>
+                    <a:lstStyle/>
+                    <a:p>
+                      <a:pPr algn="ctr" latinLnBrk="1"/>
+                      <a:r>
+                        <a:rPr lang="ko-KR" altLang="en-US" sz="900" b="0" dirty="0">
+                          <a:latin typeface="+mn-ea"/>
+                          <a:ea typeface="+mn-ea"/>
+                        </a:rPr>
+                        <a:t>출석</a:t>
+                      </a:r>
+                    </a:p>
+                  </a:txBody>
+                  <a:tcPr anchor="ctr"/>
+                </a:tc>
+                <a:tc>
+                  <a:txBody>
+                    <a:bodyPr/>
+                    <a:lstStyle/>
+                    <a:p>
+                      <a:pPr algn="ctr" latinLnBrk="1"/>
+                      <a:r>
+                        <a:rPr lang="ko-KR" altLang="en-US" sz="900" b="0" dirty="0">
+                          <a:latin typeface="+mn-ea"/>
+                          <a:ea typeface="+mn-ea"/>
+                        </a:rPr>
+                        <a:t>지각</a:t>
+                      </a:r>
+                    </a:p>
+                  </a:txBody>
+                  <a:tcPr anchor="ctr"/>
+                </a:tc>
+                <a:tc>
+                  <a:txBody>
+                    <a:bodyPr/>
+                    <a:lstStyle/>
+                    <a:p>
+                      <a:pPr algn="ctr" latinLnBrk="1"/>
+                      <a:r>
+                        <a:rPr lang="ko-KR" altLang="en-US" sz="900" b="0" dirty="0">
+                          <a:latin typeface="+mn-ea"/>
+                          <a:ea typeface="+mn-ea"/>
+                        </a:rPr>
+                        <a:t>결석</a:t>
                       </a:r>
                     </a:p>
                   </a:txBody>
@@ -20619,11 +21999,42 @@
                 </a:tc>
                 <a:extLst>
                   <a:ext uri="{0D108BD9-81ED-4DB2-BD59-A6C34878D82A}">
-                    <a16:rowId xmlns:a16="http://schemas.microsoft.com/office/drawing/2014/main" xmlns="" val="1516003395"/>
+                    <a16:rowId xmlns:a16="http://schemas.microsoft.com/office/drawing/2014/main" val="1516003395"/>
                   </a:ext>
                 </a:extLst>
               </a:tr>
-              <a:tr h="950079">
+              <a:tr h="950635">
+                <a:tc>
+                  <a:txBody>
+                    <a:bodyPr/>
+                    <a:lstStyle/>
+                    <a:p>
+                      <a:pPr algn="ctr"/>
+                      <a:r>
+                        <a:rPr lang="en-US" altLang="ko-KR" sz="900" b="0" i="0" u="none" strike="noStrike" cap="none" dirty="0">
+                          <a:solidFill>
+                            <a:schemeClr val="dk1"/>
+                          </a:solidFill>
+                          <a:latin typeface="+mn-ea"/>
+                          <a:ea typeface="+mn-ea"/>
+                          <a:cs typeface="+mn-cs"/>
+                          <a:sym typeface="Arial"/>
+                        </a:rPr>
+                        <a:t>111</a:t>
+                      </a:r>
+                      <a:endParaRPr lang="ko-KR" altLang="en-US" sz="900" b="0" i="0" u="none" strike="noStrike" cap="none" dirty="0">
+                        <a:solidFill>
+                          <a:schemeClr val="dk1"/>
+                        </a:solidFill>
+                        <a:latin typeface="+mn-ea"/>
+                        <a:ea typeface="+mn-ea"/>
+                        <a:cs typeface="+mn-cs"/>
+                        <a:sym typeface="Arial"/>
+                      </a:endParaRPr>
+                    </a:p>
+                  </a:txBody>
+                  <a:tcPr anchor="ctr"/>
+                </a:tc>
                 <a:tc>
                   <a:txBody>
                     <a:bodyPr/>
@@ -20652,77 +22063,7 @@
                           <a:latin typeface="+mn-ea"/>
                           <a:ea typeface="+mn-ea"/>
                         </a:rPr>
-                        <a:t>13 : 00 ~ 15 : 00 </a:t>
-                      </a:r>
-                      <a:endParaRPr lang="ko-KR" altLang="en-US" sz="900" b="0" dirty="0">
-                        <a:latin typeface="+mn-ea"/>
-                        <a:ea typeface="+mn-ea"/>
-                      </a:endParaRPr>
-                    </a:p>
-                  </a:txBody>
-                  <a:tcPr anchor="ctr"/>
-                </a:tc>
-                <a:tc>
-                  <a:txBody>
-                    <a:bodyPr/>
-                    <a:lstStyle/>
-                    <a:p>
-                      <a:pPr algn="ctr" latinLnBrk="1"/>
-                      <a:r>
-                        <a:rPr lang="ko-KR" altLang="en-US" sz="900" b="0" dirty="0" smtClean="0">
-                          <a:latin typeface="+mn-ea"/>
-                          <a:ea typeface="+mn-ea"/>
-                        </a:rPr>
-                        <a:t>월요일</a:t>
-                      </a:r>
-                      <a:endParaRPr lang="en-US" altLang="ko-KR" sz="900" b="0" dirty="0" smtClean="0">
-                        <a:latin typeface="+mn-ea"/>
-                        <a:ea typeface="+mn-ea"/>
-                      </a:endParaRPr>
-                    </a:p>
-                  </a:txBody>
-                  <a:tcPr anchor="ctr"/>
-                </a:tc>
-                <a:tc>
-                  <a:txBody>
-                    <a:bodyPr/>
-                    <a:lstStyle/>
-                    <a:p>
-                      <a:pPr algn="ctr" latinLnBrk="1"/>
-                      <a:r>
-                        <a:rPr lang="en-US" altLang="ko-KR" sz="900" b="0" dirty="0" smtClean="0">
-                          <a:latin typeface="+mn-ea"/>
-                          <a:ea typeface="+mn-ea"/>
-                        </a:rPr>
-                        <a:t>00</a:t>
-                      </a:r>
-                      <a:r>
-                        <a:rPr lang="ko-KR" altLang="en-US" sz="900" b="0" dirty="0" smtClean="0">
-                          <a:latin typeface="+mn-ea"/>
-                          <a:ea typeface="+mn-ea"/>
-                        </a:rPr>
-                        <a:t>월 </a:t>
-                      </a:r>
-                      <a:r>
-                        <a:rPr lang="en-US" altLang="ko-KR" sz="900" b="0" dirty="0" smtClean="0">
-                          <a:latin typeface="+mn-ea"/>
-                          <a:ea typeface="+mn-ea"/>
-                        </a:rPr>
-                        <a:t>00</a:t>
-                      </a:r>
-                      <a:r>
-                        <a:rPr lang="ko-KR" altLang="en-US" sz="900" b="0" dirty="0" smtClean="0">
-                          <a:latin typeface="+mn-ea"/>
-                          <a:ea typeface="+mn-ea"/>
-                        </a:rPr>
-                        <a:t>일 </a:t>
-                      </a:r>
-                      <a:r>
-                        <a:rPr lang="en-US" altLang="ko-KR" sz="900" b="0" dirty="0" smtClean="0">
-                          <a:latin typeface="+mn-ea"/>
-                          <a:ea typeface="+mn-ea"/>
-                        </a:rPr>
-                        <a:t>00:00:00</a:t>
+                        <a:t>5</a:t>
                       </a:r>
                     </a:p>
                   </a:txBody>
@@ -20735,27 +22076,71 @@
                     <a:p>
                       <a:pPr algn="ctr" latinLnBrk="1"/>
                       <a:r>
-                        <a:rPr lang="ko-KR" altLang="en-US" sz="900" b="0" dirty="0" smtClean="0">
+                        <a:rPr lang="en-US" altLang="ko-KR" sz="900" b="0" dirty="0">
                           <a:latin typeface="+mn-ea"/>
                           <a:ea typeface="+mn-ea"/>
                         </a:rPr>
-                        <a:t>지각</a:t>
+                        <a:t>1</a:t>
                       </a:r>
-                      <a:endParaRPr lang="en-US" altLang="ko-KR" sz="900" b="0" dirty="0">
-                        <a:latin typeface="+mn-ea"/>
-                        <a:ea typeface="+mn-ea"/>
-                      </a:endParaRPr>
+                    </a:p>
+                  </a:txBody>
+                  <a:tcPr anchor="ctr"/>
+                </a:tc>
+                <a:tc>
+                  <a:txBody>
+                    <a:bodyPr/>
+                    <a:lstStyle/>
+                    <a:p>
+                      <a:pPr algn="ctr" latinLnBrk="1"/>
+                      <a:r>
+                        <a:rPr lang="en-US" altLang="ko-KR" sz="900" b="0" dirty="0">
+                          <a:latin typeface="+mn-ea"/>
+                          <a:ea typeface="+mn-ea"/>
+                        </a:rPr>
+                        <a:t>5</a:t>
+                      </a:r>
                     </a:p>
                   </a:txBody>
                   <a:tcPr anchor="ctr"/>
                 </a:tc>
                 <a:extLst>
                   <a:ext uri="{0D108BD9-81ED-4DB2-BD59-A6C34878D82A}">
-                    <a16:rowId xmlns:a16="http://schemas.microsoft.com/office/drawing/2014/main" xmlns="" val="2079454974"/>
+                    <a16:rowId xmlns:a16="http://schemas.microsoft.com/office/drawing/2014/main" val="2079454974"/>
                   </a:ext>
                 </a:extLst>
               </a:tr>
-              <a:tr h="921100">
+              <a:tr h="921640">
+                <a:tc>
+                  <a:txBody>
+                    <a:bodyPr/>
+                    <a:lstStyle/>
+                    <a:p>
+                      <a:pPr algn="ctr"/>
+                      <a:r>
+                        <a:rPr lang="en-US" altLang="ko-KR" sz="900" b="0" i="0" u="none" strike="noStrike" cap="none" dirty="0">
+                          <a:solidFill>
+                            <a:schemeClr val="dk1"/>
+                          </a:solidFill>
+                          <a:latin typeface="+mn-ea"/>
+                          <a:ea typeface="+mn-ea"/>
+                          <a:cs typeface="+mn-cs"/>
+                          <a:sym typeface="Arial"/>
+                        </a:rPr>
+                        <a:t>111</a:t>
+                      </a:r>
+                      <a:endParaRPr lang="ko-KR" altLang="en-US" sz="900" b="0" i="0" u="none" strike="noStrike" cap="none" dirty="0">
+                        <a:solidFill>
+                          <a:schemeClr val="dk1"/>
+                        </a:solidFill>
+                        <a:latin typeface="+mn-ea"/>
+                        <a:ea typeface="+mn-ea"/>
+                        <a:cs typeface="+mn-cs"/>
+                        <a:sym typeface="Arial"/>
+                      </a:endParaRPr>
+                    </a:p>
+                  </a:txBody>
+                  <a:tcPr anchor="ctr"/>
+                </a:tc>
                 <a:tc>
                   <a:txBody>
                     <a:bodyPr/>
@@ -20778,31 +22163,13 @@
                     <a:bodyPr/>
                     <a:lstStyle/>
                     <a:p>
-                      <a:pPr marL="0" marR="0" lvl="0" indent="0" algn="ctr" defTabSz="914400" rtl="0" eaLnBrk="1" fontAlgn="auto" latinLnBrk="1" hangingPunct="1">
-                        <a:lnSpc>
-                          <a:spcPct val="100000"/>
-                        </a:lnSpc>
-                        <a:spcBef>
-                          <a:spcPts val="0"/>
-                        </a:spcBef>
-                        <a:spcAft>
-                          <a:spcPts val="0"/>
-                        </a:spcAft>
-                        <a:buClr>
-                          <a:srgbClr val="000000"/>
-                        </a:buClr>
-                        <a:buSzTx/>
-                        <a:buFont typeface="Arial"/>
-                        <a:buNone/>
-                        <a:tabLst/>
-                        <a:defRPr/>
-                      </a:pPr>
+                      <a:pPr algn="ctr" latinLnBrk="1"/>
                       <a:r>
                         <a:rPr lang="en-US" altLang="ko-KR" sz="900" b="0" dirty="0">
                           <a:latin typeface="+mn-ea"/>
                           <a:ea typeface="+mn-ea"/>
                         </a:rPr>
-                        <a:t>13 : 00 ~ 15 : 00 </a:t>
+                        <a:t>0</a:t>
                       </a:r>
                       <a:endParaRPr lang="ko-KR" altLang="en-US" sz="900" b="0" dirty="0">
                         <a:latin typeface="+mn-ea"/>
@@ -20819,82 +22186,12 @@
                     <a:p>
                       <a:pPr algn="ctr" latinLnBrk="1"/>
                       <a:r>
-                        <a:rPr lang="ko-KR" altLang="en-US" sz="900" b="0" dirty="0" smtClean="0">
+                        <a:rPr lang="en-US" altLang="ko-KR" sz="900" b="0" dirty="0">
                           <a:latin typeface="+mn-ea"/>
                           <a:ea typeface="+mn-ea"/>
                         </a:rPr>
-                        <a:t>화요일</a:t>
+                        <a:t>5</a:t>
                       </a:r>
-                      <a:endParaRPr lang="ko-KR" altLang="en-US" sz="900" b="0" dirty="0">
-                        <a:latin typeface="+mn-ea"/>
-                        <a:ea typeface="+mn-ea"/>
-                      </a:endParaRPr>
-                    </a:p>
-                  </a:txBody>
-                  <a:tcPr anchor="ctr"/>
-                </a:tc>
-                <a:tc>
-                  <a:txBody>
-                    <a:bodyPr/>
-                    <a:lstStyle/>
-                    <a:p>
-                      <a:pPr marL="0" marR="0" indent="0" algn="ctr" defTabSz="914400" rtl="0" eaLnBrk="1" fontAlgn="auto" latinLnBrk="1" hangingPunct="1">
-                        <a:lnSpc>
-                          <a:spcPct val="100000"/>
-                        </a:lnSpc>
-                        <a:spcBef>
-                          <a:spcPts val="0"/>
-                        </a:spcBef>
-                        <a:spcAft>
-                          <a:spcPts val="0"/>
-                        </a:spcAft>
-                        <a:buClr>
-                          <a:srgbClr val="000000"/>
-                        </a:buClr>
-                        <a:buSzTx/>
-                        <a:buFont typeface="Arial"/>
-                        <a:buNone/>
-                        <a:tabLst/>
-                        <a:defRPr/>
-                      </a:pPr>
-                      <a:r>
-                        <a:rPr lang="en-US" altLang="ko-KR" sz="900" b="0" dirty="0" smtClean="0">
-                          <a:latin typeface="+mn-ea"/>
-                          <a:ea typeface="+mn-ea"/>
-                        </a:rPr>
-                        <a:t>00</a:t>
-                      </a:r>
-                      <a:r>
-                        <a:rPr lang="ko-KR" altLang="en-US" sz="900" b="0" dirty="0" smtClean="0">
-                          <a:latin typeface="+mn-ea"/>
-                          <a:ea typeface="+mn-ea"/>
-                        </a:rPr>
-                        <a:t>월 </a:t>
-                      </a:r>
-                      <a:r>
-                        <a:rPr lang="en-US" altLang="ko-KR" sz="900" b="0" dirty="0" smtClean="0">
-                          <a:latin typeface="+mn-ea"/>
-                          <a:ea typeface="+mn-ea"/>
-                        </a:rPr>
-                        <a:t>00</a:t>
-                      </a:r>
-                      <a:r>
-                        <a:rPr lang="ko-KR" altLang="en-US" sz="900" b="0" dirty="0" smtClean="0">
-                          <a:latin typeface="+mn-ea"/>
-                          <a:ea typeface="+mn-ea"/>
-                        </a:rPr>
-                        <a:t>일 </a:t>
-                      </a:r>
-                      <a:r>
-                        <a:rPr lang="en-US" altLang="ko-KR" sz="900" b="0" dirty="0" smtClean="0">
-                          <a:latin typeface="+mn-ea"/>
-                          <a:ea typeface="+mn-ea"/>
-                        </a:rPr>
-                        <a:t>00:00:00</a:t>
-                      </a:r>
-                    </a:p>
-                    <a:p>
-                      <a:pPr algn="ctr" latinLnBrk="1"/>
                       <a:endParaRPr lang="ko-KR" altLang="en-US" sz="900" b="0" dirty="0">
                         <a:latin typeface="+mn-ea"/>
                         <a:ea typeface="+mn-ea"/>
@@ -20928,7 +22225,7 @@
                         <a:defRPr/>
                       </a:pPr>
                       <a:r>
-                        <a:rPr kumimoji="0" lang="ko-KR" altLang="en-US" sz="900" b="0" i="0" u="none" strike="noStrike" kern="0" cap="none" spc="0" normalizeH="0" baseline="0" noProof="0" dirty="0" smtClean="0">
+                        <a:rPr kumimoji="0" lang="en-US" altLang="ko-KR" sz="900" b="0" i="0" u="none" strike="noStrike" kern="0" cap="none" spc="0" normalizeH="0" baseline="0" noProof="0" dirty="0">
                           <a:ln>
                             <a:noFill/>
                           </a:ln>
@@ -20943,7 +22240,7 @@
                           <a:cs typeface="+mn-cs"/>
                           <a:sym typeface="Arial"/>
                         </a:rPr>
-                        <a:t>결석</a:t>
+                        <a:t>3</a:t>
                       </a:r>
                       <a:endParaRPr kumimoji="0" lang="ko-KR" altLang="en-US" sz="900" b="0" i="0" u="none" strike="noStrike" kern="0" cap="none" spc="0" normalizeH="0" baseline="0" noProof="0" dirty="0">
                         <a:ln>
@@ -20966,11 +22263,42 @@
                 </a:tc>
                 <a:extLst>
                   <a:ext uri="{0D108BD9-81ED-4DB2-BD59-A6C34878D82A}">
-                    <a16:rowId xmlns:a16="http://schemas.microsoft.com/office/drawing/2014/main" xmlns="" val="407609434"/>
+                    <a16:rowId xmlns:a16="http://schemas.microsoft.com/office/drawing/2014/main" val="407609434"/>
                   </a:ext>
                 </a:extLst>
               </a:tr>
-              <a:tr h="921100">
+              <a:tr h="921640">
+                <a:tc>
+                  <a:txBody>
+                    <a:bodyPr/>
+                    <a:lstStyle/>
+                    <a:p>
+                      <a:pPr algn="ctr"/>
+                      <a:r>
+                        <a:rPr lang="en-US" altLang="ko-KR" sz="900" b="0" i="0" u="none" strike="noStrike" cap="none" dirty="0">
+                          <a:solidFill>
+                            <a:schemeClr val="dk1"/>
+                          </a:solidFill>
+                          <a:latin typeface="+mn-ea"/>
+                          <a:ea typeface="+mn-ea"/>
+                          <a:cs typeface="+mn-cs"/>
+                          <a:sym typeface="Arial"/>
+                        </a:rPr>
+                        <a:t>222</a:t>
+                      </a:r>
+                      <a:endParaRPr lang="ko-KR" altLang="en-US" sz="900" b="0" i="0" u="none" strike="noStrike" cap="none" dirty="0">
+                        <a:solidFill>
+                          <a:schemeClr val="dk1"/>
+                        </a:solidFill>
+                        <a:latin typeface="+mn-ea"/>
+                        <a:ea typeface="+mn-ea"/>
+                        <a:cs typeface="+mn-cs"/>
+                        <a:sym typeface="Arial"/>
+                      </a:endParaRPr>
+                    </a:p>
+                  </a:txBody>
+                  <a:tcPr anchor="ctr"/>
+                </a:tc>
                 <a:tc>
                   <a:txBody>
                     <a:bodyPr/>
@@ -20983,6 +22311,44 @@
                           <a:ea typeface="+mn-ea"/>
                         </a:rPr>
                         <a:t>컴퓨터구조</a:t>
+                      </a:r>
+                    </a:p>
+                  </a:txBody>
+                  <a:tcPr anchor="ctr"/>
+                </a:tc>
+                <a:tc>
+                  <a:txBody>
+                    <a:bodyPr/>
+                    <a:lstStyle/>
+                    <a:p>
+                      <a:pPr algn="ctr" latinLnBrk="1"/>
+                      <a:r>
+                        <a:rPr lang="en-US" altLang="ko-KR" sz="900" b="0" dirty="0">
+                          <a:latin typeface="+mn-ea"/>
+                          <a:ea typeface="+mn-ea"/>
+                        </a:rPr>
+                        <a:t>2</a:t>
+                      </a:r>
+                      <a:endParaRPr lang="ko-KR" altLang="en-US" sz="900" b="0" dirty="0">
+                        <a:latin typeface="+mn-ea"/>
+                        <a:ea typeface="+mn-ea"/>
+                      </a:endParaRPr>
+                    </a:p>
+                  </a:txBody>
+                  <a:tcPr anchor="ctr"/>
+                </a:tc>
+                <a:tc>
+                  <a:txBody>
+                    <a:bodyPr/>
+                    <a:lstStyle/>
+                    <a:p>
+                      <a:pPr algn="ctr" latinLnBrk="1"/>
+                      <a:r>
+                        <a:rPr lang="en-US" altLang="ko-KR" sz="900" b="0" dirty="0">
+                          <a:latin typeface="+mn-ea"/>
+                          <a:ea typeface="+mn-ea"/>
+                        </a:rPr>
+                        <a:t>3</a:t>
                       </a:r>
                     </a:p>
                   </a:txBody>
@@ -21013,112 +22379,7 @@
                         <a:defRPr/>
                       </a:pPr>
                       <a:r>
-                        <a:rPr lang="en-US" altLang="ko-KR" sz="900" b="0" dirty="0">
-                          <a:latin typeface="+mn-ea"/>
-                          <a:ea typeface="+mn-ea"/>
-                        </a:rPr>
-                        <a:t>13 : 00 ~ 15 : 00 </a:t>
-                      </a:r>
-                      <a:endParaRPr lang="ko-KR" altLang="en-US" sz="900" b="0" dirty="0">
-                        <a:latin typeface="+mn-ea"/>
-                        <a:ea typeface="+mn-ea"/>
-                      </a:endParaRPr>
-                    </a:p>
-                  </a:txBody>
-                  <a:tcPr anchor="ctr"/>
-                </a:tc>
-                <a:tc>
-                  <a:txBody>
-                    <a:bodyPr/>
-                    <a:lstStyle/>
-                    <a:p>
-                      <a:pPr algn="ctr" latinLnBrk="1"/>
-                      <a:r>
-                        <a:rPr lang="ko-KR" altLang="en-US" sz="900" b="0" dirty="0" smtClean="0">
-                          <a:latin typeface="+mn-ea"/>
-                          <a:ea typeface="+mn-ea"/>
-                        </a:rPr>
-                        <a:t>수요일</a:t>
-                      </a:r>
-                      <a:endParaRPr lang="ko-KR" altLang="en-US" sz="900" b="0" dirty="0">
-                        <a:latin typeface="+mn-ea"/>
-                        <a:ea typeface="+mn-ea"/>
-                      </a:endParaRPr>
-                    </a:p>
-                  </a:txBody>
-                  <a:tcPr anchor="ctr"/>
-                </a:tc>
-                <a:tc>
-                  <a:txBody>
-                    <a:bodyPr/>
-                    <a:lstStyle/>
-                    <a:p>
-                      <a:pPr algn="ctr" latinLnBrk="1"/>
-                      <a:r>
-                        <a:rPr lang="en-US" altLang="ko-KR" sz="900" b="0" dirty="0" smtClean="0">
-                          <a:latin typeface="+mn-ea"/>
-                          <a:ea typeface="+mn-ea"/>
-                        </a:rPr>
-                        <a:t>00</a:t>
-                      </a:r>
-                      <a:r>
-                        <a:rPr lang="ko-KR" altLang="en-US" sz="900" b="0" dirty="0" smtClean="0">
-                          <a:latin typeface="+mn-ea"/>
-                          <a:ea typeface="+mn-ea"/>
-                        </a:rPr>
-                        <a:t>월 </a:t>
-                      </a:r>
-                      <a:r>
-                        <a:rPr lang="en-US" altLang="ko-KR" sz="900" b="0" dirty="0" smtClean="0">
-                          <a:latin typeface="+mn-ea"/>
-                          <a:ea typeface="+mn-ea"/>
-                        </a:rPr>
-                        <a:t>00</a:t>
-                      </a:r>
-                      <a:r>
-                        <a:rPr lang="ko-KR" altLang="en-US" sz="900" b="0" dirty="0" smtClean="0">
-                          <a:latin typeface="+mn-ea"/>
-                          <a:ea typeface="+mn-ea"/>
-                        </a:rPr>
-                        <a:t>일 </a:t>
-                      </a:r>
-                      <a:r>
-                        <a:rPr lang="en-US" altLang="ko-KR" sz="900" b="0" dirty="0" smtClean="0">
-                          <a:latin typeface="+mn-ea"/>
-                          <a:ea typeface="+mn-ea"/>
-                        </a:rPr>
-                        <a:t>00:00:00</a:t>
-                      </a:r>
-                    </a:p>
-                  </a:txBody>
-                  <a:tcPr anchor="ctr"/>
-                </a:tc>
-                <a:tc>
-                  <a:txBody>
-                    <a:bodyPr/>
-                    <a:lstStyle/>
-                    <a:p>
-                      <a:pPr marL="0" marR="0" lvl="0" indent="0" algn="ctr" defTabSz="914400" rtl="0" eaLnBrk="1" fontAlgn="auto" latinLnBrk="1" hangingPunct="1">
-                        <a:lnSpc>
-                          <a:spcPct val="100000"/>
-                        </a:lnSpc>
-                        <a:spcBef>
-                          <a:spcPts val="0"/>
-                        </a:spcBef>
-                        <a:spcAft>
-                          <a:spcPts val="0"/>
-                        </a:spcAft>
-                        <a:buClr>
-                          <a:srgbClr val="000000"/>
-                        </a:buClr>
-                        <a:buSzTx/>
-                        <a:buFont typeface="Arial"/>
-                        <a:buNone/>
-                        <a:tabLst/>
-                        <a:defRPr/>
-                      </a:pPr>
-                      <a:r>
-                        <a:rPr kumimoji="0" lang="ko-KR" altLang="en-US" sz="900" b="0" i="0" u="none" strike="noStrike" kern="0" cap="none" spc="0" normalizeH="0" baseline="0" noProof="0" dirty="0" smtClean="0">
+                        <a:rPr kumimoji="0" lang="en-US" altLang="ko-KR" sz="900" b="0" i="0" u="none" strike="noStrike" kern="0" cap="none" spc="0" normalizeH="0" baseline="0" noProof="0" dirty="0">
                           <a:ln>
                             <a:noFill/>
                           </a:ln>
@@ -21133,7 +22394,7 @@
                           <a:cs typeface="+mn-cs"/>
                           <a:sym typeface="Arial"/>
                         </a:rPr>
-                        <a:t>결석</a:t>
+                        <a:t>8</a:t>
                       </a:r>
                       <a:endParaRPr kumimoji="0" lang="ko-KR" altLang="en-US" sz="900" b="0" i="0" u="none" strike="noStrike" kern="0" cap="none" spc="0" normalizeH="0" baseline="0" noProof="0" dirty="0">
                         <a:ln>
@@ -21156,11 +22417,42 @@
                 </a:tc>
                 <a:extLst>
                   <a:ext uri="{0D108BD9-81ED-4DB2-BD59-A6C34878D82A}">
-                    <a16:rowId xmlns:a16="http://schemas.microsoft.com/office/drawing/2014/main" xmlns="" val="3143395347"/>
+                    <a16:rowId xmlns:a16="http://schemas.microsoft.com/office/drawing/2014/main" val="3143395347"/>
                   </a:ext>
                 </a:extLst>
               </a:tr>
-              <a:tr h="921100">
+              <a:tr h="921640">
+                <a:tc>
+                  <a:txBody>
+                    <a:bodyPr/>
+                    <a:lstStyle/>
+                    <a:p>
+                      <a:pPr algn="ctr"/>
+                      <a:r>
+                        <a:rPr lang="en-US" altLang="ko-KR" sz="900" b="0" i="0" u="none" strike="noStrike" cap="none" dirty="0">
+                          <a:solidFill>
+                            <a:schemeClr val="dk1"/>
+                          </a:solidFill>
+                          <a:latin typeface="+mn-ea"/>
+                          <a:ea typeface="+mn-ea"/>
+                          <a:cs typeface="+mn-cs"/>
+                          <a:sym typeface="Arial"/>
+                        </a:rPr>
+                        <a:t>333</a:t>
+                      </a:r>
+                      <a:endParaRPr lang="ko-KR" altLang="en-US" sz="900" b="0" i="0" u="none" strike="noStrike" cap="none" dirty="0">
+                        <a:solidFill>
+                          <a:schemeClr val="dk1"/>
+                        </a:solidFill>
+                        <a:latin typeface="+mn-ea"/>
+                        <a:ea typeface="+mn-ea"/>
+                        <a:cs typeface="+mn-cs"/>
+                        <a:sym typeface="Arial"/>
+                      </a:endParaRPr>
+                    </a:p>
+                  </a:txBody>
+                  <a:tcPr anchor="ctr"/>
+                </a:tc>
                 <a:tc>
                   <a:txBody>
                     <a:bodyPr/>
@@ -21183,31 +22475,13 @@
                     <a:bodyPr/>
                     <a:lstStyle/>
                     <a:p>
-                      <a:pPr marL="0" marR="0" lvl="0" indent="0" algn="ctr" defTabSz="914400" rtl="0" eaLnBrk="1" fontAlgn="auto" latinLnBrk="1" hangingPunct="1">
-                        <a:lnSpc>
-                          <a:spcPct val="100000"/>
-                        </a:lnSpc>
-                        <a:spcBef>
-                          <a:spcPts val="0"/>
-                        </a:spcBef>
-                        <a:spcAft>
-                          <a:spcPts val="0"/>
-                        </a:spcAft>
-                        <a:buClr>
-                          <a:srgbClr val="000000"/>
-                        </a:buClr>
-                        <a:buSzTx/>
-                        <a:buFont typeface="Arial"/>
-                        <a:buNone/>
-                        <a:tabLst/>
-                        <a:defRPr/>
-                      </a:pPr>
+                      <a:pPr algn="ctr" latinLnBrk="1"/>
                       <a:r>
                         <a:rPr lang="en-US" altLang="ko-KR" sz="900" b="0" dirty="0">
                           <a:latin typeface="+mn-ea"/>
                           <a:ea typeface="+mn-ea"/>
                         </a:rPr>
-                        <a:t>13 : 00 ~ 15 : 00 </a:t>
+                        <a:t>4</a:t>
                       </a:r>
                       <a:endParaRPr lang="ko-KR" altLang="en-US" sz="900" b="0" dirty="0">
                         <a:latin typeface="+mn-ea"/>
@@ -21224,82 +22498,12 @@
                     <a:p>
                       <a:pPr algn="ctr" latinLnBrk="1"/>
                       <a:r>
-                        <a:rPr lang="ko-KR" altLang="en-US" sz="900" b="0" dirty="0" smtClean="0">
+                        <a:rPr lang="en-US" altLang="ko-KR" sz="900" b="0" dirty="0">
                           <a:latin typeface="+mn-ea"/>
                           <a:ea typeface="+mn-ea"/>
                         </a:rPr>
-                        <a:t>목요일</a:t>
+                        <a:t>5</a:t>
                       </a:r>
-                      <a:endParaRPr lang="ko-KR" altLang="en-US" sz="900" b="0" dirty="0">
-                        <a:latin typeface="+mn-ea"/>
-                        <a:ea typeface="+mn-ea"/>
-                      </a:endParaRPr>
-                    </a:p>
-                  </a:txBody>
-                  <a:tcPr anchor="ctr"/>
-                </a:tc>
-                <a:tc>
-                  <a:txBody>
-                    <a:bodyPr/>
-                    <a:lstStyle/>
-                    <a:p>
-                      <a:pPr marL="0" marR="0" indent="0" algn="ctr" defTabSz="914400" rtl="0" eaLnBrk="1" fontAlgn="auto" latinLnBrk="1" hangingPunct="1">
-                        <a:lnSpc>
-                          <a:spcPct val="100000"/>
-                        </a:lnSpc>
-                        <a:spcBef>
-                          <a:spcPts val="0"/>
-                        </a:spcBef>
-                        <a:spcAft>
-                          <a:spcPts val="0"/>
-                        </a:spcAft>
-                        <a:buClr>
-                          <a:srgbClr val="000000"/>
-                        </a:buClr>
-                        <a:buSzTx/>
-                        <a:buFont typeface="Arial"/>
-                        <a:buNone/>
-                        <a:tabLst/>
-                        <a:defRPr/>
-                      </a:pPr>
-                      <a:r>
-                        <a:rPr lang="en-US" altLang="ko-KR" sz="900" b="0" dirty="0" smtClean="0">
-                          <a:latin typeface="+mn-ea"/>
-                          <a:ea typeface="+mn-ea"/>
-                        </a:rPr>
-                        <a:t>00</a:t>
-                      </a:r>
-                      <a:r>
-                        <a:rPr lang="ko-KR" altLang="en-US" sz="900" b="0" dirty="0" smtClean="0">
-                          <a:latin typeface="+mn-ea"/>
-                          <a:ea typeface="+mn-ea"/>
-                        </a:rPr>
-                        <a:t>월 </a:t>
-                      </a:r>
-                      <a:r>
-                        <a:rPr lang="en-US" altLang="ko-KR" sz="900" b="0" dirty="0" smtClean="0">
-                          <a:latin typeface="+mn-ea"/>
-                          <a:ea typeface="+mn-ea"/>
-                        </a:rPr>
-                        <a:t>00</a:t>
-                      </a:r>
-                      <a:r>
-                        <a:rPr lang="ko-KR" altLang="en-US" sz="900" b="0" dirty="0" smtClean="0">
-                          <a:latin typeface="+mn-ea"/>
-                          <a:ea typeface="+mn-ea"/>
-                        </a:rPr>
-                        <a:t>일 </a:t>
-                      </a:r>
-                      <a:r>
-                        <a:rPr lang="en-US" altLang="ko-KR" sz="900" b="0" dirty="0" smtClean="0">
-                          <a:latin typeface="+mn-ea"/>
-                          <a:ea typeface="+mn-ea"/>
-                        </a:rPr>
-                        <a:t>00:00:00</a:t>
-                      </a:r>
-                    </a:p>
-                    <a:p>
-                      <a:pPr algn="ctr" latinLnBrk="1"/>
                       <a:endParaRPr lang="ko-KR" altLang="en-US" sz="900" b="0" dirty="0">
                         <a:latin typeface="+mn-ea"/>
                         <a:ea typeface="+mn-ea"/>
@@ -21333,7 +22537,7 @@
                         <a:defRPr/>
                       </a:pPr>
                       <a:r>
-                        <a:rPr kumimoji="0" lang="ko-KR" altLang="en-US" sz="900" b="0" i="0" u="none" strike="noStrike" kern="0" cap="none" spc="0" normalizeH="0" baseline="0" noProof="0" dirty="0">
+                        <a:rPr kumimoji="0" lang="en-US" altLang="ko-KR" sz="900" b="0" i="0" u="none" strike="noStrike" kern="0" cap="none" spc="0" normalizeH="0" baseline="0" noProof="0" dirty="0">
                           <a:ln>
                             <a:noFill/>
                           </a:ln>
@@ -21348,30 +22552,15 @@
                           <a:cs typeface="+mn-cs"/>
                           <a:sym typeface="Arial"/>
                         </a:rPr>
-                        <a:t>출석</a:t>
+                        <a:t>3</a:t>
                       </a:r>
-                      <a:endParaRPr kumimoji="0" lang="en-US" altLang="ko-KR" sz="900" b="0" i="0" u="none" strike="noStrike" kern="0" cap="none" spc="0" normalizeH="0" baseline="0" noProof="0" dirty="0">
-                        <a:ln>
-                          <a:noFill/>
-                        </a:ln>
-                        <a:solidFill>
-                          <a:srgbClr val="000000"/>
-                        </a:solidFill>
-                        <a:effectLst/>
-                        <a:uLnTx/>
-                        <a:uFillTx/>
-                        <a:latin typeface="맑은 고딕" panose="020B0503020000020004" pitchFamily="50" charset="-127"/>
-                        <a:ea typeface="맑은 고딕" panose="020B0503020000020004" pitchFamily="50" charset="-127"/>
-                        <a:cs typeface="+mn-cs"/>
-                        <a:sym typeface="Arial"/>
-                      </a:endParaRPr>
                     </a:p>
                   </a:txBody>
                   <a:tcPr anchor="ctr"/>
                 </a:tc>
                 <a:extLst>
                   <a:ext uri="{0D108BD9-81ED-4DB2-BD59-A6C34878D82A}">
-                    <a16:rowId xmlns:a16="http://schemas.microsoft.com/office/drawing/2014/main" xmlns="" val="3980106186"/>
+                    <a16:rowId xmlns:a16="http://schemas.microsoft.com/office/drawing/2014/main" val="3980106186"/>
                   </a:ext>
                 </a:extLst>
               </a:tr>
@@ -21384,7 +22573,7 @@
           <p:cNvPr id="24" name="Google Shape;199;p16">
             <a:extLst>
               <a:ext uri="{FF2B5EF4-FFF2-40B4-BE49-F238E27FC236}">
-                <a16:creationId xmlns:a16="http://schemas.microsoft.com/office/drawing/2014/main" xmlns="" id="{EE6D9A01-BDDD-40D4-AE3A-74E7947DA03D}"/>
+                <a16:creationId xmlns:a16="http://schemas.microsoft.com/office/drawing/2014/main" id="{EE6D9A01-BDDD-40D4-AE3A-74E7947DA03D}"/>
               </a:ext>
             </a:extLst>
           </p:cNvPr>
@@ -21447,7 +22636,7 @@
           <p:cNvPr id="25" name="Google Shape;111;p13">
             <a:extLst>
               <a:ext uri="{FF2B5EF4-FFF2-40B4-BE49-F238E27FC236}">
-                <a16:creationId xmlns:a16="http://schemas.microsoft.com/office/drawing/2014/main" xmlns="" id="{F59D1251-EDE6-467C-85B7-D69A471BB44A}"/>
+                <a16:creationId xmlns:a16="http://schemas.microsoft.com/office/drawing/2014/main" id="{F59D1251-EDE6-467C-85B7-D69A471BB44A}"/>
               </a:ext>
             </a:extLst>
           </p:cNvPr>
@@ -21456,7 +22645,7 @@
         </p:nvSpPr>
         <p:spPr>
           <a:xfrm>
-            <a:off x="6981869" y="1209966"/>
+            <a:off x="6970834" y="1210160"/>
             <a:ext cx="652582" cy="241995"/>
           </a:xfrm>
           <a:prstGeom prst="roundRect">
@@ -21516,10 +22705,10 @@
       </p:sp>
       <p:sp>
         <p:nvSpPr>
-          <p:cNvPr id="27" name="Google Shape;111;p13">
+          <p:cNvPr id="14" name="Google Shape;111;p13">
             <a:extLst>
               <a:ext uri="{FF2B5EF4-FFF2-40B4-BE49-F238E27FC236}">
-                <a16:creationId xmlns:a16="http://schemas.microsoft.com/office/drawing/2014/main" xmlns="" id="{B53B4D85-4D2F-45AD-B72C-F1128064E2E9}"/>
+                <a16:creationId xmlns:a16="http://schemas.microsoft.com/office/drawing/2014/main" id="{9850DD4D-D8DB-411F-B335-6BB815532BEC}"/>
               </a:ext>
             </a:extLst>
           </p:cNvPr>
@@ -21528,8 +22717,8 @@
         </p:nvSpPr>
         <p:spPr>
           <a:xfrm>
-            <a:off x="6206062" y="1213045"/>
-            <a:ext cx="730564" cy="241995"/>
+            <a:off x="6189600" y="1208768"/>
+            <a:ext cx="652582" cy="241995"/>
           </a:xfrm>
           <a:prstGeom prst="roundRect">
             <a:avLst>
@@ -21555,9 +22744,17 @@
           </a:bodyPr>
           <a:lstStyle/>
           <a:p>
-            <a:pPr algn="ctr"/>
+            <a:pPr marL="0" marR="0" lvl="0" indent="0" algn="l" rtl="0">
+              <a:spcBef>
+                <a:spcPts val="0"/>
+              </a:spcBef>
+              <a:spcAft>
+                <a:spcPts val="0"/>
+              </a:spcAft>
+              <a:buNone/>
+            </a:pPr>
             <a:r>
-              <a:rPr lang="ko-KR" altLang="en-US" sz="900" smtClean="0">
+              <a:rPr lang="ko-KR" altLang="en-US" sz="900" dirty="0">
                 <a:solidFill>
                   <a:srgbClr val="5F5F5F"/>
                 </a:solidFill>
@@ -21567,7 +22764,7 @@
               </a:rPr>
               <a:t>출석확인</a:t>
             </a:r>
-            <a:endParaRPr lang="ko-KR" sz="900" dirty="0">
+            <a:endParaRPr lang="ko-KR" altLang="en-US" sz="900" b="0" i="0" u="none" strike="noStrike" cap="none" dirty="0">
               <a:solidFill>
                 <a:srgbClr val="5F5F5F"/>
               </a:solidFill>
@@ -21578,12 +22775,218 @@
           </a:p>
         </p:txBody>
       </p:sp>
+      <p:grpSp>
+        <p:nvGrpSpPr>
+          <p:cNvPr id="16" name="그룹 15">
+            <a:extLst>
+              <a:ext uri="{FF2B5EF4-FFF2-40B4-BE49-F238E27FC236}">
+                <a16:creationId xmlns:a16="http://schemas.microsoft.com/office/drawing/2014/main" id="{0082972C-0D0F-4738-8D8A-E89B1DF58DD2}"/>
+              </a:ext>
+            </a:extLst>
+          </p:cNvPr>
+          <p:cNvGrpSpPr/>
+          <p:nvPr/>
+        </p:nvGrpSpPr>
+        <p:grpSpPr>
+          <a:xfrm>
+            <a:off x="4962737" y="1135853"/>
+            <a:ext cx="1181620" cy="314910"/>
+            <a:chOff x="3079591" y="2700118"/>
+            <a:chExt cx="1181620" cy="314910"/>
+          </a:xfrm>
+        </p:grpSpPr>
+        <p:sp>
+          <p:nvSpPr>
+            <p:cNvPr id="17" name="직사각형 16">
+              <a:extLst>
+                <a:ext uri="{FF2B5EF4-FFF2-40B4-BE49-F238E27FC236}">
+                  <a16:creationId xmlns:a16="http://schemas.microsoft.com/office/drawing/2014/main" id="{4AA3AF9E-C1EF-445B-8FB8-FF210AAD4A82}"/>
+                </a:ext>
+              </a:extLst>
+            </p:cNvPr>
+            <p:cNvSpPr/>
+            <p:nvPr/>
+          </p:nvSpPr>
+          <p:spPr>
+            <a:xfrm>
+              <a:off x="3147060" y="2773033"/>
+              <a:ext cx="1114151" cy="241995"/>
+            </a:xfrm>
+            <a:prstGeom prst="rect">
+              <a:avLst/>
+            </a:prstGeom>
+            <a:noFill/>
+            <a:ln>
+              <a:solidFill>
+                <a:schemeClr val="tx1"/>
+              </a:solidFill>
+            </a:ln>
+          </p:spPr>
+          <p:style>
+            <a:lnRef idx="2">
+              <a:schemeClr val="accent1">
+                <a:shade val="50000"/>
+              </a:schemeClr>
+            </a:lnRef>
+            <a:fillRef idx="1">
+              <a:schemeClr val="accent1"/>
+            </a:fillRef>
+            <a:effectRef idx="0">
+              <a:schemeClr val="accent1"/>
+            </a:effectRef>
+            <a:fontRef idx="minor">
+              <a:schemeClr val="lt1"/>
+            </a:fontRef>
+          </p:style>
+          <p:txBody>
+            <a:bodyPr rtlCol="0" anchor="ctr"/>
+            <a:lstStyle/>
+            <a:p>
+              <a:r>
+                <a:rPr lang="ko-KR" altLang="en-US" sz="900" dirty="0">
+                  <a:solidFill>
+                    <a:srgbClr val="5F5F5F"/>
+                  </a:solidFill>
+                  <a:latin typeface="Quattrocento Sans"/>
+                  <a:ea typeface="Quattrocento Sans"/>
+                  <a:cs typeface="Quattrocento Sans"/>
+                </a:rPr>
+                <a:t>수강과목 선택</a:t>
+              </a:r>
+            </a:p>
+          </p:txBody>
+        </p:sp>
+        <p:sp>
+          <p:nvSpPr>
+            <p:cNvPr id="18" name="Google Shape;114;p13">
+              <a:extLst>
+                <a:ext uri="{FF2B5EF4-FFF2-40B4-BE49-F238E27FC236}">
+                  <a16:creationId xmlns:a16="http://schemas.microsoft.com/office/drawing/2014/main" id="{BB3378EF-7C7C-402F-ADEB-DA16CA39C7BF}"/>
+                </a:ext>
+              </a:extLst>
+            </p:cNvPr>
+            <p:cNvSpPr/>
+            <p:nvPr/>
+          </p:nvSpPr>
+          <p:spPr>
+            <a:xfrm>
+              <a:off x="3079591" y="2700118"/>
+              <a:ext cx="134937" cy="138113"/>
+            </a:xfrm>
+            <a:prstGeom prst="ellipse">
+              <a:avLst/>
+            </a:prstGeom>
+            <a:solidFill>
+              <a:srgbClr val="D60C0C"/>
+            </a:solidFill>
+            <a:ln w="19050" cap="flat" cmpd="sng">
+              <a:solidFill>
+                <a:schemeClr val="lt1"/>
+              </a:solidFill>
+              <a:prstDash val="solid"/>
+              <a:miter lim="800000"/>
+              <a:headEnd type="none" w="sm" len="sm"/>
+              <a:tailEnd type="none" w="sm" len="sm"/>
+            </a:ln>
+            <a:effectLst>
+              <a:outerShdw blurRad="50800" dist="38100" dir="2700000" algn="tl" rotWithShape="0">
+                <a:srgbClr val="000000">
+                  <a:alpha val="40000"/>
+                </a:srgbClr>
+              </a:outerShdw>
+            </a:effectLst>
+          </p:spPr>
+          <p:txBody>
+            <a:bodyPr spcFirstLastPara="1" wrap="square" lIns="91425" tIns="45700" rIns="91425" bIns="45700" anchor="ctr" anchorCtr="0">
+              <a:noAutofit/>
+            </a:bodyPr>
+            <a:lstStyle/>
+            <a:p>
+              <a:pPr marL="0" marR="0" lvl="0" indent="0" algn="ctr" rtl="0">
+                <a:spcBef>
+                  <a:spcPts val="0"/>
+                </a:spcBef>
+                <a:spcAft>
+                  <a:spcPts val="0"/>
+                </a:spcAft>
+                <a:buNone/>
+              </a:pPr>
+              <a:r>
+                <a:rPr lang="en-US" altLang="ko-KR" sz="1000" b="1" i="0" u="none" strike="noStrike" cap="none" dirty="0">
+                  <a:solidFill>
+                    <a:schemeClr val="lt1"/>
+                  </a:solidFill>
+                  <a:latin typeface="Malgun Gothic"/>
+                  <a:ea typeface="Malgun Gothic"/>
+                  <a:cs typeface="Malgun Gothic"/>
+                  <a:sym typeface="Malgun Gothic"/>
+                </a:rPr>
+                <a:t>1</a:t>
+              </a:r>
+            </a:p>
+          </p:txBody>
+        </p:sp>
+        <p:sp>
+          <p:nvSpPr>
+            <p:cNvPr id="19" name="이등변 삼각형 18">
+              <a:extLst>
+                <a:ext uri="{FF2B5EF4-FFF2-40B4-BE49-F238E27FC236}">
+                  <a16:creationId xmlns:a16="http://schemas.microsoft.com/office/drawing/2014/main" id="{9889F381-8745-4413-810E-66862D980412}"/>
+                </a:ext>
+              </a:extLst>
+            </p:cNvPr>
+            <p:cNvSpPr/>
+            <p:nvPr/>
+          </p:nvSpPr>
+          <p:spPr>
+            <a:xfrm rot="10800000">
+              <a:off x="4017975" y="2804583"/>
+              <a:ext cx="222250" cy="191595"/>
+            </a:xfrm>
+            <a:prstGeom prst="triangle">
+              <a:avLst/>
+            </a:prstGeom>
+            <a:solidFill>
+              <a:schemeClr val="tx2">
+                <a:lumMod val="75000"/>
+              </a:schemeClr>
+            </a:solidFill>
+            <a:ln>
+              <a:noFill/>
+            </a:ln>
+          </p:spPr>
+          <p:style>
+            <a:lnRef idx="2">
+              <a:schemeClr val="accent1">
+                <a:shade val="50000"/>
+              </a:schemeClr>
+            </a:lnRef>
+            <a:fillRef idx="1">
+              <a:schemeClr val="accent1"/>
+            </a:fillRef>
+            <a:effectRef idx="0">
+              <a:schemeClr val="accent1"/>
+            </a:effectRef>
+            <a:fontRef idx="minor">
+              <a:schemeClr val="lt1"/>
+            </a:fontRef>
+          </p:style>
+          <p:txBody>
+            <a:bodyPr rtlCol="0" anchor="ctr"/>
+            <a:lstStyle/>
+            <a:p>
+              <a:pPr algn="ctr"/>
+              <a:endParaRPr lang="ko-KR" altLang="en-US"/>
+            </a:p>
+          </p:txBody>
+        </p:sp>
+      </p:grpSp>
       <p:sp>
         <p:nvSpPr>
-          <p:cNvPr id="38" name="Google Shape;114;p13">
+          <p:cNvPr id="15" name="Google Shape;114;p13">
             <a:extLst>
               <a:ext uri="{FF2B5EF4-FFF2-40B4-BE49-F238E27FC236}">
-                <a16:creationId xmlns:a16="http://schemas.microsoft.com/office/drawing/2014/main" xmlns="" id="{478926E4-FBCC-4E24-851C-B6798F799F32}"/>
+                <a16:creationId xmlns:a16="http://schemas.microsoft.com/office/drawing/2014/main" id="{478926E4-FBCC-4E24-851C-B6798F799F32}"/>
               </a:ext>
             </a:extLst>
           </p:cNvPr>
@@ -21592,7 +22995,7 @@
         </p:nvSpPr>
         <p:spPr>
           <a:xfrm>
-            <a:off x="6149072" y="1261906"/>
+            <a:off x="6159763" y="1124630"/>
             <a:ext cx="134937" cy="138113"/>
           </a:xfrm>
           <a:prstGeom prst="ellipse">
@@ -21634,7 +23037,7 @@
               <a:buNone/>
             </a:pPr>
             <a:r>
-              <a:rPr lang="en-US" sz="1000" b="1" dirty="0" smtClean="0">
+              <a:rPr lang="en-US" sz="1000" b="1" dirty="0">
                 <a:solidFill>
                   <a:schemeClr val="lt1"/>
                 </a:solidFill>
@@ -21643,7 +23046,7 @@
                 <a:cs typeface="Malgun Gothic"/>
                 <a:sym typeface="Malgun Gothic"/>
               </a:rPr>
-              <a:t>1</a:t>
+              <a:t>2</a:t>
             </a:r>
             <a:endParaRPr sz="1000" b="1" i="0" u="none" strike="noStrike" cap="none" dirty="0">
               <a:solidFill>
@@ -21659,10 +23062,10 @@
       </p:sp>
       <p:sp>
         <p:nvSpPr>
-          <p:cNvPr id="15" name="Google Shape;114;p13">
+          <p:cNvPr id="20" name="Google Shape;114;p13">
             <a:extLst>
               <a:ext uri="{FF2B5EF4-FFF2-40B4-BE49-F238E27FC236}">
-                <a16:creationId xmlns:a16="http://schemas.microsoft.com/office/drawing/2014/main" xmlns="" id="{478926E4-FBCC-4E24-851C-B6798F799F32}"/>
+                <a16:creationId xmlns:a16="http://schemas.microsoft.com/office/drawing/2014/main" id="{B22B192A-CEAC-4942-A812-A2590F971BA5}"/>
               </a:ext>
             </a:extLst>
           </p:cNvPr>
@@ -21671,7 +23074,7 @@
         </p:nvSpPr>
         <p:spPr>
           <a:xfrm>
-            <a:off x="6936626" y="1276193"/>
+            <a:off x="6926817" y="1135621"/>
             <a:ext cx="134937" cy="138113"/>
           </a:xfrm>
           <a:prstGeom prst="ellipse">
@@ -21713,7 +23116,7 @@
               <a:buNone/>
             </a:pPr>
             <a:r>
-              <a:rPr lang="en-US" sz="1000" b="1" dirty="0" smtClean="0">
+              <a:rPr lang="en-US" sz="1000" b="1" dirty="0">
                 <a:solidFill>
                   <a:schemeClr val="lt1"/>
                 </a:solidFill>
@@ -21722,7 +23125,7 @@
                 <a:cs typeface="Malgun Gothic"/>
                 <a:sym typeface="Malgun Gothic"/>
               </a:rPr>
-              <a:t>2</a:t>
+              <a:t>3</a:t>
             </a:r>
             <a:endParaRPr sz="1000" b="1" i="0" u="none" strike="noStrike" cap="none" dirty="0">
               <a:solidFill>
@@ -21739,7 +23142,7 @@
     </p:spTree>
     <p:extLst>
       <p:ext uri="{BB962C8B-B14F-4D97-AF65-F5344CB8AC3E}">
-        <p14:creationId xmlns:p14="http://schemas.microsoft.com/office/powerpoint/2010/main" val="76227941"/>
+        <p14:creationId xmlns:p14="http://schemas.microsoft.com/office/powerpoint/2010/main" val="3354625088"/>
       </p:ext>
     </p:extLst>
   </p:cSld>
